--- a/Chapter 1/Chapter 1.pptx
+++ b/Chapter 1/Chapter 1.pptx
@@ -5,10 +5,10 @@
     <p:sldMasterId id="2147483708" r:id="rId1"/>
   </p:sldMasterIdLst>
   <p:notesMasterIdLst>
-    <p:notesMasterId r:id="rId31"/>
+    <p:notesMasterId r:id="rId27"/>
   </p:notesMasterIdLst>
   <p:handoutMasterIdLst>
-    <p:handoutMasterId r:id="rId32"/>
+    <p:handoutMasterId r:id="rId28"/>
   </p:handoutMasterIdLst>
   <p:sldIdLst>
     <p:sldId id="256" r:id="rId2"/>
@@ -36,10 +36,6 @@
     <p:sldId id="274" r:id="rId24"/>
     <p:sldId id="275" r:id="rId25"/>
     <p:sldId id="276" r:id="rId26"/>
-    <p:sldId id="269" r:id="rId27"/>
-    <p:sldId id="270" r:id="rId28"/>
-    <p:sldId id="272" r:id="rId29"/>
-    <p:sldId id="271" r:id="rId30"/>
   </p:sldIdLst>
   <p:sldSz cx="12192000" cy="6858000"/>
   <p:notesSz cx="6858000" cy="9144000"/>
@@ -168,16 +164,15 @@
             <p14:sldId id="274"/>
             <p14:sldId id="275"/>
             <p14:sldId id="276"/>
-            <p14:sldId id="269"/>
-            <p14:sldId id="270"/>
-            <p14:sldId id="272"/>
-            <p14:sldId id="271"/>
           </p14:sldIdLst>
         </p14:section>
       </p14:sectionLst>
     </p:ext>
     <p:ext uri="{EFAFB233-063F-42B5-8137-9DF3F51BA10A}">
       <p15:sldGuideLst xmlns:p15="http://schemas.microsoft.com/office/powerpoint/2012/main"/>
+    </p:ext>
+    <p:ext uri="{2D200454-40CA-4A62-9FC3-DE9A4176ACB9}">
+      <p15:notesGuideLst xmlns:p15="http://schemas.microsoft.com/office/powerpoint/2012/main"/>
     </p:ext>
   </p:extLst>
 </p:presentation>
@@ -195,8 +190,8 @@
 <pc:chgInfo xmlns:a="http://schemas.openxmlformats.org/drawingml/2006/main" xmlns:r="http://schemas.openxmlformats.org/officeDocument/2006/relationships" xmlns:ac="http://schemas.microsoft.com/office/drawing/2013/main/command" xmlns:pc="http://schemas.microsoft.com/office/powerpoint/2013/main/command">
   <pc:docChgLst>
     <pc:chgData name="Nachai (Fluke) Paramesthanakorn" userId="348aaf9e-50b5-4d18-a5fc-8333da0e2505" providerId="ADAL" clId="{E5331A67-5677-47EB-9C5B-3F37A9D25741}"/>
-    <pc:docChg chg="undo custSel addSld delSld modSld sldOrd modMainMaster addSection">
-      <pc:chgData name="Nachai (Fluke) Paramesthanakorn" userId="348aaf9e-50b5-4d18-a5fc-8333da0e2505" providerId="ADAL" clId="{E5331A67-5677-47EB-9C5B-3F37A9D25741}" dt="2022-06-18T17:06:28.436" v="10553" actId="121"/>
+    <pc:docChg chg="undo custSel addSld delSld modSld sldOrd modMainMaster addSection modSection">
+      <pc:chgData name="Nachai (Fluke) Paramesthanakorn" userId="348aaf9e-50b5-4d18-a5fc-8333da0e2505" providerId="ADAL" clId="{E5331A67-5677-47EB-9C5B-3F37A9D25741}" dt="2022-06-27T03:11:14.956" v="10575" actId="47"/>
       <pc:docMkLst>
         <pc:docMk/>
       </pc:docMkLst>
@@ -311,14 +306,14 @@
           </ac:cxnSpMkLst>
         </pc:cxnChg>
       </pc:sldChg>
-      <pc:sldChg chg="addSp delSp modSp new mod">
-        <pc:chgData name="Nachai (Fluke) Paramesthanakorn" userId="348aaf9e-50b5-4d18-a5fc-8333da0e2505" providerId="ADAL" clId="{E5331A67-5677-47EB-9C5B-3F37A9D25741}" dt="2022-06-18T15:26:28.852" v="10343"/>
+      <pc:sldChg chg="addSp delSp modSp new mod setBg">
+        <pc:chgData name="Nachai (Fluke) Paramesthanakorn" userId="348aaf9e-50b5-4d18-a5fc-8333da0e2505" providerId="ADAL" clId="{E5331A67-5677-47EB-9C5B-3F37A9D25741}" dt="2022-06-19T02:56:29.876" v="10571" actId="1076"/>
         <pc:sldMkLst>
           <pc:docMk/>
           <pc:sldMk cId="718230199" sldId="257"/>
         </pc:sldMkLst>
         <pc:spChg chg="mod">
-          <ac:chgData name="Nachai (Fluke) Paramesthanakorn" userId="348aaf9e-50b5-4d18-a5fc-8333da0e2505" providerId="ADAL" clId="{E5331A67-5677-47EB-9C5B-3F37A9D25741}" dt="2022-06-18T15:26:28.852" v="10343"/>
+          <ac:chgData name="Nachai (Fluke) Paramesthanakorn" userId="348aaf9e-50b5-4d18-a5fc-8333da0e2505" providerId="ADAL" clId="{E5331A67-5677-47EB-9C5B-3F37A9D25741}" dt="2022-06-19T02:56:22.393" v="10569" actId="26606"/>
           <ac:spMkLst>
             <pc:docMk/>
             <pc:sldMk cId="718230199" sldId="257"/>
@@ -326,7 +321,7 @@
           </ac:spMkLst>
         </pc:spChg>
         <pc:spChg chg="mod">
-          <ac:chgData name="Nachai (Fluke) Paramesthanakorn" userId="348aaf9e-50b5-4d18-a5fc-8333da0e2505" providerId="ADAL" clId="{E5331A67-5677-47EB-9C5B-3F37A9D25741}" dt="2022-06-18T15:26:28.852" v="10343"/>
+          <ac:chgData name="Nachai (Fluke) Paramesthanakorn" userId="348aaf9e-50b5-4d18-a5fc-8333da0e2505" providerId="ADAL" clId="{E5331A67-5677-47EB-9C5B-3F37A9D25741}" dt="2022-06-19T02:56:22.393" v="10569" actId="26606"/>
           <ac:spMkLst>
             <pc:docMk/>
             <pc:sldMk cId="718230199" sldId="257"/>
@@ -341,6 +336,14 @@
             <ac:spMk id="5" creationId="{00B6B68C-52BF-1A13-84AC-C7D2670707CC}"/>
           </ac:spMkLst>
         </pc:spChg>
+        <pc:spChg chg="mod ord">
+          <ac:chgData name="Nachai (Fluke) Paramesthanakorn" userId="348aaf9e-50b5-4d18-a5fc-8333da0e2505" providerId="ADAL" clId="{E5331A67-5677-47EB-9C5B-3F37A9D25741}" dt="2022-06-19T02:56:22.393" v="10569" actId="26606"/>
+          <ac:spMkLst>
+            <pc:docMk/>
+            <pc:sldMk cId="718230199" sldId="257"/>
+            <ac:spMk id="5" creationId="{C3A162B5-469F-A4DA-4FAE-AA07E55261FD}"/>
+          </ac:spMkLst>
+        </pc:spChg>
         <pc:spChg chg="mod">
           <ac:chgData name="Nachai (Fluke) Paramesthanakorn" userId="348aaf9e-50b5-4d18-a5fc-8333da0e2505" providerId="ADAL" clId="{E5331A67-5677-47EB-9C5B-3F37A9D25741}" dt="2022-06-06T05:50:50.368" v="564"/>
           <ac:spMkLst>
@@ -349,6 +352,14 @@
             <ac:spMk id="6" creationId="{55A7A106-4900-D035-5DFE-C2AA050EFD60}"/>
           </ac:spMkLst>
         </pc:spChg>
+        <pc:spChg chg="mod ord">
+          <ac:chgData name="Nachai (Fluke) Paramesthanakorn" userId="348aaf9e-50b5-4d18-a5fc-8333da0e2505" providerId="ADAL" clId="{E5331A67-5677-47EB-9C5B-3F37A9D25741}" dt="2022-06-19T02:56:22.393" v="10569" actId="26606"/>
+          <ac:spMkLst>
+            <pc:docMk/>
+            <pc:sldMk cId="718230199" sldId="257"/>
+            <ac:spMk id="6" creationId="{DCC25AD0-7E37-9E69-4DA2-F337693B29CC}"/>
+          </ac:spMkLst>
+        </pc:spChg>
         <pc:spChg chg="mod">
           <ac:chgData name="Nachai (Fluke) Paramesthanakorn" userId="348aaf9e-50b5-4d18-a5fc-8333da0e2505" providerId="ADAL" clId="{E5331A67-5677-47EB-9C5B-3F37A9D25741}" dt="2022-06-06T05:50:50.368" v="564"/>
           <ac:spMkLst>
@@ -371,6 +382,94 @@
             <pc:docMk/>
             <pc:sldMk cId="718230199" sldId="257"/>
             <ac:spMk id="9" creationId="{0DCEAF9E-5CB2-4B22-9B0E-ADE6A5E8BD78}"/>
+          </ac:spMkLst>
+        </pc:spChg>
+        <pc:spChg chg="add del">
+          <ac:chgData name="Nachai (Fluke) Paramesthanakorn" userId="348aaf9e-50b5-4d18-a5fc-8333da0e2505" providerId="ADAL" clId="{E5331A67-5677-47EB-9C5B-3F37A9D25741}" dt="2022-06-19T02:56:17.916" v="10561" actId="26606"/>
+          <ac:spMkLst>
+            <pc:docMk/>
+            <pc:sldMk cId="718230199" sldId="257"/>
+            <ac:spMk id="14" creationId="{131BAD53-4E89-4F62-BBB7-26359763ED39}"/>
+          </ac:spMkLst>
+        </pc:spChg>
+        <pc:spChg chg="add del">
+          <ac:chgData name="Nachai (Fluke) Paramesthanakorn" userId="348aaf9e-50b5-4d18-a5fc-8333da0e2505" providerId="ADAL" clId="{E5331A67-5677-47EB-9C5B-3F37A9D25741}" dt="2022-06-19T02:56:17.916" v="10561" actId="26606"/>
+          <ac:spMkLst>
+            <pc:docMk/>
+            <pc:sldMk cId="718230199" sldId="257"/>
+            <ac:spMk id="16" creationId="{62756DA2-40EB-4C6F-B962-5822FFB54FB6}"/>
+          </ac:spMkLst>
+        </pc:spChg>
+        <pc:spChg chg="add del">
+          <ac:chgData name="Nachai (Fluke) Paramesthanakorn" userId="348aaf9e-50b5-4d18-a5fc-8333da0e2505" providerId="ADAL" clId="{E5331A67-5677-47EB-9C5B-3F37A9D25741}" dt="2022-06-19T02:56:19.549" v="10563" actId="26606"/>
+          <ac:spMkLst>
+            <pc:docMk/>
+            <pc:sldMk cId="718230199" sldId="257"/>
+            <ac:spMk id="18" creationId="{2B97F24A-32CE-4C1C-A50D-3016B394DCFB}"/>
+          </ac:spMkLst>
+        </pc:spChg>
+        <pc:spChg chg="add del">
+          <ac:chgData name="Nachai (Fluke) Paramesthanakorn" userId="348aaf9e-50b5-4d18-a5fc-8333da0e2505" providerId="ADAL" clId="{E5331A67-5677-47EB-9C5B-3F37A9D25741}" dt="2022-06-19T02:56:19.549" v="10563" actId="26606"/>
+          <ac:spMkLst>
+            <pc:docMk/>
+            <pc:sldMk cId="718230199" sldId="257"/>
+            <ac:spMk id="19" creationId="{CD8B4F24-440B-49E9-B85D-733523DC064B}"/>
+          </ac:spMkLst>
+        </pc:spChg>
+        <pc:spChg chg="add del">
+          <ac:chgData name="Nachai (Fluke) Paramesthanakorn" userId="348aaf9e-50b5-4d18-a5fc-8333da0e2505" providerId="ADAL" clId="{E5331A67-5677-47EB-9C5B-3F37A9D25741}" dt="2022-06-19T02:56:20.602" v="10565" actId="26606"/>
+          <ac:spMkLst>
+            <pc:docMk/>
+            <pc:sldMk cId="718230199" sldId="257"/>
+            <ac:spMk id="21" creationId="{2B97F24A-32CE-4C1C-A50D-3016B394DCFB}"/>
+          </ac:spMkLst>
+        </pc:spChg>
+        <pc:spChg chg="add del">
+          <ac:chgData name="Nachai (Fluke) Paramesthanakorn" userId="348aaf9e-50b5-4d18-a5fc-8333da0e2505" providerId="ADAL" clId="{E5331A67-5677-47EB-9C5B-3F37A9D25741}" dt="2022-06-19T02:56:20.602" v="10565" actId="26606"/>
+          <ac:spMkLst>
+            <pc:docMk/>
+            <pc:sldMk cId="718230199" sldId="257"/>
+            <ac:spMk id="22" creationId="{6357EC4F-235E-4222-A36F-C7878ACE37F2}"/>
+          </ac:spMkLst>
+        </pc:spChg>
+        <pc:spChg chg="add del">
+          <ac:chgData name="Nachai (Fluke) Paramesthanakorn" userId="348aaf9e-50b5-4d18-a5fc-8333da0e2505" providerId="ADAL" clId="{E5331A67-5677-47EB-9C5B-3F37A9D25741}" dt="2022-06-19T02:56:21.149" v="10567" actId="26606"/>
+          <ac:spMkLst>
+            <pc:docMk/>
+            <pc:sldMk cId="718230199" sldId="257"/>
+            <ac:spMk id="24" creationId="{C232B152-3720-4D3B-97ED-45CE5483F16F}"/>
+          </ac:spMkLst>
+        </pc:spChg>
+        <pc:spChg chg="add del">
+          <ac:chgData name="Nachai (Fluke) Paramesthanakorn" userId="348aaf9e-50b5-4d18-a5fc-8333da0e2505" providerId="ADAL" clId="{E5331A67-5677-47EB-9C5B-3F37A9D25741}" dt="2022-06-19T02:56:21.149" v="10567" actId="26606"/>
+          <ac:spMkLst>
+            <pc:docMk/>
+            <pc:sldMk cId="718230199" sldId="257"/>
+            <ac:spMk id="25" creationId="{11BAB570-FF10-4E96-8A3F-FA9804702B89}"/>
+          </ac:spMkLst>
+        </pc:spChg>
+        <pc:spChg chg="add del">
+          <ac:chgData name="Nachai (Fluke) Paramesthanakorn" userId="348aaf9e-50b5-4d18-a5fc-8333da0e2505" providerId="ADAL" clId="{E5331A67-5677-47EB-9C5B-3F37A9D25741}" dt="2022-06-19T02:56:21.149" v="10567" actId="26606"/>
+          <ac:spMkLst>
+            <pc:docMk/>
+            <pc:sldMk cId="718230199" sldId="257"/>
+            <ac:spMk id="26" creationId="{4B9FAFB2-BEB5-4848-8018-BCAD99E2E1AA}"/>
+          </ac:spMkLst>
+        </pc:spChg>
+        <pc:spChg chg="add del">
+          <ac:chgData name="Nachai (Fluke) Paramesthanakorn" userId="348aaf9e-50b5-4d18-a5fc-8333da0e2505" providerId="ADAL" clId="{E5331A67-5677-47EB-9C5B-3F37A9D25741}" dt="2022-06-19T02:56:22.393" v="10569" actId="26606"/>
+          <ac:spMkLst>
+            <pc:docMk/>
+            <pc:sldMk cId="718230199" sldId="257"/>
+            <ac:spMk id="28" creationId="{131BAD53-4E89-4F62-BBB7-26359763ED39}"/>
+          </ac:spMkLst>
+        </pc:spChg>
+        <pc:spChg chg="add del">
+          <ac:chgData name="Nachai (Fluke) Paramesthanakorn" userId="348aaf9e-50b5-4d18-a5fc-8333da0e2505" providerId="ADAL" clId="{E5331A67-5677-47EB-9C5B-3F37A9D25741}" dt="2022-06-19T02:56:22.393" v="10569" actId="26606"/>
+          <ac:spMkLst>
+            <pc:docMk/>
+            <pc:sldMk cId="718230199" sldId="257"/>
+            <ac:spMk id="29" creationId="{62756DA2-40EB-4C6F-B962-5822FFB54FB6}"/>
           </ac:spMkLst>
         </pc:spChg>
         <pc:grpChg chg="add del mod">
@@ -381,6 +480,22 @@
             <ac:grpSpMk id="4" creationId="{71526FA3-2126-A28E-FC9B-421616F5776C}"/>
           </ac:grpSpMkLst>
         </pc:grpChg>
+        <pc:picChg chg="add del mod">
+          <ac:chgData name="Nachai (Fluke) Paramesthanakorn" userId="348aaf9e-50b5-4d18-a5fc-8333da0e2505" providerId="ADAL" clId="{E5331A67-5677-47EB-9C5B-3F37A9D25741}" dt="2022-06-19T02:55:21.710" v="10558" actId="478"/>
+          <ac:picMkLst>
+            <pc:docMk/>
+            <pc:sldMk cId="718230199" sldId="257"/>
+            <ac:picMk id="7" creationId="{B9517FC5-737F-5D0E-221C-2C7C4E295F26}"/>
+          </ac:picMkLst>
+        </pc:picChg>
+        <pc:picChg chg="add mod">
+          <ac:chgData name="Nachai (Fluke) Paramesthanakorn" userId="348aaf9e-50b5-4d18-a5fc-8333da0e2505" providerId="ADAL" clId="{E5331A67-5677-47EB-9C5B-3F37A9D25741}" dt="2022-06-19T02:56:29.876" v="10571" actId="1076"/>
+          <ac:picMkLst>
+            <pc:docMk/>
+            <pc:sldMk cId="718230199" sldId="257"/>
+            <ac:picMk id="9" creationId="{F92A78DA-B779-E0B4-2CD0-F2E4D264625A}"/>
+          </ac:picMkLst>
+        </pc:picChg>
         <pc:cxnChg chg="mod">
           <ac:chgData name="Nachai (Fluke) Paramesthanakorn" userId="348aaf9e-50b5-4d18-a5fc-8333da0e2505" providerId="ADAL" clId="{E5331A67-5677-47EB-9C5B-3F37A9D25741}" dt="2022-06-06T05:50:59.171" v="566" actId="478"/>
           <ac:cxnSpMkLst>
@@ -1827,8 +1942,8 @@
           </ac:spMkLst>
         </pc:spChg>
       </pc:sldChg>
-      <pc:sldChg chg="modSp new mod">
-        <pc:chgData name="Nachai (Fluke) Paramesthanakorn" userId="348aaf9e-50b5-4d18-a5fc-8333da0e2505" providerId="ADAL" clId="{E5331A67-5677-47EB-9C5B-3F37A9D25741}" dt="2022-06-18T15:26:28.991" v="10345" actId="27636"/>
+      <pc:sldChg chg="modSp new del mod">
+        <pc:chgData name="Nachai (Fluke) Paramesthanakorn" userId="348aaf9e-50b5-4d18-a5fc-8333da0e2505" providerId="ADAL" clId="{E5331A67-5677-47EB-9C5B-3F37A9D25741}" dt="2022-06-27T03:11:12.512" v="10572" actId="47"/>
         <pc:sldMkLst>
           <pc:docMk/>
           <pc:sldMk cId="3041106306" sldId="269"/>
@@ -1850,8 +1965,8 @@
           </ac:spMkLst>
         </pc:spChg>
       </pc:sldChg>
-      <pc:sldChg chg="addSp delSp modSp new mod">
-        <pc:chgData name="Nachai (Fluke) Paramesthanakorn" userId="348aaf9e-50b5-4d18-a5fc-8333da0e2505" providerId="ADAL" clId="{E5331A67-5677-47EB-9C5B-3F37A9D25741}" dt="2022-06-18T15:30:17.824" v="10360" actId="2711"/>
+      <pc:sldChg chg="addSp delSp modSp new del mod">
+        <pc:chgData name="Nachai (Fluke) Paramesthanakorn" userId="348aaf9e-50b5-4d18-a5fc-8333da0e2505" providerId="ADAL" clId="{E5331A67-5677-47EB-9C5B-3F37A9D25741}" dt="2022-06-27T03:11:13.683" v="10573" actId="47"/>
         <pc:sldMkLst>
           <pc:docMk/>
           <pc:sldMk cId="3259305089" sldId="270"/>
@@ -2305,8 +2420,8 @@
           </ac:cxnSpMkLst>
         </pc:cxnChg>
       </pc:sldChg>
-      <pc:sldChg chg="addSp delSp modSp add mod">
-        <pc:chgData name="Nachai (Fluke) Paramesthanakorn" userId="348aaf9e-50b5-4d18-a5fc-8333da0e2505" providerId="ADAL" clId="{E5331A67-5677-47EB-9C5B-3F37A9D25741}" dt="2022-06-18T15:30:54.409" v="10364" actId="208"/>
+      <pc:sldChg chg="addSp delSp modSp add del mod">
+        <pc:chgData name="Nachai (Fluke) Paramesthanakorn" userId="348aaf9e-50b5-4d18-a5fc-8333da0e2505" providerId="ADAL" clId="{E5331A67-5677-47EB-9C5B-3F37A9D25741}" dt="2022-06-27T03:11:14.956" v="10575" actId="47"/>
         <pc:sldMkLst>
           <pc:docMk/>
           <pc:sldMk cId="2551449281" sldId="271"/>
@@ -2552,8 +2667,8 @@
           </ac:grpSpMkLst>
         </pc:grpChg>
       </pc:sldChg>
-      <pc:sldChg chg="addSp delSp modSp add mod">
-        <pc:chgData name="Nachai (Fluke) Paramesthanakorn" userId="348aaf9e-50b5-4d18-a5fc-8333da0e2505" providerId="ADAL" clId="{E5331A67-5677-47EB-9C5B-3F37A9D25741}" dt="2022-06-18T15:30:23.497" v="10361" actId="207"/>
+      <pc:sldChg chg="addSp delSp modSp add del mod">
+        <pc:chgData name="Nachai (Fluke) Paramesthanakorn" userId="348aaf9e-50b5-4d18-a5fc-8333da0e2505" providerId="ADAL" clId="{E5331A67-5677-47EB-9C5B-3F37A9D25741}" dt="2022-06-27T03:11:14.244" v="10574" actId="47"/>
         <pc:sldMkLst>
           <pc:docMk/>
           <pc:sldMk cId="3195443212" sldId="272"/>
@@ -3680,7 +3795,7 @@
           <a:p>
             <a:fld id="{1B8BD818-0027-4497-A7FF-7D96EAD0ED75}" type="datetimeFigureOut">
               <a:rPr lang="en-US" smtClean="0"/>
-              <a:t>6/18/2022</a:t>
+              <a:t>6/27/2022</a:t>
             </a:fld>
             <a:endParaRPr lang="en-US"/>
           </a:p>
@@ -3857,7 +3972,7 @@
           <a:p>
             <a:fld id="{E52209A9-A936-4E70-B731-729B5AE053E0}" type="datetimeFigureOut">
               <a:rPr lang="en-US" smtClean="0"/>
-              <a:t>6/18/2022</a:t>
+              <a:t>6/27/2022</a:t>
             </a:fld>
             <a:endParaRPr lang="en-US"/>
           </a:p>
@@ -4355,7 +4470,7 @@
           <a:p>
             <a:fld id="{20F1352F-62AB-4A2A-B1A1-EFF8A219BAD0}" type="datetime1">
               <a:rPr lang="en-US" smtClean="0"/>
-              <a:t>6/19/2022</a:t>
+              <a:t>6/27/2022</a:t>
             </a:fld>
             <a:endParaRPr lang="en-US"/>
           </a:p>
@@ -4556,7 +4671,7 @@
           <a:p>
             <a:fld id="{ECC312DA-5616-4376-9011-314338FA0979}" type="datetime1">
               <a:rPr lang="en-US" smtClean="0"/>
-              <a:t>6/19/2022</a:t>
+              <a:t>6/27/2022</a:t>
             </a:fld>
             <a:endParaRPr lang="en-US"/>
           </a:p>
@@ -4767,7 +4882,7 @@
           <a:p>
             <a:fld id="{01B4921E-F74B-4D9F-840D-2BB80F6FC49D}" type="datetime1">
               <a:rPr lang="en-US" smtClean="0"/>
-              <a:t>6/19/2022</a:t>
+              <a:t>6/27/2022</a:t>
             </a:fld>
             <a:endParaRPr lang="en-US"/>
           </a:p>
@@ -4968,7 +5083,7 @@
           <a:p>
             <a:fld id="{9C385431-2D01-4044-B629-24F51BBCCC1E}" type="datetime1">
               <a:rPr lang="en-US" smtClean="0"/>
-              <a:t>6/19/2022</a:t>
+              <a:t>6/27/2022</a:t>
             </a:fld>
             <a:endParaRPr lang="en-US"/>
           </a:p>
@@ -5261,7 +5376,7 @@
           <a:p>
             <a:fld id="{AF66BA62-33D4-447D-9829-9498D5E6EBDE}" type="datetime1">
               <a:rPr lang="en-US" smtClean="0"/>
-              <a:t>6/19/2022</a:t>
+              <a:t>6/27/2022</a:t>
             </a:fld>
             <a:endParaRPr lang="en-US"/>
           </a:p>
@@ -5529,7 +5644,7 @@
           <a:p>
             <a:fld id="{D08BA9BC-FD1F-4C33-9DF3-302330476728}" type="datetime1">
               <a:rPr lang="en-US" smtClean="0"/>
-              <a:t>6/19/2022</a:t>
+              <a:t>6/27/2022</a:t>
             </a:fld>
             <a:endParaRPr lang="en-US"/>
           </a:p>
@@ -5944,7 +6059,7 @@
           <a:p>
             <a:fld id="{B91E7A3D-E9B4-4E99-91E4-285F4C0E12BA}" type="datetime1">
               <a:rPr lang="en-US" smtClean="0"/>
-              <a:t>6/19/2022</a:t>
+              <a:t>6/27/2022</a:t>
             </a:fld>
             <a:endParaRPr lang="en-US"/>
           </a:p>
@@ -6088,7 +6203,7 @@
           <a:p>
             <a:fld id="{2809D33C-C054-4D85-9E15-5F759C5C7251}" type="datetime1">
               <a:rPr lang="en-US" smtClean="0"/>
-              <a:t>6/19/2022</a:t>
+              <a:t>6/27/2022</a:t>
             </a:fld>
             <a:endParaRPr lang="en-US"/>
           </a:p>
@@ -6204,7 +6319,7 @@
           <a:p>
             <a:fld id="{C3FF2400-551A-4239-9DDA-EA3D5FADB61A}" type="datetime1">
               <a:rPr lang="en-US" smtClean="0"/>
-              <a:t>6/19/2022</a:t>
+              <a:t>6/27/2022</a:t>
             </a:fld>
             <a:endParaRPr lang="en-US"/>
           </a:p>
@@ -6518,7 +6633,7 @@
           <a:p>
             <a:fld id="{34C640E9-EFA8-4702-A530-7A5FA529057F}" type="datetime1">
               <a:rPr lang="en-US" smtClean="0"/>
-              <a:t>6/19/2022</a:t>
+              <a:t>6/27/2022</a:t>
             </a:fld>
             <a:endParaRPr lang="en-US"/>
           </a:p>
@@ -6809,7 +6924,7 @@
           <a:p>
             <a:fld id="{695956D8-0D3D-48BE-95D6-02838639F026}" type="datetime1">
               <a:rPr lang="en-US" smtClean="0"/>
-              <a:t>6/19/2022</a:t>
+              <a:t>6/27/2022</a:t>
             </a:fld>
             <a:endParaRPr lang="en-US"/>
           </a:p>
@@ -7053,7 +7168,7 @@
           <a:p>
             <a:fld id="{ED5F5064-2AB2-4C2D-A0AA-2439F84DCEB0}" type="datetime1">
               <a:rPr lang="en-US" smtClean="0"/>
-              <a:t>6/19/2022</a:t>
+              <a:t>6/27/2022</a:t>
             </a:fld>
             <a:endParaRPr lang="en-US"/>
           </a:p>
@@ -19296,7859 +19411,6 @@
 </p:sld>
 </file>
 
-<file path=ppt/slides/slide26.xml><?xml version="1.0" encoding="utf-8"?>
-<p:sld xmlns:a="http://schemas.openxmlformats.org/drawingml/2006/main" xmlns:r="http://schemas.openxmlformats.org/officeDocument/2006/relationships" xmlns:p="http://schemas.openxmlformats.org/presentationml/2006/main">
-  <p:cSld>
-    <p:spTree>
-      <p:nvGrpSpPr>
-        <p:cNvPr id="1" name=""/>
-        <p:cNvGrpSpPr/>
-        <p:nvPr/>
-      </p:nvGrpSpPr>
-      <p:grpSpPr>
-        <a:xfrm>
-          <a:off x="0" y="0"/>
-          <a:ext cx="0" cy="0"/>
-          <a:chOff x="0" y="0"/>
-          <a:chExt cx="0" cy="0"/>
-        </a:xfrm>
-      </p:grpSpPr>
-      <p:sp>
-        <p:nvSpPr>
-          <p:cNvPr id="2" name="Title 1">
-            <a:extLst>
-              <a:ext uri="{FF2B5EF4-FFF2-40B4-BE49-F238E27FC236}">
-                <a16:creationId xmlns:a16="http://schemas.microsoft.com/office/drawing/2014/main" id="{BD2DEE9A-47EF-EC7F-0688-A2AF6AA66E59}"/>
-              </a:ext>
-            </a:extLst>
-          </p:cNvPr>
-          <p:cNvSpPr>
-            <a:spLocks noGrp="1"/>
-          </p:cNvSpPr>
-          <p:nvPr>
-            <p:ph type="title"/>
-          </p:nvPr>
-        </p:nvSpPr>
-        <p:spPr>
-          <a:xfrm>
-            <a:off x="1056443" y="365760"/>
-            <a:ext cx="9898069" cy="1325562"/>
-          </a:xfrm>
-        </p:spPr>
-        <p:txBody>
-          <a:bodyPr anchor="ctr"/>
-          <a:lstStyle/>
-          <a:p>
-            <a:r>
-              <a:rPr lang="en-US" dirty="0">
-                <a:latin typeface="TH Sarabun New" panose="020B0500040200020003" pitchFamily="34" charset="-34"/>
-                <a:cs typeface="TH Sarabun New" panose="020B0500040200020003" pitchFamily="34" charset="-34"/>
-              </a:rPr>
-              <a:t>Example</a:t>
-            </a:r>
-          </a:p>
-        </p:txBody>
-      </p:sp>
-      <p:sp>
-        <p:nvSpPr>
-          <p:cNvPr id="3" name="Content Placeholder 2">
-            <a:extLst>
-              <a:ext uri="{FF2B5EF4-FFF2-40B4-BE49-F238E27FC236}">
-                <a16:creationId xmlns:a16="http://schemas.microsoft.com/office/drawing/2014/main" id="{6901D63C-4AEA-D8B7-2040-00791D802D08}"/>
-              </a:ext>
-            </a:extLst>
-          </p:cNvPr>
-          <p:cNvSpPr>
-            <a:spLocks noGrp="1"/>
-          </p:cNvSpPr>
-          <p:nvPr>
-            <p:ph idx="1"/>
-          </p:nvPr>
-        </p:nvSpPr>
-        <p:spPr>
-          <a:xfrm>
-            <a:off x="1056443" y="1828800"/>
-            <a:ext cx="9250531" cy="4351337"/>
-          </a:xfrm>
-        </p:spPr>
-        <p:txBody>
-          <a:bodyPr>
-            <a:normAutofit/>
-          </a:bodyPr>
-          <a:lstStyle/>
-          <a:p>
-            <a:pPr marL="0" indent="0">
-              <a:buNone/>
-            </a:pPr>
-            <a:r>
-              <a:rPr lang="th-TH" sz="2400" dirty="0">
-                <a:latin typeface="TH Sarabun New" panose="020B0500040200020003" pitchFamily="34" charset="-34"/>
-                <a:cs typeface="TH Sarabun New" panose="020B0500040200020003" pitchFamily="34" charset="-34"/>
-              </a:rPr>
-              <a:t>ออกแบบ </a:t>
-            </a:r>
-            <a:r>
-              <a:rPr lang="en-US" sz="2400" dirty="0">
-                <a:latin typeface="TH Sarabun New" panose="020B0500040200020003" pitchFamily="34" charset="-34"/>
-                <a:cs typeface="TH Sarabun New" panose="020B0500040200020003" pitchFamily="34" charset="-34"/>
-              </a:rPr>
-              <a:t>Flowchart </a:t>
-            </a:r>
-            <a:r>
-              <a:rPr lang="th-TH" sz="2400" dirty="0">
-                <a:latin typeface="TH Sarabun New" panose="020B0500040200020003" pitchFamily="34" charset="-34"/>
-                <a:cs typeface="TH Sarabun New" panose="020B0500040200020003" pitchFamily="34" charset="-34"/>
-              </a:rPr>
-              <a:t>ในการผ่านด่านของเกมส์ มีจุดประสงค์คือ </a:t>
-            </a:r>
-            <a:r>
-              <a:rPr lang="en-US" sz="2400" dirty="0">
-                <a:latin typeface="TH Sarabun New" panose="020B0500040200020003" pitchFamily="34" charset="-34"/>
-                <a:cs typeface="TH Sarabun New" panose="020B0500040200020003" pitchFamily="34" charset="-34"/>
-              </a:rPr>
-              <a:t>upgrade level </a:t>
-            </a:r>
-            <a:r>
-              <a:rPr lang="th-TH" sz="2400" dirty="0">
-                <a:latin typeface="TH Sarabun New" panose="020B0500040200020003" pitchFamily="34" charset="-34"/>
-                <a:cs typeface="TH Sarabun New" panose="020B0500040200020003" pitchFamily="34" charset="-34"/>
-              </a:rPr>
-              <a:t>ให้มากกว่าหรือเท่ากับ 10 และ ล่าบอสสำเร็จ จึงจะถือว่าผ่านด่าน กำหนดให้มีข้อจำกัดดังนี้</a:t>
-            </a:r>
-            <a:endParaRPr lang="en-US" sz="2400" dirty="0">
-              <a:latin typeface="TH Sarabun New" panose="020B0500040200020003" pitchFamily="34" charset="-34"/>
-              <a:cs typeface="TH Sarabun New" panose="020B0500040200020003" pitchFamily="34" charset="-34"/>
-            </a:endParaRPr>
-          </a:p>
-          <a:p>
-            <a:r>
-              <a:rPr lang="en-US" sz="2400" dirty="0">
-                <a:latin typeface="TH Sarabun New" panose="020B0500040200020003" pitchFamily="34" charset="-34"/>
-                <a:cs typeface="TH Sarabun New" panose="020B0500040200020003" pitchFamily="34" charset="-34"/>
-              </a:rPr>
-              <a:t>level </a:t>
-            </a:r>
-            <a:r>
-              <a:rPr lang="th-TH" sz="2400" dirty="0">
-                <a:latin typeface="TH Sarabun New" panose="020B0500040200020003" pitchFamily="34" charset="-34"/>
-                <a:cs typeface="TH Sarabun New" panose="020B0500040200020003" pitchFamily="34" charset="-34"/>
-              </a:rPr>
-              <a:t>เริ่มต้นคือ 1 และ </a:t>
-            </a:r>
-            <a:r>
-              <a:rPr lang="en-US" sz="2400" dirty="0">
-                <a:latin typeface="TH Sarabun New" panose="020B0500040200020003" pitchFamily="34" charset="-34"/>
-                <a:cs typeface="TH Sarabun New" panose="020B0500040200020003" pitchFamily="34" charset="-34"/>
-              </a:rPr>
-              <a:t>EXP </a:t>
-            </a:r>
-            <a:r>
-              <a:rPr lang="th-TH" sz="2400" dirty="0">
-                <a:latin typeface="TH Sarabun New" panose="020B0500040200020003" pitchFamily="34" charset="-34"/>
-                <a:cs typeface="TH Sarabun New" panose="020B0500040200020003" pitchFamily="34" charset="-34"/>
-              </a:rPr>
-              <a:t>เริ่มต้นคือ 0</a:t>
-            </a:r>
-          </a:p>
-          <a:p>
-            <a:r>
-              <a:rPr lang="th-TH" sz="2400" dirty="0">
-                <a:latin typeface="TH Sarabun New" panose="020B0500040200020003" pitchFamily="34" charset="-34"/>
-                <a:cs typeface="TH Sarabun New" panose="020B0500040200020003" pitchFamily="34" charset="-34"/>
-              </a:rPr>
-              <a:t>การ</a:t>
-            </a:r>
-            <a:r>
-              <a:rPr lang="en-US" sz="2400" dirty="0">
-                <a:latin typeface="TH Sarabun New" panose="020B0500040200020003" pitchFamily="34" charset="-34"/>
-                <a:cs typeface="TH Sarabun New" panose="020B0500040200020003" pitchFamily="34" charset="-34"/>
-              </a:rPr>
-              <a:t> upgrade level </a:t>
-            </a:r>
-            <a:r>
-              <a:rPr lang="th-TH" sz="2400" dirty="0">
-                <a:latin typeface="TH Sarabun New" panose="020B0500040200020003" pitchFamily="34" charset="-34"/>
-                <a:cs typeface="TH Sarabun New" panose="020B0500040200020003" pitchFamily="34" charset="-34"/>
-              </a:rPr>
-              <a:t>ทำได้จากการเพิ่มค่าประสบการณ์ (</a:t>
-            </a:r>
-            <a:r>
-              <a:rPr lang="en-US" sz="2400" dirty="0">
-                <a:latin typeface="TH Sarabun New" panose="020B0500040200020003" pitchFamily="34" charset="-34"/>
-                <a:cs typeface="TH Sarabun New" panose="020B0500040200020003" pitchFamily="34" charset="-34"/>
-              </a:rPr>
-              <a:t>EXP</a:t>
-            </a:r>
-            <a:r>
-              <a:rPr lang="th-TH" sz="2400" dirty="0">
-                <a:latin typeface="TH Sarabun New" panose="020B0500040200020003" pitchFamily="34" charset="-34"/>
-                <a:cs typeface="TH Sarabun New" panose="020B0500040200020003" pitchFamily="34" charset="-34"/>
-              </a:rPr>
-              <a:t>)</a:t>
-            </a:r>
-            <a:r>
-              <a:rPr lang="en-US" sz="2400" dirty="0">
-                <a:latin typeface="TH Sarabun New" panose="020B0500040200020003" pitchFamily="34" charset="-34"/>
-                <a:cs typeface="TH Sarabun New" panose="020B0500040200020003" pitchFamily="34" charset="-34"/>
-              </a:rPr>
-              <a:t> </a:t>
-            </a:r>
-            <a:r>
-              <a:rPr lang="th-TH" sz="2400" dirty="0">
-                <a:latin typeface="TH Sarabun New" panose="020B0500040200020003" pitchFamily="34" charset="-34"/>
-                <a:cs typeface="TH Sarabun New" panose="020B0500040200020003" pitchFamily="34" charset="-34"/>
-              </a:rPr>
-              <a:t>คือ ล่ามอนส์เตอร์ ซึ่งจะได้ </a:t>
-            </a:r>
-            <a:r>
-              <a:rPr lang="en-US" sz="2400" dirty="0">
-                <a:latin typeface="TH Sarabun New" panose="020B0500040200020003" pitchFamily="34" charset="-34"/>
-                <a:cs typeface="TH Sarabun New" panose="020B0500040200020003" pitchFamily="34" charset="-34"/>
-              </a:rPr>
-              <a:t>EXP </a:t>
-            </a:r>
-            <a:r>
-              <a:rPr lang="th-TH" sz="2400" dirty="0">
-                <a:latin typeface="TH Sarabun New" panose="020B0500040200020003" pitchFamily="34" charset="-34"/>
-                <a:cs typeface="TH Sarabun New" panose="020B0500040200020003" pitchFamily="34" charset="-34"/>
-              </a:rPr>
-              <a:t>ครั้งละ 40</a:t>
-            </a:r>
-          </a:p>
-          <a:p>
-            <a:r>
-              <a:rPr lang="th-TH" sz="2400" dirty="0">
-                <a:latin typeface="TH Sarabun New" panose="020B0500040200020003" pitchFamily="34" charset="-34"/>
-                <a:cs typeface="TH Sarabun New" panose="020B0500040200020003" pitchFamily="34" charset="-34"/>
-              </a:rPr>
-              <a:t>ถ้าสะสม</a:t>
-            </a:r>
-            <a:r>
-              <a:rPr lang="en-US" sz="2400" dirty="0">
-                <a:latin typeface="TH Sarabun New" panose="020B0500040200020003" pitchFamily="34" charset="-34"/>
-                <a:cs typeface="TH Sarabun New" panose="020B0500040200020003" pitchFamily="34" charset="-34"/>
-              </a:rPr>
-              <a:t> EXP </a:t>
-            </a:r>
-            <a:r>
-              <a:rPr lang="th-TH" sz="2400" dirty="0">
-                <a:latin typeface="TH Sarabun New" panose="020B0500040200020003" pitchFamily="34" charset="-34"/>
-                <a:cs typeface="TH Sarabun New" panose="020B0500040200020003" pitchFamily="34" charset="-34"/>
-              </a:rPr>
-              <a:t>มีค่าเกิน 100 หน่วย ให้ </a:t>
-            </a:r>
-            <a:r>
-              <a:rPr lang="en-US" sz="2400" dirty="0">
-                <a:latin typeface="TH Sarabun New" panose="020B0500040200020003" pitchFamily="34" charset="-34"/>
-                <a:cs typeface="TH Sarabun New" panose="020B0500040200020003" pitchFamily="34" charset="-34"/>
-              </a:rPr>
-              <a:t>level </a:t>
-            </a:r>
-            <a:r>
-              <a:rPr lang="th-TH" sz="2400" dirty="0">
-                <a:latin typeface="TH Sarabun New" panose="020B0500040200020003" pitchFamily="34" charset="-34"/>
-                <a:cs typeface="TH Sarabun New" panose="020B0500040200020003" pitchFamily="34" charset="-34"/>
-              </a:rPr>
-              <a:t>เพิ่มขึ้น 1 และ </a:t>
-            </a:r>
-            <a:r>
-              <a:rPr lang="en-US" sz="2400" dirty="0">
-                <a:latin typeface="TH Sarabun New" panose="020B0500040200020003" pitchFamily="34" charset="-34"/>
-                <a:cs typeface="TH Sarabun New" panose="020B0500040200020003" pitchFamily="34" charset="-34"/>
-              </a:rPr>
-              <a:t>EXP </a:t>
-            </a:r>
-            <a:r>
-              <a:rPr lang="th-TH" sz="2400" dirty="0">
-                <a:latin typeface="TH Sarabun New" panose="020B0500040200020003" pitchFamily="34" charset="-34"/>
-                <a:cs typeface="TH Sarabun New" panose="020B0500040200020003" pitchFamily="34" charset="-34"/>
-              </a:rPr>
-              <a:t>จะรีเซตเป็น</a:t>
-            </a:r>
-            <a:r>
-              <a:rPr lang="en-US" sz="2400" dirty="0">
-                <a:latin typeface="TH Sarabun New" panose="020B0500040200020003" pitchFamily="34" charset="-34"/>
-                <a:cs typeface="TH Sarabun New" panose="020B0500040200020003" pitchFamily="34" charset="-34"/>
-              </a:rPr>
-              <a:t> 0</a:t>
-            </a:r>
-            <a:endParaRPr lang="th-TH" sz="2400" dirty="0">
-              <a:latin typeface="TH Sarabun New" panose="020B0500040200020003" pitchFamily="34" charset="-34"/>
-              <a:cs typeface="TH Sarabun New" panose="020B0500040200020003" pitchFamily="34" charset="-34"/>
-            </a:endParaRPr>
-          </a:p>
-          <a:p>
-            <a:r>
-              <a:rPr lang="th-TH" sz="2400" dirty="0">
-                <a:latin typeface="TH Sarabun New" panose="020B0500040200020003" pitchFamily="34" charset="-34"/>
-                <a:cs typeface="TH Sarabun New" panose="020B0500040200020003" pitchFamily="34" charset="-34"/>
-              </a:rPr>
-              <a:t>ถ้า</a:t>
-            </a:r>
-            <a:r>
-              <a:rPr lang="en-US" sz="2400" dirty="0">
-                <a:latin typeface="TH Sarabun New" panose="020B0500040200020003" pitchFamily="34" charset="-34"/>
-                <a:cs typeface="TH Sarabun New" panose="020B0500040200020003" pitchFamily="34" charset="-34"/>
-              </a:rPr>
-              <a:t> level </a:t>
-            </a:r>
-            <a:r>
-              <a:rPr lang="th-TH" sz="2400" dirty="0">
-                <a:latin typeface="TH Sarabun New" panose="020B0500040200020003" pitchFamily="34" charset="-34"/>
-                <a:cs typeface="TH Sarabun New" panose="020B0500040200020003" pitchFamily="34" charset="-34"/>
-              </a:rPr>
-              <a:t>เท่ากับ </a:t>
-            </a:r>
-            <a:r>
-              <a:rPr lang="en-US" sz="2400" dirty="0">
-                <a:latin typeface="TH Sarabun New" panose="020B0500040200020003" pitchFamily="34" charset="-34"/>
-                <a:cs typeface="TH Sarabun New" panose="020B0500040200020003" pitchFamily="34" charset="-34"/>
-              </a:rPr>
-              <a:t>10 </a:t>
-            </a:r>
-            <a:r>
-              <a:rPr lang="th-TH" sz="2400" dirty="0">
-                <a:latin typeface="TH Sarabun New" panose="020B0500040200020003" pitchFamily="34" charset="-34"/>
-                <a:cs typeface="TH Sarabun New" panose="020B0500040200020003" pitchFamily="34" charset="-34"/>
-              </a:rPr>
-              <a:t>จะสามารถ ล่าบอส ได้</a:t>
-            </a:r>
-          </a:p>
-          <a:p>
-            <a:r>
-              <a:rPr lang="th-TH" sz="2400" dirty="0">
-                <a:latin typeface="TH Sarabun New" panose="020B0500040200020003" pitchFamily="34" charset="-34"/>
-                <a:cs typeface="TH Sarabun New" panose="020B0500040200020003" pitchFamily="34" charset="-34"/>
-              </a:rPr>
-              <a:t>ถ้าล่าบอสสำเร็จ จะถือว่าผ่านด่าน และจบเกมส์ </a:t>
-            </a:r>
-          </a:p>
-          <a:p>
-            <a:r>
-              <a:rPr lang="th-TH" sz="2400" dirty="0">
-                <a:latin typeface="TH Sarabun New" panose="020B0500040200020003" pitchFamily="34" charset="-34"/>
-                <a:cs typeface="TH Sarabun New" panose="020B0500040200020003" pitchFamily="34" charset="-34"/>
-              </a:rPr>
-              <a:t>ถ้าล่าบอสไม่สำเร็จ จะถูกรีเซ็ต </a:t>
-            </a:r>
-            <a:r>
-              <a:rPr lang="en-US" sz="2400" dirty="0">
-                <a:latin typeface="TH Sarabun New" panose="020B0500040200020003" pitchFamily="34" charset="-34"/>
-                <a:cs typeface="TH Sarabun New" panose="020B0500040200020003" pitchFamily="34" charset="-34"/>
-              </a:rPr>
-              <a:t>level </a:t>
-            </a:r>
-            <a:r>
-              <a:rPr lang="th-TH" sz="2400" dirty="0">
-                <a:latin typeface="TH Sarabun New" panose="020B0500040200020003" pitchFamily="34" charset="-34"/>
-                <a:cs typeface="TH Sarabun New" panose="020B0500040200020003" pitchFamily="34" charset="-34"/>
-              </a:rPr>
-              <a:t>เป็น 9 และให้ไปเก็บค่าประสบการณ์ใหม่</a:t>
-            </a:r>
-          </a:p>
-          <a:p>
-            <a:r>
-              <a:rPr lang="th-TH" sz="2400" dirty="0">
-                <a:latin typeface="TH Sarabun New" panose="020B0500040200020003" pitchFamily="34" charset="-34"/>
-                <a:cs typeface="TH Sarabun New" panose="020B0500040200020003" pitchFamily="34" charset="-34"/>
-              </a:rPr>
-              <a:t>วิธีการล่าบอส ถ้าล่ามอนส์เตอร์ครบ 35 ตัว และ </a:t>
-            </a:r>
-            <a:r>
-              <a:rPr lang="en-US" sz="2400" dirty="0">
-                <a:latin typeface="TH Sarabun New" panose="020B0500040200020003" pitchFamily="34" charset="-34"/>
-                <a:cs typeface="TH Sarabun New" panose="020B0500040200020003" pitchFamily="34" charset="-34"/>
-              </a:rPr>
-              <a:t>exp </a:t>
-            </a:r>
-            <a:r>
-              <a:rPr lang="th-TH" sz="2400" dirty="0">
-                <a:latin typeface="TH Sarabun New" panose="020B0500040200020003" pitchFamily="34" charset="-34"/>
-                <a:cs typeface="TH Sarabun New" panose="020B0500040200020003" pitchFamily="34" charset="-34"/>
-              </a:rPr>
-              <a:t>มากกว่า 60 จะถือว่ามีความสามารถในการล่าบอสสำเร็จ</a:t>
-            </a:r>
-          </a:p>
-          <a:p>
-            <a:pPr marL="0" indent="0">
-              <a:buNone/>
-            </a:pPr>
-            <a:endParaRPr lang="th-TH" sz="2400" dirty="0">
-              <a:latin typeface="TH Sarabun New" panose="020B0500040200020003" pitchFamily="34" charset="-34"/>
-              <a:cs typeface="TH Sarabun New" panose="020B0500040200020003" pitchFamily="34" charset="-34"/>
-            </a:endParaRPr>
-          </a:p>
-        </p:txBody>
-      </p:sp>
-      <p:sp>
-        <p:nvSpPr>
-          <p:cNvPr id="5" name="Slide Number Placeholder 4">
-            <a:extLst>
-              <a:ext uri="{FF2B5EF4-FFF2-40B4-BE49-F238E27FC236}">
-                <a16:creationId xmlns:a16="http://schemas.microsoft.com/office/drawing/2014/main" id="{1D408531-9C18-54A2-9919-E1927ADCF0C3}"/>
-              </a:ext>
-            </a:extLst>
-          </p:cNvPr>
-          <p:cNvSpPr>
-            <a:spLocks noGrp="1"/>
-          </p:cNvSpPr>
-          <p:nvPr>
-            <p:ph type="sldNum" sz="quarter" idx="12"/>
-          </p:nvPr>
-        </p:nvSpPr>
-        <p:spPr/>
-        <p:txBody>
-          <a:bodyPr/>
-          <a:lstStyle/>
-          <a:p>
-            <a:fld id="{AE455537-A8B3-43D7-BAD4-622A405E8FF8}" type="slidenum">
-              <a:rPr lang="en-US" smtClean="0"/>
-              <a:t>26</a:t>
-            </a:fld>
-            <a:endParaRPr lang="en-US"/>
-          </a:p>
-        </p:txBody>
-      </p:sp>
-      <p:sp>
-        <p:nvSpPr>
-          <p:cNvPr id="6" name="Footer Placeholder 5">
-            <a:extLst>
-              <a:ext uri="{FF2B5EF4-FFF2-40B4-BE49-F238E27FC236}">
-                <a16:creationId xmlns:a16="http://schemas.microsoft.com/office/drawing/2014/main" id="{5E580CF9-84CB-675A-7D8B-47D4C50C4866}"/>
-              </a:ext>
-            </a:extLst>
-          </p:cNvPr>
-          <p:cNvSpPr>
-            <a:spLocks noGrp="1"/>
-          </p:cNvSpPr>
-          <p:nvPr>
-            <p:ph type="ftr" sz="quarter" idx="11"/>
-          </p:nvPr>
-        </p:nvSpPr>
-        <p:spPr/>
-        <p:txBody>
-          <a:bodyPr/>
-          <a:lstStyle/>
-          <a:p>
-            <a:r>
-              <a:rPr lang="en-US"/>
-              <a:t>Nachai Paramesthanakorn</a:t>
-            </a:r>
-            <a:endParaRPr lang="en-US" dirty="0"/>
-          </a:p>
-        </p:txBody>
-      </p:sp>
-    </p:spTree>
-    <p:extLst>
-      <p:ext uri="{BB962C8B-B14F-4D97-AF65-F5344CB8AC3E}">
-        <p14:creationId xmlns:p14="http://schemas.microsoft.com/office/powerpoint/2010/main" val="3041106306"/>
-      </p:ext>
-    </p:extLst>
-  </p:cSld>
-  <p:clrMapOvr>
-    <a:masterClrMapping/>
-  </p:clrMapOvr>
-</p:sld>
-</file>
-
-<file path=ppt/slides/slide27.xml><?xml version="1.0" encoding="utf-8"?>
-<p:sld xmlns:a="http://schemas.openxmlformats.org/drawingml/2006/main" xmlns:r="http://schemas.openxmlformats.org/officeDocument/2006/relationships" xmlns:p="http://schemas.openxmlformats.org/presentationml/2006/main">
-  <p:cSld>
-    <p:spTree>
-      <p:nvGrpSpPr>
-        <p:cNvPr id="1" name=""/>
-        <p:cNvGrpSpPr/>
-        <p:nvPr/>
-      </p:nvGrpSpPr>
-      <p:grpSpPr>
-        <a:xfrm>
-          <a:off x="0" y="0"/>
-          <a:ext cx="0" cy="0"/>
-          <a:chOff x="0" y="0"/>
-          <a:chExt cx="0" cy="0"/>
-        </a:xfrm>
-      </p:grpSpPr>
-      <p:grpSp>
-        <p:nvGrpSpPr>
-          <p:cNvPr id="252" name="Group 251">
-            <a:extLst>
-              <a:ext uri="{FF2B5EF4-FFF2-40B4-BE49-F238E27FC236}">
-                <a16:creationId xmlns:a16="http://schemas.microsoft.com/office/drawing/2014/main" id="{BCFA724A-5CD1-A9F2-E855-0D0B0BA4475C}"/>
-              </a:ext>
-            </a:extLst>
-          </p:cNvPr>
-          <p:cNvGrpSpPr/>
-          <p:nvPr/>
-        </p:nvGrpSpPr>
-        <p:grpSpPr>
-          <a:xfrm>
-            <a:off x="1632176" y="139836"/>
-            <a:ext cx="8042693" cy="6435870"/>
-            <a:chOff x="282410" y="41794"/>
-            <a:chExt cx="8043331" cy="6490326"/>
-          </a:xfrm>
-        </p:grpSpPr>
-        <p:sp>
-          <p:nvSpPr>
-            <p:cNvPr id="4" name="Flowchart: Terminator 3">
-              <a:extLst>
-                <a:ext uri="{FF2B5EF4-FFF2-40B4-BE49-F238E27FC236}">
-                  <a16:creationId xmlns:a16="http://schemas.microsoft.com/office/drawing/2014/main" id="{19056D94-91CF-3813-4A72-5D50D5E18B1C}"/>
-                </a:ext>
-              </a:extLst>
-            </p:cNvPr>
-            <p:cNvSpPr/>
-            <p:nvPr/>
-          </p:nvSpPr>
-          <p:spPr>
-            <a:xfrm>
-              <a:off x="3666477" y="41794"/>
-              <a:ext cx="772357" cy="284086"/>
-            </a:xfrm>
-            <a:prstGeom prst="flowChartTerminator">
-              <a:avLst/>
-            </a:prstGeom>
-            <a:solidFill>
-              <a:schemeClr val="accent5">
-                <a:lumMod val="20000"/>
-                <a:lumOff val="80000"/>
-              </a:schemeClr>
-            </a:solidFill>
-            <a:ln>
-              <a:solidFill>
-                <a:schemeClr val="accent5"/>
-              </a:solidFill>
-            </a:ln>
-          </p:spPr>
-          <p:style>
-            <a:lnRef idx="2">
-              <a:schemeClr val="accent1">
-                <a:shade val="50000"/>
-              </a:schemeClr>
-            </a:lnRef>
-            <a:fillRef idx="1">
-              <a:schemeClr val="accent1"/>
-            </a:fillRef>
-            <a:effectRef idx="0">
-              <a:schemeClr val="accent1"/>
-            </a:effectRef>
-            <a:fontRef idx="minor">
-              <a:schemeClr val="lt1"/>
-            </a:fontRef>
-          </p:style>
-          <p:txBody>
-            <a:bodyPr rtlCol="0" anchor="ctr"/>
-            <a:lstStyle/>
-            <a:p>
-              <a:pPr algn="ctr"/>
-              <a:r>
-                <a:rPr lang="en-US" sz="1400" dirty="0">
-                  <a:solidFill>
-                    <a:schemeClr val="tx1"/>
-                  </a:solidFill>
-                  <a:latin typeface="TH Sarabun New" panose="020B0500040200020003" pitchFamily="34" charset="-34"/>
-                  <a:cs typeface="TH Sarabun New" panose="020B0500040200020003" pitchFamily="34" charset="-34"/>
-                </a:rPr>
-                <a:t>Start</a:t>
-              </a:r>
-            </a:p>
-          </p:txBody>
-        </p:sp>
-        <p:sp>
-          <p:nvSpPr>
-            <p:cNvPr id="5" name="Flowchart: Terminator 4">
-              <a:extLst>
-                <a:ext uri="{FF2B5EF4-FFF2-40B4-BE49-F238E27FC236}">
-                  <a16:creationId xmlns:a16="http://schemas.microsoft.com/office/drawing/2014/main" id="{59081328-39DA-F53A-BE33-EB27622DBA55}"/>
-                </a:ext>
-              </a:extLst>
-            </p:cNvPr>
-            <p:cNvSpPr/>
-            <p:nvPr/>
-          </p:nvSpPr>
-          <p:spPr>
-            <a:xfrm>
-              <a:off x="3656362" y="6248034"/>
-              <a:ext cx="772357" cy="284086"/>
-            </a:xfrm>
-            <a:prstGeom prst="flowChartTerminator">
-              <a:avLst/>
-            </a:prstGeom>
-            <a:solidFill>
-              <a:schemeClr val="accent5">
-                <a:lumMod val="20000"/>
-                <a:lumOff val="80000"/>
-              </a:schemeClr>
-            </a:solidFill>
-            <a:ln>
-              <a:solidFill>
-                <a:schemeClr val="accent5"/>
-              </a:solidFill>
-            </a:ln>
-          </p:spPr>
-          <p:style>
-            <a:lnRef idx="2">
-              <a:schemeClr val="accent1">
-                <a:shade val="50000"/>
-              </a:schemeClr>
-            </a:lnRef>
-            <a:fillRef idx="1">
-              <a:schemeClr val="accent1"/>
-            </a:fillRef>
-            <a:effectRef idx="0">
-              <a:schemeClr val="accent1"/>
-            </a:effectRef>
-            <a:fontRef idx="minor">
-              <a:schemeClr val="lt1"/>
-            </a:fontRef>
-          </p:style>
-          <p:txBody>
-            <a:bodyPr rtlCol="0" anchor="ctr"/>
-            <a:lstStyle/>
-            <a:p>
-              <a:pPr algn="ctr"/>
-              <a:r>
-                <a:rPr lang="en-US" sz="1400" dirty="0">
-                  <a:solidFill>
-                    <a:schemeClr val="tx1"/>
-                  </a:solidFill>
-                  <a:latin typeface="TH Sarabun New" panose="020B0500040200020003" pitchFamily="34" charset="-34"/>
-                  <a:cs typeface="TH Sarabun New" panose="020B0500040200020003" pitchFamily="34" charset="-34"/>
-                </a:rPr>
-                <a:t>Stop</a:t>
-              </a:r>
-            </a:p>
-          </p:txBody>
-        </p:sp>
-        <p:sp>
-          <p:nvSpPr>
-            <p:cNvPr id="6" name="Rectangle 5">
-              <a:extLst>
-                <a:ext uri="{FF2B5EF4-FFF2-40B4-BE49-F238E27FC236}">
-                  <a16:creationId xmlns:a16="http://schemas.microsoft.com/office/drawing/2014/main" id="{2378859A-9DCE-9469-17D6-B2ACD672569F}"/>
-                </a:ext>
-              </a:extLst>
-            </p:cNvPr>
-            <p:cNvSpPr/>
-            <p:nvPr/>
-          </p:nvSpPr>
-          <p:spPr>
-            <a:xfrm>
-              <a:off x="3195962" y="475540"/>
-              <a:ext cx="1713390" cy="284086"/>
-            </a:xfrm>
-            <a:prstGeom prst="rect">
-              <a:avLst/>
-            </a:prstGeom>
-            <a:solidFill>
-              <a:schemeClr val="accent5">
-                <a:lumMod val="20000"/>
-                <a:lumOff val="80000"/>
-              </a:schemeClr>
-            </a:solidFill>
-            <a:ln>
-              <a:solidFill>
-                <a:schemeClr val="accent5"/>
-              </a:solidFill>
-            </a:ln>
-          </p:spPr>
-          <p:style>
-            <a:lnRef idx="2">
-              <a:schemeClr val="accent1">
-                <a:shade val="50000"/>
-              </a:schemeClr>
-            </a:lnRef>
-            <a:fillRef idx="1">
-              <a:schemeClr val="accent1"/>
-            </a:fillRef>
-            <a:effectRef idx="0">
-              <a:schemeClr val="accent1"/>
-            </a:effectRef>
-            <a:fontRef idx="minor">
-              <a:schemeClr val="lt1"/>
-            </a:fontRef>
-          </p:style>
-          <p:txBody>
-            <a:bodyPr rtlCol="0" anchor="ctr"/>
-            <a:lstStyle/>
-            <a:p>
-              <a:pPr algn="ctr"/>
-              <a:r>
-                <a:rPr lang="en-US" dirty="0">
-                  <a:solidFill>
-                    <a:schemeClr val="tx1"/>
-                  </a:solidFill>
-                  <a:latin typeface="TH Sarabun New" panose="020B0500040200020003" pitchFamily="34" charset="-34"/>
-                  <a:cs typeface="TH Sarabun New" panose="020B0500040200020003" pitchFamily="34" charset="-34"/>
-                </a:rPr>
-                <a:t>Int level = 1</a:t>
-              </a:r>
-            </a:p>
-          </p:txBody>
-        </p:sp>
-        <p:sp>
-          <p:nvSpPr>
-            <p:cNvPr id="7" name="Rectangle 6">
-              <a:extLst>
-                <a:ext uri="{FF2B5EF4-FFF2-40B4-BE49-F238E27FC236}">
-                  <a16:creationId xmlns:a16="http://schemas.microsoft.com/office/drawing/2014/main" id="{04CD2C4E-424A-C7AA-541E-98649E044C02}"/>
-                </a:ext>
-              </a:extLst>
-            </p:cNvPr>
-            <p:cNvSpPr/>
-            <p:nvPr/>
-          </p:nvSpPr>
-          <p:spPr>
-            <a:xfrm>
-              <a:off x="3195962" y="903536"/>
-              <a:ext cx="1713390" cy="284086"/>
-            </a:xfrm>
-            <a:prstGeom prst="rect">
-              <a:avLst/>
-            </a:prstGeom>
-            <a:solidFill>
-              <a:schemeClr val="accent5">
-                <a:lumMod val="20000"/>
-                <a:lumOff val="80000"/>
-              </a:schemeClr>
-            </a:solidFill>
-            <a:ln>
-              <a:solidFill>
-                <a:schemeClr val="accent5"/>
-              </a:solidFill>
-            </a:ln>
-          </p:spPr>
-          <p:style>
-            <a:lnRef idx="2">
-              <a:schemeClr val="accent1">
-                <a:shade val="50000"/>
-              </a:schemeClr>
-            </a:lnRef>
-            <a:fillRef idx="1">
-              <a:schemeClr val="accent1"/>
-            </a:fillRef>
-            <a:effectRef idx="0">
-              <a:schemeClr val="accent1"/>
-            </a:effectRef>
-            <a:fontRef idx="minor">
-              <a:schemeClr val="lt1"/>
-            </a:fontRef>
-          </p:style>
-          <p:txBody>
-            <a:bodyPr rtlCol="0" anchor="ctr"/>
-            <a:lstStyle/>
-            <a:p>
-              <a:pPr algn="ctr"/>
-              <a:r>
-                <a:rPr lang="en-US" dirty="0">
-                  <a:solidFill>
-                    <a:schemeClr val="tx1"/>
-                  </a:solidFill>
-                  <a:latin typeface="TH Sarabun New" panose="020B0500040200020003" pitchFamily="34" charset="-34"/>
-                  <a:cs typeface="TH Sarabun New" panose="020B0500040200020003" pitchFamily="34" charset="-34"/>
-                </a:rPr>
-                <a:t>Int exp = 0</a:t>
-              </a:r>
-            </a:p>
-          </p:txBody>
-        </p:sp>
-        <p:sp>
-          <p:nvSpPr>
-            <p:cNvPr id="8" name="Flowchart: Connector 7">
-              <a:extLst>
-                <a:ext uri="{FF2B5EF4-FFF2-40B4-BE49-F238E27FC236}">
-                  <a16:creationId xmlns:a16="http://schemas.microsoft.com/office/drawing/2014/main" id="{9FB59122-DFAF-D16C-63CB-E38B77444F86}"/>
-                </a:ext>
-              </a:extLst>
-            </p:cNvPr>
-            <p:cNvSpPr/>
-            <p:nvPr/>
-          </p:nvSpPr>
-          <p:spPr>
-            <a:xfrm>
-              <a:off x="3908986" y="1811897"/>
-              <a:ext cx="284085" cy="275477"/>
-            </a:xfrm>
-            <a:prstGeom prst="flowChartConnector">
-              <a:avLst/>
-            </a:prstGeom>
-            <a:solidFill>
-              <a:schemeClr val="accent5">
-                <a:lumMod val="20000"/>
-                <a:lumOff val="80000"/>
-              </a:schemeClr>
-            </a:solidFill>
-            <a:ln>
-              <a:solidFill>
-                <a:schemeClr val="accent5"/>
-              </a:solidFill>
-            </a:ln>
-          </p:spPr>
-          <p:style>
-            <a:lnRef idx="2">
-              <a:schemeClr val="accent1">
-                <a:shade val="50000"/>
-              </a:schemeClr>
-            </a:lnRef>
-            <a:fillRef idx="1">
-              <a:schemeClr val="accent1"/>
-            </a:fillRef>
-            <a:effectRef idx="0">
-              <a:schemeClr val="accent1"/>
-            </a:effectRef>
-            <a:fontRef idx="minor">
-              <a:schemeClr val="lt1"/>
-            </a:fontRef>
-          </p:style>
-          <p:txBody>
-            <a:bodyPr rtlCol="0" anchor="ctr"/>
-            <a:lstStyle/>
-            <a:p>
-              <a:pPr algn="ctr"/>
-              <a:endParaRPr lang="en-US">
-                <a:solidFill>
-                  <a:schemeClr val="tx1"/>
-                </a:solidFill>
-                <a:latin typeface="TH Sarabun New" panose="020B0500040200020003" pitchFamily="34" charset="-34"/>
-                <a:cs typeface="TH Sarabun New" panose="020B0500040200020003" pitchFamily="34" charset="-34"/>
-              </a:endParaRPr>
-            </a:p>
-          </p:txBody>
-        </p:sp>
-        <p:sp>
-          <p:nvSpPr>
-            <p:cNvPr id="9" name="Flowchart: Decision 8">
-              <a:extLst>
-                <a:ext uri="{FF2B5EF4-FFF2-40B4-BE49-F238E27FC236}">
-                  <a16:creationId xmlns:a16="http://schemas.microsoft.com/office/drawing/2014/main" id="{6151D214-9EB1-6F09-0726-F706B0958746}"/>
-                </a:ext>
-              </a:extLst>
-            </p:cNvPr>
-            <p:cNvSpPr/>
-            <p:nvPr/>
-          </p:nvSpPr>
-          <p:spPr>
-            <a:xfrm>
-              <a:off x="2905362" y="2312515"/>
-              <a:ext cx="2274359" cy="984793"/>
-            </a:xfrm>
-            <a:prstGeom prst="flowChartDecision">
-              <a:avLst/>
-            </a:prstGeom>
-            <a:solidFill>
-              <a:schemeClr val="accent5">
-                <a:lumMod val="20000"/>
-                <a:lumOff val="80000"/>
-              </a:schemeClr>
-            </a:solidFill>
-            <a:ln>
-              <a:solidFill>
-                <a:schemeClr val="accent5"/>
-              </a:solidFill>
-            </a:ln>
-          </p:spPr>
-          <p:style>
-            <a:lnRef idx="2">
-              <a:schemeClr val="accent1">
-                <a:shade val="50000"/>
-              </a:schemeClr>
-            </a:lnRef>
-            <a:fillRef idx="1">
-              <a:schemeClr val="accent1"/>
-            </a:fillRef>
-            <a:effectRef idx="0">
-              <a:schemeClr val="accent1"/>
-            </a:effectRef>
-            <a:fontRef idx="minor">
-              <a:schemeClr val="lt1"/>
-            </a:fontRef>
-          </p:style>
-          <p:txBody>
-            <a:bodyPr rtlCol="0" anchor="ctr"/>
-            <a:lstStyle/>
-            <a:p>
-              <a:pPr algn="ctr"/>
-              <a:r>
-                <a:rPr lang="en-US" dirty="0">
-                  <a:solidFill>
-                    <a:schemeClr val="tx1"/>
-                  </a:solidFill>
-                  <a:latin typeface="TH Sarabun New" panose="020B0500040200020003" pitchFamily="34" charset="-34"/>
-                  <a:cs typeface="TH Sarabun New" panose="020B0500040200020003" pitchFamily="34" charset="-34"/>
-                </a:rPr>
-                <a:t>Level &gt;= 10</a:t>
-              </a:r>
-              <a:endParaRPr lang="th-TH" dirty="0">
-                <a:solidFill>
-                  <a:schemeClr val="tx1"/>
-                </a:solidFill>
-                <a:latin typeface="TH Sarabun New" panose="020B0500040200020003" pitchFamily="34" charset="-34"/>
-                <a:cs typeface="TH Sarabun New" panose="020B0500040200020003" pitchFamily="34" charset="-34"/>
-              </a:endParaRPr>
-            </a:p>
-          </p:txBody>
-        </p:sp>
-        <p:cxnSp>
-          <p:nvCxnSpPr>
-            <p:cNvPr id="11" name="Straight Arrow Connector 10">
-              <a:extLst>
-                <a:ext uri="{FF2B5EF4-FFF2-40B4-BE49-F238E27FC236}">
-                  <a16:creationId xmlns:a16="http://schemas.microsoft.com/office/drawing/2014/main" id="{990BCEBF-8CDA-58DD-ECA1-A0494C81743D}"/>
-                </a:ext>
-              </a:extLst>
-            </p:cNvPr>
-            <p:cNvCxnSpPr>
-              <a:cxnSpLocks/>
-              <a:stCxn id="4" idx="2"/>
-              <a:endCxn id="6" idx="0"/>
-            </p:cNvCxnSpPr>
-            <p:nvPr/>
-          </p:nvCxnSpPr>
-          <p:spPr>
-            <a:xfrm>
-              <a:off x="4052656" y="325880"/>
-              <a:ext cx="1" cy="149660"/>
-            </a:xfrm>
-            <a:prstGeom prst="straightConnector1">
-              <a:avLst/>
-            </a:prstGeom>
-            <a:ln w="38100">
-              <a:solidFill>
-                <a:schemeClr val="accent5"/>
-              </a:solidFill>
-              <a:tailEnd type="triangle"/>
-            </a:ln>
-          </p:spPr>
-          <p:style>
-            <a:lnRef idx="1">
-              <a:schemeClr val="accent1"/>
-            </a:lnRef>
-            <a:fillRef idx="0">
-              <a:schemeClr val="accent1"/>
-            </a:fillRef>
-            <a:effectRef idx="0">
-              <a:schemeClr val="accent1"/>
-            </a:effectRef>
-            <a:fontRef idx="minor">
-              <a:schemeClr val="tx1"/>
-            </a:fontRef>
-          </p:style>
-        </p:cxnSp>
-        <p:cxnSp>
-          <p:nvCxnSpPr>
-            <p:cNvPr id="12" name="Straight Arrow Connector 11">
-              <a:extLst>
-                <a:ext uri="{FF2B5EF4-FFF2-40B4-BE49-F238E27FC236}">
-                  <a16:creationId xmlns:a16="http://schemas.microsoft.com/office/drawing/2014/main" id="{C1E30C07-4988-2DD9-B418-2275D3B7C201}"/>
-                </a:ext>
-              </a:extLst>
-            </p:cNvPr>
-            <p:cNvCxnSpPr>
-              <a:cxnSpLocks/>
-              <a:stCxn id="6" idx="2"/>
-              <a:endCxn id="7" idx="0"/>
-            </p:cNvCxnSpPr>
-            <p:nvPr/>
-          </p:nvCxnSpPr>
-          <p:spPr>
-            <a:xfrm>
-              <a:off x="4052657" y="759626"/>
-              <a:ext cx="0" cy="143910"/>
-            </a:xfrm>
-            <a:prstGeom prst="straightConnector1">
-              <a:avLst/>
-            </a:prstGeom>
-            <a:ln w="38100">
-              <a:solidFill>
-                <a:schemeClr val="accent5"/>
-              </a:solidFill>
-              <a:tailEnd type="triangle"/>
-            </a:ln>
-          </p:spPr>
-          <p:style>
-            <a:lnRef idx="1">
-              <a:schemeClr val="accent1"/>
-            </a:lnRef>
-            <a:fillRef idx="0">
-              <a:schemeClr val="accent1"/>
-            </a:fillRef>
-            <a:effectRef idx="0">
-              <a:schemeClr val="accent1"/>
-            </a:effectRef>
-            <a:fontRef idx="minor">
-              <a:schemeClr val="tx1"/>
-            </a:fontRef>
-          </p:style>
-        </p:cxnSp>
-        <p:cxnSp>
-          <p:nvCxnSpPr>
-            <p:cNvPr id="15" name="Straight Arrow Connector 14">
-              <a:extLst>
-                <a:ext uri="{FF2B5EF4-FFF2-40B4-BE49-F238E27FC236}">
-                  <a16:creationId xmlns:a16="http://schemas.microsoft.com/office/drawing/2014/main" id="{6705E4FF-6FF2-A360-E2DB-CC1A7A42195C}"/>
-                </a:ext>
-              </a:extLst>
-            </p:cNvPr>
-            <p:cNvCxnSpPr>
-              <a:cxnSpLocks/>
-              <a:stCxn id="7" idx="2"/>
-              <a:endCxn id="101" idx="0"/>
-            </p:cNvCxnSpPr>
-            <p:nvPr/>
-          </p:nvCxnSpPr>
-          <p:spPr>
-            <a:xfrm>
-              <a:off x="4052657" y="1187622"/>
-              <a:ext cx="0" cy="140871"/>
-            </a:xfrm>
-            <a:prstGeom prst="straightConnector1">
-              <a:avLst/>
-            </a:prstGeom>
-            <a:ln w="38100">
-              <a:solidFill>
-                <a:schemeClr val="accent5"/>
-              </a:solidFill>
-              <a:tailEnd type="triangle"/>
-            </a:ln>
-          </p:spPr>
-          <p:style>
-            <a:lnRef idx="1">
-              <a:schemeClr val="accent1"/>
-            </a:lnRef>
-            <a:fillRef idx="0">
-              <a:schemeClr val="accent1"/>
-            </a:fillRef>
-            <a:effectRef idx="0">
-              <a:schemeClr val="accent1"/>
-            </a:effectRef>
-            <a:fontRef idx="minor">
-              <a:schemeClr val="tx1"/>
-            </a:fontRef>
-          </p:style>
-        </p:cxnSp>
-        <p:cxnSp>
-          <p:nvCxnSpPr>
-            <p:cNvPr id="18" name="Straight Arrow Connector 17">
-              <a:extLst>
-                <a:ext uri="{FF2B5EF4-FFF2-40B4-BE49-F238E27FC236}">
-                  <a16:creationId xmlns:a16="http://schemas.microsoft.com/office/drawing/2014/main" id="{E8F33A97-4BA1-8259-BACA-93C0FB98A37E}"/>
-                </a:ext>
-              </a:extLst>
-            </p:cNvPr>
-            <p:cNvCxnSpPr>
-              <a:cxnSpLocks/>
-              <a:stCxn id="8" idx="4"/>
-              <a:endCxn id="9" idx="0"/>
-            </p:cNvCxnSpPr>
-            <p:nvPr/>
-          </p:nvCxnSpPr>
-          <p:spPr>
-            <a:xfrm flipH="1">
-              <a:off x="4042542" y="2087374"/>
-              <a:ext cx="8487" cy="225141"/>
-            </a:xfrm>
-            <a:prstGeom prst="straightConnector1">
-              <a:avLst/>
-            </a:prstGeom>
-            <a:ln w="38100">
-              <a:solidFill>
-                <a:schemeClr val="accent5"/>
-              </a:solidFill>
-              <a:tailEnd type="triangle"/>
-            </a:ln>
-          </p:spPr>
-          <p:style>
-            <a:lnRef idx="1">
-              <a:schemeClr val="accent1"/>
-            </a:lnRef>
-            <a:fillRef idx="0">
-              <a:schemeClr val="accent1"/>
-            </a:fillRef>
-            <a:effectRef idx="0">
-              <a:schemeClr val="accent1"/>
-            </a:effectRef>
-            <a:fontRef idx="minor">
-              <a:schemeClr val="tx1"/>
-            </a:fontRef>
-          </p:style>
-        </p:cxnSp>
-        <p:sp>
-          <p:nvSpPr>
-            <p:cNvPr id="23" name="Rectangle 22">
-              <a:extLst>
-                <a:ext uri="{FF2B5EF4-FFF2-40B4-BE49-F238E27FC236}">
-                  <a16:creationId xmlns:a16="http://schemas.microsoft.com/office/drawing/2014/main" id="{3B177594-2235-D388-B5CB-F7CBC30AB538}"/>
-                </a:ext>
-              </a:extLst>
-            </p:cNvPr>
-            <p:cNvSpPr/>
-            <p:nvPr/>
-          </p:nvSpPr>
-          <p:spPr>
-            <a:xfrm>
-              <a:off x="1156392" y="3160135"/>
-              <a:ext cx="1518081" cy="603682"/>
-            </a:xfrm>
-            <a:prstGeom prst="rect">
-              <a:avLst/>
-            </a:prstGeom>
-            <a:solidFill>
-              <a:schemeClr val="accent5">
-                <a:lumMod val="20000"/>
-                <a:lumOff val="80000"/>
-              </a:schemeClr>
-            </a:solidFill>
-            <a:ln>
-              <a:solidFill>
-                <a:schemeClr val="accent5"/>
-              </a:solidFill>
-            </a:ln>
-          </p:spPr>
-          <p:style>
-            <a:lnRef idx="2">
-              <a:schemeClr val="accent1">
-                <a:shade val="50000"/>
-              </a:schemeClr>
-            </a:lnRef>
-            <a:fillRef idx="1">
-              <a:schemeClr val="accent1"/>
-            </a:fillRef>
-            <a:effectRef idx="0">
-              <a:schemeClr val="accent1"/>
-            </a:effectRef>
-            <a:fontRef idx="minor">
-              <a:schemeClr val="lt1"/>
-            </a:fontRef>
-          </p:style>
-          <p:txBody>
-            <a:bodyPr rtlCol="0" anchor="ctr"/>
-            <a:lstStyle/>
-            <a:p>
-              <a:pPr algn="ctr"/>
-              <a:r>
-                <a:rPr lang="th-TH" dirty="0">
-                  <a:solidFill>
-                    <a:schemeClr val="tx1"/>
-                  </a:solidFill>
-                  <a:latin typeface="TH Sarabun New" panose="020B0500040200020003" pitchFamily="34" charset="-34"/>
-                  <a:cs typeface="TH Sarabun New" panose="020B0500040200020003" pitchFamily="34" charset="-34"/>
-                </a:rPr>
-                <a:t>ล่ามอนส์เตอร์</a:t>
-              </a:r>
-            </a:p>
-            <a:p>
-              <a:pPr algn="ctr"/>
-              <a:r>
-                <a:rPr lang="en-US" dirty="0">
-                  <a:solidFill>
-                    <a:schemeClr val="tx1"/>
-                  </a:solidFill>
-                  <a:latin typeface="TH Sarabun New" panose="020B0500040200020003" pitchFamily="34" charset="-34"/>
-                  <a:cs typeface="TH Sarabun New" panose="020B0500040200020003" pitchFamily="34" charset="-34"/>
-                </a:rPr>
-                <a:t>exp = exp + 40</a:t>
-              </a:r>
-            </a:p>
-          </p:txBody>
-        </p:sp>
-        <p:cxnSp>
-          <p:nvCxnSpPr>
-            <p:cNvPr id="25" name="Connector: Elbow 24">
-              <a:extLst>
-                <a:ext uri="{FF2B5EF4-FFF2-40B4-BE49-F238E27FC236}">
-                  <a16:creationId xmlns:a16="http://schemas.microsoft.com/office/drawing/2014/main" id="{820684BE-E97E-7582-A916-E477F5D3608C}"/>
-                </a:ext>
-              </a:extLst>
-            </p:cNvPr>
-            <p:cNvCxnSpPr>
-              <a:cxnSpLocks/>
-              <a:stCxn id="9" idx="1"/>
-              <a:endCxn id="23" idx="0"/>
-            </p:cNvCxnSpPr>
-            <p:nvPr/>
-          </p:nvCxnSpPr>
-          <p:spPr>
-            <a:xfrm rot="10800000" flipV="1">
-              <a:off x="1915434" y="2804911"/>
-              <a:ext cx="989929" cy="355223"/>
-            </a:xfrm>
-            <a:prstGeom prst="bentConnector2">
-              <a:avLst/>
-            </a:prstGeom>
-            <a:ln w="38100">
-              <a:solidFill>
-                <a:schemeClr val="accent5"/>
-              </a:solidFill>
-              <a:tailEnd type="triangle"/>
-            </a:ln>
-          </p:spPr>
-          <p:style>
-            <a:lnRef idx="1">
-              <a:schemeClr val="accent1"/>
-            </a:lnRef>
-            <a:fillRef idx="0">
-              <a:schemeClr val="accent1"/>
-            </a:fillRef>
-            <a:effectRef idx="0">
-              <a:schemeClr val="accent1"/>
-            </a:effectRef>
-            <a:fontRef idx="minor">
-              <a:schemeClr val="tx1"/>
-            </a:fontRef>
-          </p:style>
-        </p:cxnSp>
-        <p:sp>
-          <p:nvSpPr>
-            <p:cNvPr id="27" name="Flowchart: Decision 26">
-              <a:extLst>
-                <a:ext uri="{FF2B5EF4-FFF2-40B4-BE49-F238E27FC236}">
-                  <a16:creationId xmlns:a16="http://schemas.microsoft.com/office/drawing/2014/main" id="{7158C49A-E077-5DAA-9770-68427046B5D4}"/>
-                </a:ext>
-              </a:extLst>
-            </p:cNvPr>
-            <p:cNvSpPr/>
-            <p:nvPr/>
-          </p:nvSpPr>
-          <p:spPr>
-            <a:xfrm>
-              <a:off x="845668" y="4626802"/>
-              <a:ext cx="2139520" cy="585926"/>
-            </a:xfrm>
-            <a:prstGeom prst="flowChartDecision">
-              <a:avLst/>
-            </a:prstGeom>
-            <a:solidFill>
-              <a:schemeClr val="accent5">
-                <a:lumMod val="20000"/>
-                <a:lumOff val="80000"/>
-              </a:schemeClr>
-            </a:solidFill>
-            <a:ln>
-              <a:solidFill>
-                <a:schemeClr val="accent5"/>
-              </a:solidFill>
-            </a:ln>
-          </p:spPr>
-          <p:style>
-            <a:lnRef idx="2">
-              <a:schemeClr val="accent1">
-                <a:shade val="50000"/>
-              </a:schemeClr>
-            </a:lnRef>
-            <a:fillRef idx="1">
-              <a:schemeClr val="accent1"/>
-            </a:fillRef>
-            <a:effectRef idx="0">
-              <a:schemeClr val="accent1"/>
-            </a:effectRef>
-            <a:fontRef idx="minor">
-              <a:schemeClr val="lt1"/>
-            </a:fontRef>
-          </p:style>
-          <p:txBody>
-            <a:bodyPr rtlCol="0" anchor="ctr"/>
-            <a:lstStyle/>
-            <a:p>
-              <a:pPr algn="ctr"/>
-              <a:r>
-                <a:rPr lang="en-US" dirty="0">
-                  <a:solidFill>
-                    <a:schemeClr val="tx1"/>
-                  </a:solidFill>
-                  <a:latin typeface="TH Sarabun New" panose="020B0500040200020003" pitchFamily="34" charset="-34"/>
-                  <a:cs typeface="TH Sarabun New" panose="020B0500040200020003" pitchFamily="34" charset="-34"/>
-                </a:rPr>
-                <a:t>exp &gt;= 100</a:t>
-              </a:r>
-            </a:p>
-          </p:txBody>
-        </p:sp>
-        <p:cxnSp>
-          <p:nvCxnSpPr>
-            <p:cNvPr id="28" name="Straight Arrow Connector 27">
-              <a:extLst>
-                <a:ext uri="{FF2B5EF4-FFF2-40B4-BE49-F238E27FC236}">
-                  <a16:creationId xmlns:a16="http://schemas.microsoft.com/office/drawing/2014/main" id="{C7A4203F-498A-F8D3-753A-B2CE82080E12}"/>
-                </a:ext>
-              </a:extLst>
-            </p:cNvPr>
-            <p:cNvCxnSpPr>
-              <a:cxnSpLocks/>
-              <a:stCxn id="23" idx="2"/>
-              <a:endCxn id="122" idx="0"/>
-            </p:cNvCxnSpPr>
-            <p:nvPr/>
-          </p:nvCxnSpPr>
-          <p:spPr>
-            <a:xfrm flipH="1">
-              <a:off x="1915429" y="3763817"/>
-              <a:ext cx="4" cy="233428"/>
-            </a:xfrm>
-            <a:prstGeom prst="straightConnector1">
-              <a:avLst/>
-            </a:prstGeom>
-            <a:ln w="38100">
-              <a:solidFill>
-                <a:schemeClr val="accent5"/>
-              </a:solidFill>
-              <a:tailEnd type="triangle"/>
-            </a:ln>
-          </p:spPr>
-          <p:style>
-            <a:lnRef idx="1">
-              <a:schemeClr val="accent1"/>
-            </a:lnRef>
-            <a:fillRef idx="0">
-              <a:schemeClr val="accent1"/>
-            </a:fillRef>
-            <a:effectRef idx="0">
-              <a:schemeClr val="accent1"/>
-            </a:effectRef>
-            <a:fontRef idx="minor">
-              <a:schemeClr val="tx1"/>
-            </a:fontRef>
-          </p:style>
-        </p:cxnSp>
-        <p:sp>
-          <p:nvSpPr>
-            <p:cNvPr id="31" name="Rectangle 30">
-              <a:extLst>
-                <a:ext uri="{FF2B5EF4-FFF2-40B4-BE49-F238E27FC236}">
-                  <a16:creationId xmlns:a16="http://schemas.microsoft.com/office/drawing/2014/main" id="{E257B404-271D-2EC0-4AB1-36A44967CD54}"/>
-                </a:ext>
-              </a:extLst>
-            </p:cNvPr>
-            <p:cNvSpPr/>
-            <p:nvPr/>
-          </p:nvSpPr>
-          <p:spPr>
-            <a:xfrm>
-              <a:off x="1156388" y="5470001"/>
-              <a:ext cx="1518081" cy="332911"/>
-            </a:xfrm>
-            <a:prstGeom prst="rect">
-              <a:avLst/>
-            </a:prstGeom>
-            <a:solidFill>
-              <a:schemeClr val="accent5">
-                <a:lumMod val="20000"/>
-                <a:lumOff val="80000"/>
-              </a:schemeClr>
-            </a:solidFill>
-            <a:ln>
-              <a:solidFill>
-                <a:schemeClr val="accent5"/>
-              </a:solidFill>
-            </a:ln>
-          </p:spPr>
-          <p:style>
-            <a:lnRef idx="2">
-              <a:schemeClr val="accent1">
-                <a:shade val="50000"/>
-              </a:schemeClr>
-            </a:lnRef>
-            <a:fillRef idx="1">
-              <a:schemeClr val="accent1"/>
-            </a:fillRef>
-            <a:effectRef idx="0">
-              <a:schemeClr val="accent1"/>
-            </a:effectRef>
-            <a:fontRef idx="minor">
-              <a:schemeClr val="lt1"/>
-            </a:fontRef>
-          </p:style>
-          <p:txBody>
-            <a:bodyPr rtlCol="0" anchor="ctr"/>
-            <a:lstStyle/>
-            <a:p>
-              <a:pPr algn="ctr"/>
-              <a:r>
-                <a:rPr lang="en-US" dirty="0">
-                  <a:solidFill>
-                    <a:schemeClr val="tx1"/>
-                  </a:solidFill>
-                  <a:latin typeface="TH Sarabun New" panose="020B0500040200020003" pitchFamily="34" charset="-34"/>
-                  <a:cs typeface="TH Sarabun New" panose="020B0500040200020003" pitchFamily="34" charset="-34"/>
-                </a:rPr>
-                <a:t>exp = 0</a:t>
-              </a:r>
-            </a:p>
-          </p:txBody>
-        </p:sp>
-        <p:cxnSp>
-          <p:nvCxnSpPr>
-            <p:cNvPr id="32" name="Straight Arrow Connector 31">
-              <a:extLst>
-                <a:ext uri="{FF2B5EF4-FFF2-40B4-BE49-F238E27FC236}">
-                  <a16:creationId xmlns:a16="http://schemas.microsoft.com/office/drawing/2014/main" id="{DA8580CF-4DE3-B3A1-6E53-D3449D584217}"/>
-                </a:ext>
-              </a:extLst>
-            </p:cNvPr>
-            <p:cNvCxnSpPr>
-              <a:cxnSpLocks/>
-              <a:stCxn id="27" idx="2"/>
-              <a:endCxn id="31" idx="0"/>
-            </p:cNvCxnSpPr>
-            <p:nvPr/>
-          </p:nvCxnSpPr>
-          <p:spPr>
-            <a:xfrm>
-              <a:off x="1915428" y="5212728"/>
-              <a:ext cx="1" cy="257273"/>
-            </a:xfrm>
-            <a:prstGeom prst="straightConnector1">
-              <a:avLst/>
-            </a:prstGeom>
-            <a:ln w="38100">
-              <a:solidFill>
-                <a:schemeClr val="accent5"/>
-              </a:solidFill>
-              <a:tailEnd type="triangle"/>
-            </a:ln>
-          </p:spPr>
-          <p:style>
-            <a:lnRef idx="1">
-              <a:schemeClr val="accent1"/>
-            </a:lnRef>
-            <a:fillRef idx="0">
-              <a:schemeClr val="accent1"/>
-            </a:fillRef>
-            <a:effectRef idx="0">
-              <a:schemeClr val="accent1"/>
-            </a:effectRef>
-            <a:fontRef idx="minor">
-              <a:schemeClr val="tx1"/>
-            </a:fontRef>
-          </p:style>
-        </p:cxnSp>
-        <p:sp>
-          <p:nvSpPr>
-            <p:cNvPr id="38" name="Rectangle 37">
-              <a:extLst>
-                <a:ext uri="{FF2B5EF4-FFF2-40B4-BE49-F238E27FC236}">
-                  <a16:creationId xmlns:a16="http://schemas.microsoft.com/office/drawing/2014/main" id="{5C5C691C-D851-72CC-ADD9-A1D8808398FF}"/>
-                </a:ext>
-              </a:extLst>
-            </p:cNvPr>
-            <p:cNvSpPr/>
-            <p:nvPr/>
-          </p:nvSpPr>
-          <p:spPr>
-            <a:xfrm>
-              <a:off x="1156390" y="6055927"/>
-              <a:ext cx="1518081" cy="332911"/>
-            </a:xfrm>
-            <a:prstGeom prst="rect">
-              <a:avLst/>
-            </a:prstGeom>
-            <a:solidFill>
-              <a:schemeClr val="accent5">
-                <a:lumMod val="20000"/>
-                <a:lumOff val="80000"/>
-              </a:schemeClr>
-            </a:solidFill>
-            <a:ln>
-              <a:solidFill>
-                <a:schemeClr val="accent5"/>
-              </a:solidFill>
-            </a:ln>
-          </p:spPr>
-          <p:style>
-            <a:lnRef idx="2">
-              <a:schemeClr val="accent1">
-                <a:shade val="50000"/>
-              </a:schemeClr>
-            </a:lnRef>
-            <a:fillRef idx="1">
-              <a:schemeClr val="accent1"/>
-            </a:fillRef>
-            <a:effectRef idx="0">
-              <a:schemeClr val="accent1"/>
-            </a:effectRef>
-            <a:fontRef idx="minor">
-              <a:schemeClr val="lt1"/>
-            </a:fontRef>
-          </p:style>
-          <p:txBody>
-            <a:bodyPr rtlCol="0" anchor="ctr"/>
-            <a:lstStyle/>
-            <a:p>
-              <a:pPr algn="ctr"/>
-              <a:r>
-                <a:rPr lang="en-US" dirty="0">
-                  <a:solidFill>
-                    <a:schemeClr val="tx1"/>
-                  </a:solidFill>
-                  <a:latin typeface="TH Sarabun New" panose="020B0500040200020003" pitchFamily="34" charset="-34"/>
-                  <a:cs typeface="TH Sarabun New" panose="020B0500040200020003" pitchFamily="34" charset="-34"/>
-                </a:rPr>
-                <a:t>Level = level + 1</a:t>
-              </a:r>
-            </a:p>
-          </p:txBody>
-        </p:sp>
-        <p:cxnSp>
-          <p:nvCxnSpPr>
-            <p:cNvPr id="39" name="Straight Arrow Connector 38">
-              <a:extLst>
-                <a:ext uri="{FF2B5EF4-FFF2-40B4-BE49-F238E27FC236}">
-                  <a16:creationId xmlns:a16="http://schemas.microsoft.com/office/drawing/2014/main" id="{CF652DE9-662F-F670-1CEC-383754FF4A59}"/>
-                </a:ext>
-              </a:extLst>
-            </p:cNvPr>
-            <p:cNvCxnSpPr>
-              <a:cxnSpLocks/>
-              <a:stCxn id="31" idx="2"/>
-              <a:endCxn id="38" idx="0"/>
-            </p:cNvCxnSpPr>
-            <p:nvPr/>
-          </p:nvCxnSpPr>
-          <p:spPr>
-            <a:xfrm>
-              <a:off x="1915429" y="5802912"/>
-              <a:ext cx="2" cy="253015"/>
-            </a:xfrm>
-            <a:prstGeom prst="straightConnector1">
-              <a:avLst/>
-            </a:prstGeom>
-            <a:ln w="38100">
-              <a:solidFill>
-                <a:schemeClr val="accent5"/>
-              </a:solidFill>
-              <a:tailEnd type="triangle"/>
-            </a:ln>
-          </p:spPr>
-          <p:style>
-            <a:lnRef idx="1">
-              <a:schemeClr val="accent1"/>
-            </a:lnRef>
-            <a:fillRef idx="0">
-              <a:schemeClr val="accent1"/>
-            </a:fillRef>
-            <a:effectRef idx="0">
-              <a:schemeClr val="accent1"/>
-            </a:effectRef>
-            <a:fontRef idx="minor">
-              <a:schemeClr val="tx1"/>
-            </a:fontRef>
-          </p:style>
-        </p:cxnSp>
-        <p:sp>
-          <p:nvSpPr>
-            <p:cNvPr id="57" name="TextBox 56">
-              <a:extLst>
-                <a:ext uri="{FF2B5EF4-FFF2-40B4-BE49-F238E27FC236}">
-                  <a16:creationId xmlns:a16="http://schemas.microsoft.com/office/drawing/2014/main" id="{11A4D3C0-3A94-58DC-377B-8411641750E0}"/>
-                </a:ext>
-              </a:extLst>
-            </p:cNvPr>
-            <p:cNvSpPr txBox="1"/>
-            <p:nvPr/>
-          </p:nvSpPr>
-          <p:spPr>
-            <a:xfrm>
-              <a:off x="2556774" y="2508689"/>
-              <a:ext cx="639188" cy="307777"/>
-            </a:xfrm>
-            <a:prstGeom prst="rect">
-              <a:avLst/>
-            </a:prstGeom>
-            <a:noFill/>
-          </p:spPr>
-          <p:txBody>
-            <a:bodyPr wrap="square" rtlCol="0">
-              <a:spAutoFit/>
-            </a:bodyPr>
-            <a:lstStyle/>
-            <a:p>
-              <a:r>
-                <a:rPr lang="en-US" sz="1400" dirty="0">
-                  <a:latin typeface="TH Sarabun New" panose="020B0500040200020003" pitchFamily="34" charset="-34"/>
-                  <a:cs typeface="TH Sarabun New" panose="020B0500040200020003" pitchFamily="34" charset="-34"/>
-                </a:rPr>
-                <a:t>FALSE</a:t>
-              </a:r>
-            </a:p>
-          </p:txBody>
-        </p:sp>
-        <p:sp>
-          <p:nvSpPr>
-            <p:cNvPr id="58" name="TextBox 57">
-              <a:extLst>
-                <a:ext uri="{FF2B5EF4-FFF2-40B4-BE49-F238E27FC236}">
-                  <a16:creationId xmlns:a16="http://schemas.microsoft.com/office/drawing/2014/main" id="{8BA6FAB1-320E-80FD-043A-74250C3C3A03}"/>
-                </a:ext>
-              </a:extLst>
-            </p:cNvPr>
-            <p:cNvSpPr txBox="1"/>
-            <p:nvPr/>
-          </p:nvSpPr>
-          <p:spPr>
-            <a:xfrm>
-              <a:off x="5038729" y="2508689"/>
-              <a:ext cx="639188" cy="307777"/>
-            </a:xfrm>
-            <a:prstGeom prst="rect">
-              <a:avLst/>
-            </a:prstGeom>
-            <a:noFill/>
-          </p:spPr>
-          <p:txBody>
-            <a:bodyPr wrap="square" rtlCol="0">
-              <a:spAutoFit/>
-            </a:bodyPr>
-            <a:lstStyle/>
-            <a:p>
-              <a:r>
-                <a:rPr lang="en-US" sz="1400" dirty="0">
-                  <a:latin typeface="TH Sarabun New" panose="020B0500040200020003" pitchFamily="34" charset="-34"/>
-                  <a:cs typeface="TH Sarabun New" panose="020B0500040200020003" pitchFamily="34" charset="-34"/>
-                </a:rPr>
-                <a:t>TRUE</a:t>
-              </a:r>
-            </a:p>
-          </p:txBody>
-        </p:sp>
-        <p:sp>
-          <p:nvSpPr>
-            <p:cNvPr id="59" name="TextBox 58">
-              <a:extLst>
-                <a:ext uri="{FF2B5EF4-FFF2-40B4-BE49-F238E27FC236}">
-                  <a16:creationId xmlns:a16="http://schemas.microsoft.com/office/drawing/2014/main" id="{856B09A3-5924-4347-404E-A26043211DAA}"/>
-                </a:ext>
-              </a:extLst>
-            </p:cNvPr>
-            <p:cNvSpPr txBox="1"/>
-            <p:nvPr/>
-          </p:nvSpPr>
-          <p:spPr>
-            <a:xfrm>
-              <a:off x="1915425" y="5183619"/>
-              <a:ext cx="639188" cy="307777"/>
-            </a:xfrm>
-            <a:prstGeom prst="rect">
-              <a:avLst/>
-            </a:prstGeom>
-            <a:noFill/>
-          </p:spPr>
-          <p:txBody>
-            <a:bodyPr wrap="square" rtlCol="0">
-              <a:spAutoFit/>
-            </a:bodyPr>
-            <a:lstStyle/>
-            <a:p>
-              <a:r>
-                <a:rPr lang="en-US" sz="1400" dirty="0">
-                  <a:latin typeface="TH Sarabun New" panose="020B0500040200020003" pitchFamily="34" charset="-34"/>
-                  <a:cs typeface="TH Sarabun New" panose="020B0500040200020003" pitchFamily="34" charset="-34"/>
-                </a:rPr>
-                <a:t>TRUE</a:t>
-              </a:r>
-            </a:p>
-          </p:txBody>
-        </p:sp>
-        <p:cxnSp>
-          <p:nvCxnSpPr>
-            <p:cNvPr id="65" name="Connector: Elbow 64">
-              <a:extLst>
-                <a:ext uri="{FF2B5EF4-FFF2-40B4-BE49-F238E27FC236}">
-                  <a16:creationId xmlns:a16="http://schemas.microsoft.com/office/drawing/2014/main" id="{73A45A62-D6EF-4D48-E2B7-B021294D8AEE}"/>
-                </a:ext>
-              </a:extLst>
-            </p:cNvPr>
-            <p:cNvCxnSpPr>
-              <a:cxnSpLocks/>
-              <a:stCxn id="38" idx="2"/>
-              <a:endCxn id="73" idx="4"/>
-            </p:cNvCxnSpPr>
-            <p:nvPr/>
-          </p:nvCxnSpPr>
-          <p:spPr>
-            <a:xfrm rot="5400000" flipH="1">
-              <a:off x="508647" y="4982054"/>
-              <a:ext cx="1327030" cy="1486539"/>
-            </a:xfrm>
-            <a:prstGeom prst="bentConnector3">
-              <a:avLst>
-                <a:gd name="adj1" fmla="val -17226"/>
-              </a:avLst>
-            </a:prstGeom>
-            <a:ln w="38100">
-              <a:solidFill>
-                <a:schemeClr val="accent5"/>
-              </a:solidFill>
-              <a:tailEnd type="triangle"/>
-            </a:ln>
-          </p:spPr>
-          <p:style>
-            <a:lnRef idx="1">
-              <a:schemeClr val="accent1"/>
-            </a:lnRef>
-            <a:fillRef idx="0">
-              <a:schemeClr val="accent1"/>
-            </a:fillRef>
-            <a:effectRef idx="0">
-              <a:schemeClr val="accent1"/>
-            </a:effectRef>
-            <a:fontRef idx="minor">
-              <a:schemeClr val="tx1"/>
-            </a:fontRef>
-          </p:style>
-        </p:cxnSp>
-        <p:sp>
-          <p:nvSpPr>
-            <p:cNvPr id="73" name="Flowchart: Connector 72">
-              <a:extLst>
-                <a:ext uri="{FF2B5EF4-FFF2-40B4-BE49-F238E27FC236}">
-                  <a16:creationId xmlns:a16="http://schemas.microsoft.com/office/drawing/2014/main" id="{28FB1730-E1F4-9492-3274-9E5E94B4AC61}"/>
-                </a:ext>
-              </a:extLst>
-            </p:cNvPr>
-            <p:cNvSpPr/>
-            <p:nvPr/>
-          </p:nvSpPr>
-          <p:spPr>
-            <a:xfrm>
-              <a:off x="282410" y="4777722"/>
-              <a:ext cx="292963" cy="284086"/>
-            </a:xfrm>
-            <a:prstGeom prst="flowChartConnector">
-              <a:avLst/>
-            </a:prstGeom>
-            <a:solidFill>
-              <a:schemeClr val="accent5">
-                <a:lumMod val="20000"/>
-                <a:lumOff val="80000"/>
-              </a:schemeClr>
-            </a:solidFill>
-            <a:ln>
-              <a:solidFill>
-                <a:schemeClr val="accent5"/>
-              </a:solidFill>
-            </a:ln>
-          </p:spPr>
-          <p:style>
-            <a:lnRef idx="2">
-              <a:schemeClr val="accent1">
-                <a:shade val="50000"/>
-              </a:schemeClr>
-            </a:lnRef>
-            <a:fillRef idx="1">
-              <a:schemeClr val="accent1"/>
-            </a:fillRef>
-            <a:effectRef idx="0">
-              <a:schemeClr val="accent1"/>
-            </a:effectRef>
-            <a:fontRef idx="minor">
-              <a:schemeClr val="lt1"/>
-            </a:fontRef>
-          </p:style>
-          <p:txBody>
-            <a:bodyPr rtlCol="0" anchor="ctr"/>
-            <a:lstStyle/>
-            <a:p>
-              <a:pPr algn="ctr"/>
-              <a:endParaRPr lang="en-US">
-                <a:solidFill>
-                  <a:schemeClr val="tx1"/>
-                </a:solidFill>
-                <a:latin typeface="TH Sarabun New" panose="020B0500040200020003" pitchFamily="34" charset="-34"/>
-                <a:cs typeface="TH Sarabun New" panose="020B0500040200020003" pitchFamily="34" charset="-34"/>
-              </a:endParaRPr>
-            </a:p>
-          </p:txBody>
-        </p:sp>
-        <p:cxnSp>
-          <p:nvCxnSpPr>
-            <p:cNvPr id="76" name="Straight Arrow Connector 75">
-              <a:extLst>
-                <a:ext uri="{FF2B5EF4-FFF2-40B4-BE49-F238E27FC236}">
-                  <a16:creationId xmlns:a16="http://schemas.microsoft.com/office/drawing/2014/main" id="{FB8CF3BC-9AA0-9C2A-0E08-7BD5CF7F949E}"/>
-                </a:ext>
-              </a:extLst>
-            </p:cNvPr>
-            <p:cNvCxnSpPr>
-              <a:cxnSpLocks/>
-              <a:stCxn id="27" idx="1"/>
-              <a:endCxn id="73" idx="6"/>
-            </p:cNvCxnSpPr>
-            <p:nvPr/>
-          </p:nvCxnSpPr>
-          <p:spPr>
-            <a:xfrm flipH="1">
-              <a:off x="575373" y="4919765"/>
-              <a:ext cx="270295" cy="0"/>
-            </a:xfrm>
-            <a:prstGeom prst="straightConnector1">
-              <a:avLst/>
-            </a:prstGeom>
-            <a:ln w="38100">
-              <a:solidFill>
-                <a:schemeClr val="accent5"/>
-              </a:solidFill>
-              <a:tailEnd type="triangle"/>
-            </a:ln>
-          </p:spPr>
-          <p:style>
-            <a:lnRef idx="1">
-              <a:schemeClr val="accent1"/>
-            </a:lnRef>
-            <a:fillRef idx="0">
-              <a:schemeClr val="accent1"/>
-            </a:fillRef>
-            <a:effectRef idx="0">
-              <a:schemeClr val="accent1"/>
-            </a:effectRef>
-            <a:fontRef idx="minor">
-              <a:schemeClr val="tx1"/>
-            </a:fontRef>
-          </p:style>
-        </p:cxnSp>
-        <p:cxnSp>
-          <p:nvCxnSpPr>
-            <p:cNvPr id="81" name="Connector: Elbow 80">
-              <a:extLst>
-                <a:ext uri="{FF2B5EF4-FFF2-40B4-BE49-F238E27FC236}">
-                  <a16:creationId xmlns:a16="http://schemas.microsoft.com/office/drawing/2014/main" id="{21D1CA45-72EE-75D1-E19A-B2E1C7DE24C8}"/>
-                </a:ext>
-              </a:extLst>
-            </p:cNvPr>
-            <p:cNvCxnSpPr>
-              <a:cxnSpLocks/>
-              <a:stCxn id="73" idx="0"/>
-              <a:endCxn id="8" idx="2"/>
-            </p:cNvCxnSpPr>
-            <p:nvPr/>
-          </p:nvCxnSpPr>
-          <p:spPr>
-            <a:xfrm rot="5400000" flipH="1" flipV="1">
-              <a:off x="754896" y="1623632"/>
-              <a:ext cx="2828086" cy="3480094"/>
-            </a:xfrm>
-            <a:prstGeom prst="bentConnector2">
-              <a:avLst/>
-            </a:prstGeom>
-            <a:ln w="38100">
-              <a:solidFill>
-                <a:schemeClr val="accent5"/>
-              </a:solidFill>
-              <a:tailEnd type="triangle"/>
-            </a:ln>
-          </p:spPr>
-          <p:style>
-            <a:lnRef idx="1">
-              <a:schemeClr val="accent1"/>
-            </a:lnRef>
-            <a:fillRef idx="0">
-              <a:schemeClr val="accent1"/>
-            </a:fillRef>
-            <a:effectRef idx="0">
-              <a:schemeClr val="accent1"/>
-            </a:effectRef>
-            <a:fontRef idx="minor">
-              <a:schemeClr val="tx1"/>
-            </a:fontRef>
-          </p:style>
-        </p:cxnSp>
-        <p:sp>
-          <p:nvSpPr>
-            <p:cNvPr id="84" name="TextBox 83">
-              <a:extLst>
-                <a:ext uri="{FF2B5EF4-FFF2-40B4-BE49-F238E27FC236}">
-                  <a16:creationId xmlns:a16="http://schemas.microsoft.com/office/drawing/2014/main" id="{EB60EB2F-2D7B-7844-8BD8-2E9836E729CE}"/>
-                </a:ext>
-              </a:extLst>
-            </p:cNvPr>
-            <p:cNvSpPr txBox="1"/>
-            <p:nvPr/>
-          </p:nvSpPr>
-          <p:spPr>
-            <a:xfrm>
-              <a:off x="705773" y="4575128"/>
-              <a:ext cx="639188" cy="307777"/>
-            </a:xfrm>
-            <a:prstGeom prst="rect">
-              <a:avLst/>
-            </a:prstGeom>
-            <a:noFill/>
-          </p:spPr>
-          <p:txBody>
-            <a:bodyPr wrap="square" rtlCol="0">
-              <a:spAutoFit/>
-            </a:bodyPr>
-            <a:lstStyle/>
-            <a:p>
-              <a:r>
-                <a:rPr lang="en-US" sz="1400" dirty="0">
-                  <a:latin typeface="TH Sarabun New" panose="020B0500040200020003" pitchFamily="34" charset="-34"/>
-                  <a:cs typeface="TH Sarabun New" panose="020B0500040200020003" pitchFamily="34" charset="-34"/>
-                </a:rPr>
-                <a:t>FALSE</a:t>
-              </a:r>
-            </a:p>
-          </p:txBody>
-        </p:sp>
-        <p:cxnSp>
-          <p:nvCxnSpPr>
-            <p:cNvPr id="88" name="Connector: Elbow 87">
-              <a:extLst>
-                <a:ext uri="{FF2B5EF4-FFF2-40B4-BE49-F238E27FC236}">
-                  <a16:creationId xmlns:a16="http://schemas.microsoft.com/office/drawing/2014/main" id="{A96368B4-F1F4-10D6-2383-0494277CD8FA}"/>
-                </a:ext>
-              </a:extLst>
-            </p:cNvPr>
-            <p:cNvCxnSpPr>
-              <a:cxnSpLocks/>
-              <a:stCxn id="9" idx="3"/>
-              <a:endCxn id="92" idx="0"/>
-            </p:cNvCxnSpPr>
-            <p:nvPr/>
-          </p:nvCxnSpPr>
-          <p:spPr>
-            <a:xfrm>
-              <a:off x="5179721" y="2804912"/>
-              <a:ext cx="857144" cy="357570"/>
-            </a:xfrm>
-            <a:prstGeom prst="bentConnector2">
-              <a:avLst/>
-            </a:prstGeom>
-            <a:ln w="38100">
-              <a:solidFill>
-                <a:schemeClr val="accent5"/>
-              </a:solidFill>
-              <a:tailEnd type="triangle"/>
-            </a:ln>
-          </p:spPr>
-          <p:style>
-            <a:lnRef idx="1">
-              <a:schemeClr val="accent1"/>
-            </a:lnRef>
-            <a:fillRef idx="0">
-              <a:schemeClr val="accent1"/>
-            </a:fillRef>
-            <a:effectRef idx="0">
-              <a:schemeClr val="accent1"/>
-            </a:effectRef>
-            <a:fontRef idx="minor">
-              <a:schemeClr val="tx1"/>
-            </a:fontRef>
-          </p:style>
-        </p:cxnSp>
-        <p:sp>
-          <p:nvSpPr>
-            <p:cNvPr id="92" name="Flowchart: Decision 91">
-              <a:extLst>
-                <a:ext uri="{FF2B5EF4-FFF2-40B4-BE49-F238E27FC236}">
-                  <a16:creationId xmlns:a16="http://schemas.microsoft.com/office/drawing/2014/main" id="{F461CECB-664A-8C1B-7702-6C0B292AE000}"/>
-                </a:ext>
-              </a:extLst>
-            </p:cNvPr>
-            <p:cNvSpPr/>
-            <p:nvPr/>
-          </p:nvSpPr>
-          <p:spPr>
-            <a:xfrm>
-              <a:off x="4820993" y="3162482"/>
-              <a:ext cx="2431743" cy="1269223"/>
-            </a:xfrm>
-            <a:prstGeom prst="flowChartDecision">
-              <a:avLst/>
-            </a:prstGeom>
-            <a:solidFill>
-              <a:schemeClr val="accent5">
-                <a:lumMod val="20000"/>
-                <a:lumOff val="80000"/>
-              </a:schemeClr>
-            </a:solidFill>
-            <a:ln>
-              <a:solidFill>
-                <a:schemeClr val="accent5"/>
-              </a:solidFill>
-            </a:ln>
-          </p:spPr>
-          <p:style>
-            <a:lnRef idx="2">
-              <a:schemeClr val="accent1">
-                <a:shade val="50000"/>
-              </a:schemeClr>
-            </a:lnRef>
-            <a:fillRef idx="1">
-              <a:schemeClr val="accent1"/>
-            </a:fillRef>
-            <a:effectRef idx="0">
-              <a:schemeClr val="accent1"/>
-            </a:effectRef>
-            <a:fontRef idx="minor">
-              <a:schemeClr val="lt1"/>
-            </a:fontRef>
-          </p:style>
-          <p:txBody>
-            <a:bodyPr rtlCol="0" anchor="ctr"/>
-            <a:lstStyle/>
-            <a:p>
-              <a:pPr algn="ctr"/>
-              <a:r>
-                <a:rPr lang="th-TH" dirty="0">
-                  <a:solidFill>
-                    <a:schemeClr val="tx1"/>
-                  </a:solidFill>
-                  <a:latin typeface="TH Sarabun New" panose="020B0500040200020003" pitchFamily="34" charset="-34"/>
-                  <a:cs typeface="TH Sarabun New" panose="020B0500040200020003" pitchFamily="34" charset="-34"/>
-                </a:rPr>
-                <a:t>ล่าบอส</a:t>
-              </a:r>
-            </a:p>
-            <a:p>
-              <a:pPr algn="ctr"/>
-              <a:r>
-                <a:rPr lang="en-US" dirty="0">
-                  <a:solidFill>
-                    <a:schemeClr val="tx1"/>
-                  </a:solidFill>
-                  <a:latin typeface="TH Sarabun New" panose="020B0500040200020003" pitchFamily="34" charset="-34"/>
-                  <a:cs typeface="TH Sarabun New" panose="020B0500040200020003" pitchFamily="34" charset="-34"/>
-                </a:rPr>
-                <a:t>counter &gt;= 35</a:t>
-              </a:r>
-              <a:endParaRPr lang="th-TH" dirty="0">
-                <a:solidFill>
-                  <a:schemeClr val="tx1"/>
-                </a:solidFill>
-                <a:latin typeface="TH Sarabun New" panose="020B0500040200020003" pitchFamily="34" charset="-34"/>
-                <a:cs typeface="TH Sarabun New" panose="020B0500040200020003" pitchFamily="34" charset="-34"/>
-              </a:endParaRPr>
-            </a:p>
-            <a:p>
-              <a:pPr algn="ctr"/>
-              <a:r>
-                <a:rPr lang="en-US" dirty="0">
-                  <a:solidFill>
-                    <a:schemeClr val="tx1"/>
-                  </a:solidFill>
-                  <a:latin typeface="TH Sarabun New" panose="020B0500040200020003" pitchFamily="34" charset="-34"/>
-                  <a:cs typeface="TH Sarabun New" panose="020B0500040200020003" pitchFamily="34" charset="-34"/>
-                </a:rPr>
-                <a:t>AND exp &gt; 60</a:t>
-              </a:r>
-            </a:p>
-          </p:txBody>
-        </p:sp>
-        <p:sp>
-          <p:nvSpPr>
-            <p:cNvPr id="101" name="Rectangle 100">
-              <a:extLst>
-                <a:ext uri="{FF2B5EF4-FFF2-40B4-BE49-F238E27FC236}">
-                  <a16:creationId xmlns:a16="http://schemas.microsoft.com/office/drawing/2014/main" id="{ACCF88D4-8819-CE17-9E65-4A20EE208C36}"/>
-                </a:ext>
-              </a:extLst>
-            </p:cNvPr>
-            <p:cNvSpPr/>
-            <p:nvPr/>
-          </p:nvSpPr>
-          <p:spPr>
-            <a:xfrm>
-              <a:off x="3195962" y="1328493"/>
-              <a:ext cx="1713390" cy="284086"/>
-            </a:xfrm>
-            <a:prstGeom prst="rect">
-              <a:avLst/>
-            </a:prstGeom>
-            <a:solidFill>
-              <a:schemeClr val="accent5">
-                <a:lumMod val="20000"/>
-                <a:lumOff val="80000"/>
-              </a:schemeClr>
-            </a:solidFill>
-            <a:ln>
-              <a:solidFill>
-                <a:schemeClr val="accent5"/>
-              </a:solidFill>
-            </a:ln>
-          </p:spPr>
-          <p:style>
-            <a:lnRef idx="2">
-              <a:schemeClr val="accent1">
-                <a:shade val="50000"/>
-              </a:schemeClr>
-            </a:lnRef>
-            <a:fillRef idx="1">
-              <a:schemeClr val="accent1"/>
-            </a:fillRef>
-            <a:effectRef idx="0">
-              <a:schemeClr val="accent1"/>
-            </a:effectRef>
-            <a:fontRef idx="minor">
-              <a:schemeClr val="lt1"/>
-            </a:fontRef>
-          </p:style>
-          <p:txBody>
-            <a:bodyPr rtlCol="0" anchor="ctr"/>
-            <a:lstStyle/>
-            <a:p>
-              <a:pPr algn="ctr"/>
-              <a:r>
-                <a:rPr lang="en-US" dirty="0">
-                  <a:solidFill>
-                    <a:schemeClr val="tx1"/>
-                  </a:solidFill>
-                  <a:latin typeface="TH Sarabun New" panose="020B0500040200020003" pitchFamily="34" charset="-34"/>
-                  <a:cs typeface="TH Sarabun New" panose="020B0500040200020003" pitchFamily="34" charset="-34"/>
-                </a:rPr>
-                <a:t>Int counter = 0</a:t>
-              </a:r>
-            </a:p>
-          </p:txBody>
-        </p:sp>
-        <p:cxnSp>
-          <p:nvCxnSpPr>
-            <p:cNvPr id="108" name="Straight Arrow Connector 107">
-              <a:extLst>
-                <a:ext uri="{FF2B5EF4-FFF2-40B4-BE49-F238E27FC236}">
-                  <a16:creationId xmlns:a16="http://schemas.microsoft.com/office/drawing/2014/main" id="{965DDFBC-8A46-033A-C0FA-8A2D346EF0BF}"/>
-                </a:ext>
-              </a:extLst>
-            </p:cNvPr>
-            <p:cNvCxnSpPr>
-              <a:cxnSpLocks/>
-              <a:stCxn id="101" idx="2"/>
-              <a:endCxn id="8" idx="0"/>
-            </p:cNvCxnSpPr>
-            <p:nvPr/>
-          </p:nvCxnSpPr>
-          <p:spPr>
-            <a:xfrm flipH="1">
-              <a:off x="4051029" y="1612579"/>
-              <a:ext cx="1628" cy="199318"/>
-            </a:xfrm>
-            <a:prstGeom prst="straightConnector1">
-              <a:avLst/>
-            </a:prstGeom>
-            <a:ln w="38100">
-              <a:solidFill>
-                <a:schemeClr val="accent5"/>
-              </a:solidFill>
-              <a:tailEnd type="triangle"/>
-            </a:ln>
-          </p:spPr>
-          <p:style>
-            <a:lnRef idx="1">
-              <a:schemeClr val="accent1"/>
-            </a:lnRef>
-            <a:fillRef idx="0">
-              <a:schemeClr val="accent1"/>
-            </a:fillRef>
-            <a:effectRef idx="0">
-              <a:schemeClr val="accent1"/>
-            </a:effectRef>
-            <a:fontRef idx="minor">
-              <a:schemeClr val="tx1"/>
-            </a:fontRef>
-          </p:style>
-        </p:cxnSp>
-        <p:sp>
-          <p:nvSpPr>
-            <p:cNvPr id="122" name="Rectangle 121">
-              <a:extLst>
-                <a:ext uri="{FF2B5EF4-FFF2-40B4-BE49-F238E27FC236}">
-                  <a16:creationId xmlns:a16="http://schemas.microsoft.com/office/drawing/2014/main" id="{90704A9F-97EA-7561-6FC1-E17F7B98EB38}"/>
-                </a:ext>
-              </a:extLst>
-            </p:cNvPr>
-            <p:cNvSpPr/>
-            <p:nvPr/>
-          </p:nvSpPr>
-          <p:spPr>
-            <a:xfrm>
-              <a:off x="1156388" y="3997245"/>
-              <a:ext cx="1518081" cy="376264"/>
-            </a:xfrm>
-            <a:prstGeom prst="rect">
-              <a:avLst/>
-            </a:prstGeom>
-            <a:solidFill>
-              <a:schemeClr val="accent5">
-                <a:lumMod val="20000"/>
-                <a:lumOff val="80000"/>
-              </a:schemeClr>
-            </a:solidFill>
-            <a:ln>
-              <a:solidFill>
-                <a:schemeClr val="accent5"/>
-              </a:solidFill>
-            </a:ln>
-          </p:spPr>
-          <p:style>
-            <a:lnRef idx="2">
-              <a:schemeClr val="accent1">
-                <a:shade val="50000"/>
-              </a:schemeClr>
-            </a:lnRef>
-            <a:fillRef idx="1">
-              <a:schemeClr val="accent1"/>
-            </a:fillRef>
-            <a:effectRef idx="0">
-              <a:schemeClr val="accent1"/>
-            </a:effectRef>
-            <a:fontRef idx="minor">
-              <a:schemeClr val="lt1"/>
-            </a:fontRef>
-          </p:style>
-          <p:txBody>
-            <a:bodyPr rtlCol="0" anchor="ctr"/>
-            <a:lstStyle/>
-            <a:p>
-              <a:pPr algn="ctr"/>
-              <a:r>
-                <a:rPr lang="en-US" sz="1400" dirty="0">
-                  <a:solidFill>
-                    <a:schemeClr val="tx1"/>
-                  </a:solidFill>
-                  <a:latin typeface="TH Sarabun New" panose="020B0500040200020003" pitchFamily="34" charset="-34"/>
-                  <a:cs typeface="TH Sarabun New" panose="020B0500040200020003" pitchFamily="34" charset="-34"/>
-                </a:rPr>
-                <a:t>counter = counter + 1</a:t>
-              </a:r>
-              <a:endParaRPr lang="th-TH" sz="1400" dirty="0">
-                <a:solidFill>
-                  <a:schemeClr val="tx1"/>
-                </a:solidFill>
-                <a:latin typeface="TH Sarabun New" panose="020B0500040200020003" pitchFamily="34" charset="-34"/>
-                <a:cs typeface="TH Sarabun New" panose="020B0500040200020003" pitchFamily="34" charset="-34"/>
-              </a:endParaRPr>
-            </a:p>
-          </p:txBody>
-        </p:sp>
-        <p:cxnSp>
-          <p:nvCxnSpPr>
-            <p:cNvPr id="124" name="Straight Arrow Connector 123">
-              <a:extLst>
-                <a:ext uri="{FF2B5EF4-FFF2-40B4-BE49-F238E27FC236}">
-                  <a16:creationId xmlns:a16="http://schemas.microsoft.com/office/drawing/2014/main" id="{05079A4F-140A-173D-586D-4EFAE1ACC73E}"/>
-                </a:ext>
-              </a:extLst>
-            </p:cNvPr>
-            <p:cNvCxnSpPr>
-              <a:cxnSpLocks/>
-              <a:stCxn id="122" idx="2"/>
-              <a:endCxn id="27" idx="0"/>
-            </p:cNvCxnSpPr>
-            <p:nvPr/>
-          </p:nvCxnSpPr>
-          <p:spPr>
-            <a:xfrm flipH="1">
-              <a:off x="1915428" y="4373509"/>
-              <a:ext cx="1" cy="253293"/>
-            </a:xfrm>
-            <a:prstGeom prst="straightConnector1">
-              <a:avLst/>
-            </a:prstGeom>
-            <a:ln w="38100">
-              <a:solidFill>
-                <a:schemeClr val="accent5"/>
-              </a:solidFill>
-              <a:tailEnd type="triangle"/>
-            </a:ln>
-          </p:spPr>
-          <p:style>
-            <a:lnRef idx="1">
-              <a:schemeClr val="accent1"/>
-            </a:lnRef>
-            <a:fillRef idx="0">
-              <a:schemeClr val="accent1"/>
-            </a:fillRef>
-            <a:effectRef idx="0">
-              <a:schemeClr val="accent1"/>
-            </a:effectRef>
-            <a:fontRef idx="minor">
-              <a:schemeClr val="tx1"/>
-            </a:fontRef>
-          </p:style>
-        </p:cxnSp>
-        <p:sp>
-          <p:nvSpPr>
-            <p:cNvPr id="156" name="Rectangle 155">
-              <a:extLst>
-                <a:ext uri="{FF2B5EF4-FFF2-40B4-BE49-F238E27FC236}">
-                  <a16:creationId xmlns:a16="http://schemas.microsoft.com/office/drawing/2014/main" id="{8F2A7ECD-3661-4D69-99B1-89EC8413E7AB}"/>
-                </a:ext>
-              </a:extLst>
-            </p:cNvPr>
-            <p:cNvSpPr/>
-            <p:nvPr/>
-          </p:nvSpPr>
-          <p:spPr>
-            <a:xfrm>
-              <a:off x="5180172" y="4777722"/>
-              <a:ext cx="1713390" cy="284086"/>
-            </a:xfrm>
-            <a:prstGeom prst="rect">
-              <a:avLst/>
-            </a:prstGeom>
-            <a:solidFill>
-              <a:schemeClr val="accent5">
-                <a:lumMod val="20000"/>
-                <a:lumOff val="80000"/>
-              </a:schemeClr>
-            </a:solidFill>
-            <a:ln>
-              <a:solidFill>
-                <a:schemeClr val="accent5"/>
-              </a:solidFill>
-            </a:ln>
-          </p:spPr>
-          <p:style>
-            <a:lnRef idx="2">
-              <a:schemeClr val="accent1">
-                <a:shade val="50000"/>
-              </a:schemeClr>
-            </a:lnRef>
-            <a:fillRef idx="1">
-              <a:schemeClr val="accent1"/>
-            </a:fillRef>
-            <a:effectRef idx="0">
-              <a:schemeClr val="accent1"/>
-            </a:effectRef>
-            <a:fontRef idx="minor">
-              <a:schemeClr val="lt1"/>
-            </a:fontRef>
-          </p:style>
-          <p:txBody>
-            <a:bodyPr rtlCol="0" anchor="ctr"/>
-            <a:lstStyle/>
-            <a:p>
-              <a:pPr algn="ctr"/>
-              <a:r>
-                <a:rPr lang="th-TH" dirty="0">
-                  <a:solidFill>
-                    <a:schemeClr val="tx1"/>
-                  </a:solidFill>
-                  <a:latin typeface="TH Sarabun New" panose="020B0500040200020003" pitchFamily="34" charset="-34"/>
-                  <a:cs typeface="TH Sarabun New" panose="020B0500040200020003" pitchFamily="34" charset="-34"/>
-                </a:rPr>
-                <a:t>ผ่านด่าน</a:t>
-              </a:r>
-              <a:endParaRPr lang="en-US" dirty="0">
-                <a:solidFill>
-                  <a:schemeClr val="tx1"/>
-                </a:solidFill>
-                <a:latin typeface="TH Sarabun New" panose="020B0500040200020003" pitchFamily="34" charset="-34"/>
-                <a:cs typeface="TH Sarabun New" panose="020B0500040200020003" pitchFamily="34" charset="-34"/>
-              </a:endParaRPr>
-            </a:p>
-          </p:txBody>
-        </p:sp>
-        <p:cxnSp>
-          <p:nvCxnSpPr>
-            <p:cNvPr id="158" name="Connector: Elbow 157">
-              <a:extLst>
-                <a:ext uri="{FF2B5EF4-FFF2-40B4-BE49-F238E27FC236}">
-                  <a16:creationId xmlns:a16="http://schemas.microsoft.com/office/drawing/2014/main" id="{A250AD89-6464-3797-9276-FF316A0A2DA8}"/>
-                </a:ext>
-              </a:extLst>
-            </p:cNvPr>
-            <p:cNvCxnSpPr>
-              <a:cxnSpLocks/>
-              <a:stCxn id="156" idx="2"/>
-              <a:endCxn id="5" idx="0"/>
-            </p:cNvCxnSpPr>
-            <p:nvPr/>
-          </p:nvCxnSpPr>
-          <p:spPr>
-            <a:xfrm rot="5400000">
-              <a:off x="4446591" y="4657758"/>
-              <a:ext cx="1186226" cy="1994326"/>
-            </a:xfrm>
-            <a:prstGeom prst="bentConnector3">
-              <a:avLst>
-                <a:gd name="adj1" fmla="val 62847"/>
-              </a:avLst>
-            </a:prstGeom>
-            <a:ln w="38100">
-              <a:solidFill>
-                <a:schemeClr val="accent5"/>
-              </a:solidFill>
-              <a:tailEnd type="triangle"/>
-            </a:ln>
-          </p:spPr>
-          <p:style>
-            <a:lnRef idx="1">
-              <a:schemeClr val="accent1"/>
-            </a:lnRef>
-            <a:fillRef idx="0">
-              <a:schemeClr val="accent1"/>
-            </a:fillRef>
-            <a:effectRef idx="0">
-              <a:schemeClr val="accent1"/>
-            </a:effectRef>
-            <a:fontRef idx="minor">
-              <a:schemeClr val="tx1"/>
-            </a:fontRef>
-          </p:style>
-        </p:cxnSp>
-        <p:sp>
-          <p:nvSpPr>
-            <p:cNvPr id="164" name="TextBox 163">
-              <a:extLst>
-                <a:ext uri="{FF2B5EF4-FFF2-40B4-BE49-F238E27FC236}">
-                  <a16:creationId xmlns:a16="http://schemas.microsoft.com/office/drawing/2014/main" id="{4D11DC48-F1C3-074D-97ED-64D62B580EA1}"/>
-                </a:ext>
-              </a:extLst>
-            </p:cNvPr>
-            <p:cNvSpPr txBox="1"/>
-            <p:nvPr/>
-          </p:nvSpPr>
-          <p:spPr>
-            <a:xfrm>
-              <a:off x="5397677" y="4267351"/>
-              <a:ext cx="639188" cy="307777"/>
-            </a:xfrm>
-            <a:prstGeom prst="rect">
-              <a:avLst/>
-            </a:prstGeom>
-            <a:noFill/>
-          </p:spPr>
-          <p:txBody>
-            <a:bodyPr wrap="square" rtlCol="0">
-              <a:spAutoFit/>
-            </a:bodyPr>
-            <a:lstStyle/>
-            <a:p>
-              <a:r>
-                <a:rPr lang="en-US" sz="1400" dirty="0">
-                  <a:latin typeface="TH Sarabun New" panose="020B0500040200020003" pitchFamily="34" charset="-34"/>
-                  <a:cs typeface="TH Sarabun New" panose="020B0500040200020003" pitchFamily="34" charset="-34"/>
-                </a:rPr>
-                <a:t>TRUE</a:t>
-              </a:r>
-            </a:p>
-          </p:txBody>
-        </p:sp>
-        <p:sp>
-          <p:nvSpPr>
-            <p:cNvPr id="165" name="TextBox 164">
-              <a:extLst>
-                <a:ext uri="{FF2B5EF4-FFF2-40B4-BE49-F238E27FC236}">
-                  <a16:creationId xmlns:a16="http://schemas.microsoft.com/office/drawing/2014/main" id="{BC23647F-1BC6-AC92-0BDF-124512C67EEC}"/>
-                </a:ext>
-              </a:extLst>
-            </p:cNvPr>
-            <p:cNvSpPr txBox="1"/>
-            <p:nvPr/>
-          </p:nvSpPr>
-          <p:spPr>
-            <a:xfrm>
-              <a:off x="7110490" y="3489316"/>
-              <a:ext cx="598456" cy="307777"/>
-            </a:xfrm>
-            <a:prstGeom prst="rect">
-              <a:avLst/>
-            </a:prstGeom>
-            <a:noFill/>
-          </p:spPr>
-          <p:txBody>
-            <a:bodyPr wrap="square" rtlCol="0">
-              <a:spAutoFit/>
-            </a:bodyPr>
-            <a:lstStyle/>
-            <a:p>
-              <a:r>
-                <a:rPr lang="en-US" sz="1400" dirty="0">
-                  <a:latin typeface="TH Sarabun New" panose="020B0500040200020003" pitchFamily="34" charset="-34"/>
-                  <a:cs typeface="TH Sarabun New" panose="020B0500040200020003" pitchFamily="34" charset="-34"/>
-                </a:rPr>
-                <a:t>FALSE</a:t>
-              </a:r>
-            </a:p>
-          </p:txBody>
-        </p:sp>
-        <p:cxnSp>
-          <p:nvCxnSpPr>
-            <p:cNvPr id="213" name="Connector: Elbow 212">
-              <a:extLst>
-                <a:ext uri="{FF2B5EF4-FFF2-40B4-BE49-F238E27FC236}">
-                  <a16:creationId xmlns:a16="http://schemas.microsoft.com/office/drawing/2014/main" id="{2A941F3C-62FC-3BFD-B575-15364F8B6738}"/>
-                </a:ext>
-              </a:extLst>
-            </p:cNvPr>
-            <p:cNvCxnSpPr>
-              <a:cxnSpLocks/>
-              <a:stCxn id="92" idx="3"/>
-              <a:endCxn id="217" idx="2"/>
-            </p:cNvCxnSpPr>
-            <p:nvPr/>
-          </p:nvCxnSpPr>
-          <p:spPr>
-            <a:xfrm flipV="1">
-              <a:off x="7252736" y="2978025"/>
-              <a:ext cx="313965" cy="819069"/>
-            </a:xfrm>
-            <a:prstGeom prst="bentConnector2">
-              <a:avLst/>
-            </a:prstGeom>
-            <a:ln w="38100">
-              <a:solidFill>
-                <a:schemeClr val="accent5"/>
-              </a:solidFill>
-              <a:tailEnd type="triangle"/>
-            </a:ln>
-          </p:spPr>
-          <p:style>
-            <a:lnRef idx="1">
-              <a:schemeClr val="accent1"/>
-            </a:lnRef>
-            <a:fillRef idx="0">
-              <a:schemeClr val="accent1"/>
-            </a:fillRef>
-            <a:effectRef idx="0">
-              <a:schemeClr val="accent1"/>
-            </a:effectRef>
-            <a:fontRef idx="minor">
-              <a:schemeClr val="tx1"/>
-            </a:fontRef>
-          </p:style>
-        </p:cxnSp>
-        <p:sp>
-          <p:nvSpPr>
-            <p:cNvPr id="217" name="Rectangle 216">
-              <a:extLst>
-                <a:ext uri="{FF2B5EF4-FFF2-40B4-BE49-F238E27FC236}">
-                  <a16:creationId xmlns:a16="http://schemas.microsoft.com/office/drawing/2014/main" id="{F9819FC0-46BA-2B5C-9364-F8403B658938}"/>
-                </a:ext>
-              </a:extLst>
-            </p:cNvPr>
-            <p:cNvSpPr/>
-            <p:nvPr/>
-          </p:nvSpPr>
-          <p:spPr>
-            <a:xfrm>
-              <a:off x="6807660" y="2645114"/>
-              <a:ext cx="1518081" cy="332911"/>
-            </a:xfrm>
-            <a:prstGeom prst="rect">
-              <a:avLst/>
-            </a:prstGeom>
-            <a:solidFill>
-              <a:schemeClr val="accent5">
-                <a:lumMod val="20000"/>
-                <a:lumOff val="80000"/>
-              </a:schemeClr>
-            </a:solidFill>
-            <a:ln>
-              <a:solidFill>
-                <a:schemeClr val="accent5"/>
-              </a:solidFill>
-            </a:ln>
-          </p:spPr>
-          <p:style>
-            <a:lnRef idx="2">
-              <a:schemeClr val="accent1">
-                <a:shade val="50000"/>
-              </a:schemeClr>
-            </a:lnRef>
-            <a:fillRef idx="1">
-              <a:schemeClr val="accent1"/>
-            </a:fillRef>
-            <a:effectRef idx="0">
-              <a:schemeClr val="accent1"/>
-            </a:effectRef>
-            <a:fontRef idx="minor">
-              <a:schemeClr val="lt1"/>
-            </a:fontRef>
-          </p:style>
-          <p:txBody>
-            <a:bodyPr rtlCol="0" anchor="ctr"/>
-            <a:lstStyle/>
-            <a:p>
-              <a:pPr algn="ctr"/>
-              <a:r>
-                <a:rPr lang="en-US" dirty="0">
-                  <a:solidFill>
-                    <a:schemeClr val="tx1"/>
-                  </a:solidFill>
-                  <a:latin typeface="TH Sarabun New" panose="020B0500040200020003" pitchFamily="34" charset="-34"/>
-                  <a:cs typeface="TH Sarabun New" panose="020B0500040200020003" pitchFamily="34" charset="-34"/>
-                </a:rPr>
-                <a:t>Level = </a:t>
-              </a:r>
-              <a:r>
-                <a:rPr lang="th-TH" dirty="0">
-                  <a:solidFill>
-                    <a:schemeClr val="tx1"/>
-                  </a:solidFill>
-                  <a:latin typeface="TH Sarabun New" panose="020B0500040200020003" pitchFamily="34" charset="-34"/>
-                  <a:cs typeface="TH Sarabun New" panose="020B0500040200020003" pitchFamily="34" charset="-34"/>
-                </a:rPr>
-                <a:t>9</a:t>
-              </a:r>
-              <a:endParaRPr lang="en-US" dirty="0">
-                <a:solidFill>
-                  <a:schemeClr val="tx1"/>
-                </a:solidFill>
-                <a:latin typeface="TH Sarabun New" panose="020B0500040200020003" pitchFamily="34" charset="-34"/>
-                <a:cs typeface="TH Sarabun New" panose="020B0500040200020003" pitchFamily="34" charset="-34"/>
-              </a:endParaRPr>
-            </a:p>
-          </p:txBody>
-        </p:sp>
-        <p:cxnSp>
-          <p:nvCxnSpPr>
-            <p:cNvPr id="221" name="Connector: Elbow 220">
-              <a:extLst>
-                <a:ext uri="{FF2B5EF4-FFF2-40B4-BE49-F238E27FC236}">
-                  <a16:creationId xmlns:a16="http://schemas.microsoft.com/office/drawing/2014/main" id="{517C1456-0993-69AE-200D-94247F2A3085}"/>
-                </a:ext>
-              </a:extLst>
-            </p:cNvPr>
-            <p:cNvCxnSpPr>
-              <a:cxnSpLocks/>
-              <a:stCxn id="217" idx="0"/>
-              <a:endCxn id="8" idx="6"/>
-            </p:cNvCxnSpPr>
-            <p:nvPr/>
-          </p:nvCxnSpPr>
-          <p:spPr>
-            <a:xfrm rot="16200000" flipV="1">
-              <a:off x="5532147" y="610560"/>
-              <a:ext cx="695478" cy="3373630"/>
-            </a:xfrm>
-            <a:prstGeom prst="bentConnector2">
-              <a:avLst/>
-            </a:prstGeom>
-            <a:ln w="38100">
-              <a:solidFill>
-                <a:schemeClr val="accent5"/>
-              </a:solidFill>
-              <a:tailEnd type="triangle"/>
-            </a:ln>
-          </p:spPr>
-          <p:style>
-            <a:lnRef idx="1">
-              <a:schemeClr val="accent1"/>
-            </a:lnRef>
-            <a:fillRef idx="0">
-              <a:schemeClr val="accent1"/>
-            </a:fillRef>
-            <a:effectRef idx="0">
-              <a:schemeClr val="accent1"/>
-            </a:effectRef>
-            <a:fontRef idx="minor">
-              <a:schemeClr val="tx1"/>
-            </a:fontRef>
-          </p:style>
-        </p:cxnSp>
-        <p:cxnSp>
-          <p:nvCxnSpPr>
-            <p:cNvPr id="227" name="Connector: Elbow 226">
-              <a:extLst>
-                <a:ext uri="{FF2B5EF4-FFF2-40B4-BE49-F238E27FC236}">
-                  <a16:creationId xmlns:a16="http://schemas.microsoft.com/office/drawing/2014/main" id="{15196B46-A6F1-B48C-A030-0D8B6FFC619D}"/>
-                </a:ext>
-              </a:extLst>
-            </p:cNvPr>
-            <p:cNvCxnSpPr>
-              <a:cxnSpLocks/>
-              <a:stCxn id="92" idx="2"/>
-              <a:endCxn id="156" idx="0"/>
-            </p:cNvCxnSpPr>
-            <p:nvPr/>
-          </p:nvCxnSpPr>
-          <p:spPr>
-            <a:xfrm rot="16200000" flipH="1">
-              <a:off x="5863858" y="4604712"/>
-              <a:ext cx="346017" cy="2"/>
-            </a:xfrm>
-            <a:prstGeom prst="bentConnector3">
-              <a:avLst>
-                <a:gd name="adj1" fmla="val 50000"/>
-              </a:avLst>
-            </a:prstGeom>
-            <a:ln w="38100">
-              <a:solidFill>
-                <a:schemeClr val="accent5"/>
-              </a:solidFill>
-              <a:tailEnd type="triangle"/>
-            </a:ln>
-          </p:spPr>
-          <p:style>
-            <a:lnRef idx="1">
-              <a:schemeClr val="accent1"/>
-            </a:lnRef>
-            <a:fillRef idx="0">
-              <a:schemeClr val="accent1"/>
-            </a:fillRef>
-            <a:effectRef idx="0">
-              <a:schemeClr val="accent1"/>
-            </a:effectRef>
-            <a:fontRef idx="minor">
-              <a:schemeClr val="tx1"/>
-            </a:fontRef>
-          </p:style>
-        </p:cxnSp>
-      </p:grpSp>
-      <p:sp>
-        <p:nvSpPr>
-          <p:cNvPr id="253" name="TextBox 252">
-            <a:extLst>
-              <a:ext uri="{FF2B5EF4-FFF2-40B4-BE49-F238E27FC236}">
-                <a16:creationId xmlns:a16="http://schemas.microsoft.com/office/drawing/2014/main" id="{E5681411-9B43-FC31-7D41-F51BE000893A}"/>
-              </a:ext>
-            </a:extLst>
-          </p:cNvPr>
-          <p:cNvSpPr txBox="1"/>
-          <p:nvPr/>
-        </p:nvSpPr>
-        <p:spPr>
-          <a:xfrm>
-            <a:off x="297270" y="743773"/>
-            <a:ext cx="3819914" cy="523220"/>
-          </a:xfrm>
-          <a:prstGeom prst="rect">
-            <a:avLst/>
-          </a:prstGeom>
-          <a:noFill/>
-        </p:spPr>
-        <p:txBody>
-          <a:bodyPr wrap="square" rtlCol="0">
-            <a:spAutoFit/>
-          </a:bodyPr>
-          <a:lstStyle/>
-          <a:p>
-            <a:r>
-              <a:rPr lang="th-TH" sz="2800" dirty="0">
-                <a:latin typeface="TH Sarabun New" panose="020B0500040200020003" pitchFamily="34" charset="-34"/>
-                <a:cs typeface="TH Sarabun New" panose="020B0500040200020003" pitchFamily="34" charset="-34"/>
-              </a:rPr>
-              <a:t>การเขียน </a:t>
-            </a:r>
-            <a:r>
-              <a:rPr lang="en-US" sz="2800" dirty="0">
-                <a:latin typeface="TH Sarabun New" panose="020B0500040200020003" pitchFamily="34" charset="-34"/>
-                <a:cs typeface="TH Sarabun New" panose="020B0500040200020003" pitchFamily="34" charset="-34"/>
-              </a:rPr>
-              <a:t>Flowchart </a:t>
-            </a:r>
-            <a:r>
-              <a:rPr lang="th-TH" sz="2800" dirty="0">
-                <a:latin typeface="TH Sarabun New" panose="020B0500040200020003" pitchFamily="34" charset="-34"/>
-                <a:cs typeface="TH Sarabun New" panose="020B0500040200020003" pitchFamily="34" charset="-34"/>
-              </a:rPr>
-              <a:t>แบบปกติ</a:t>
-            </a:r>
-            <a:endParaRPr lang="en-US" sz="2800" dirty="0">
-              <a:latin typeface="TH Sarabun New" panose="020B0500040200020003" pitchFamily="34" charset="-34"/>
-              <a:cs typeface="TH Sarabun New" panose="020B0500040200020003" pitchFamily="34" charset="-34"/>
-            </a:endParaRPr>
-          </a:p>
-        </p:txBody>
-      </p:sp>
-      <p:sp>
-        <p:nvSpPr>
-          <p:cNvPr id="3" name="Slide Number Placeholder 2">
-            <a:extLst>
-              <a:ext uri="{FF2B5EF4-FFF2-40B4-BE49-F238E27FC236}">
-                <a16:creationId xmlns:a16="http://schemas.microsoft.com/office/drawing/2014/main" id="{51D06214-6DA2-C094-0809-1924133804FB}"/>
-              </a:ext>
-            </a:extLst>
-          </p:cNvPr>
-          <p:cNvSpPr>
-            <a:spLocks noGrp="1"/>
-          </p:cNvSpPr>
-          <p:nvPr>
-            <p:ph type="sldNum" sz="quarter" idx="12"/>
-          </p:nvPr>
-        </p:nvSpPr>
-        <p:spPr/>
-        <p:txBody>
-          <a:bodyPr/>
-          <a:lstStyle/>
-          <a:p>
-            <a:fld id="{AE455537-A8B3-43D7-BAD4-622A405E8FF8}" type="slidenum">
-              <a:rPr lang="en-US" smtClean="0"/>
-              <a:t>27</a:t>
-            </a:fld>
-            <a:endParaRPr lang="en-US"/>
-          </a:p>
-        </p:txBody>
-      </p:sp>
-      <p:sp>
-        <p:nvSpPr>
-          <p:cNvPr id="10" name="Footer Placeholder 9">
-            <a:extLst>
-              <a:ext uri="{FF2B5EF4-FFF2-40B4-BE49-F238E27FC236}">
-                <a16:creationId xmlns:a16="http://schemas.microsoft.com/office/drawing/2014/main" id="{B8AF8B7B-D0A6-AE7D-E255-4021D075D1E4}"/>
-              </a:ext>
-            </a:extLst>
-          </p:cNvPr>
-          <p:cNvSpPr>
-            <a:spLocks noGrp="1"/>
-          </p:cNvSpPr>
-          <p:nvPr>
-            <p:ph type="ftr" sz="quarter" idx="11"/>
-          </p:nvPr>
-        </p:nvSpPr>
-        <p:spPr/>
-        <p:txBody>
-          <a:bodyPr/>
-          <a:lstStyle/>
-          <a:p>
-            <a:r>
-              <a:rPr lang="en-US"/>
-              <a:t>Nachai Paramesthanakorn</a:t>
-            </a:r>
-            <a:endParaRPr lang="en-US" dirty="0"/>
-          </a:p>
-        </p:txBody>
-      </p:sp>
-    </p:spTree>
-    <p:extLst>
-      <p:ext uri="{BB962C8B-B14F-4D97-AF65-F5344CB8AC3E}">
-        <p14:creationId xmlns:p14="http://schemas.microsoft.com/office/powerpoint/2010/main" val="3259305089"/>
-      </p:ext>
-    </p:extLst>
-  </p:cSld>
-  <p:clrMapOvr>
-    <a:masterClrMapping/>
-  </p:clrMapOvr>
-</p:sld>
-</file>
-
-<file path=ppt/slides/slide28.xml><?xml version="1.0" encoding="utf-8"?>
-<p:sld xmlns:a="http://schemas.openxmlformats.org/drawingml/2006/main" xmlns:r="http://schemas.openxmlformats.org/officeDocument/2006/relationships" xmlns:p="http://schemas.openxmlformats.org/presentationml/2006/main">
-  <p:cSld>
-    <p:spTree>
-      <p:nvGrpSpPr>
-        <p:cNvPr id="1" name=""/>
-        <p:cNvGrpSpPr/>
-        <p:nvPr/>
-      </p:nvGrpSpPr>
-      <p:grpSpPr>
-        <a:xfrm>
-          <a:off x="0" y="0"/>
-          <a:ext cx="0" cy="0"/>
-          <a:chOff x="0" y="0"/>
-          <a:chExt cx="0" cy="0"/>
-        </a:xfrm>
-      </p:grpSpPr>
-      <p:grpSp>
-        <p:nvGrpSpPr>
-          <p:cNvPr id="252" name="Group 251">
-            <a:extLst>
-              <a:ext uri="{FF2B5EF4-FFF2-40B4-BE49-F238E27FC236}">
-                <a16:creationId xmlns:a16="http://schemas.microsoft.com/office/drawing/2014/main" id="{BCFA724A-5CD1-A9F2-E855-0D0B0BA4475C}"/>
-              </a:ext>
-            </a:extLst>
-          </p:cNvPr>
-          <p:cNvGrpSpPr/>
-          <p:nvPr/>
-        </p:nvGrpSpPr>
-        <p:grpSpPr>
-          <a:xfrm>
-            <a:off x="1632176" y="139836"/>
-            <a:ext cx="8042693" cy="6435870"/>
-            <a:chOff x="282410" y="41794"/>
-            <a:chExt cx="8043331" cy="6490326"/>
-          </a:xfrm>
-        </p:grpSpPr>
-        <p:sp>
-          <p:nvSpPr>
-            <p:cNvPr id="4" name="Flowchart: Terminator 3">
-              <a:extLst>
-                <a:ext uri="{FF2B5EF4-FFF2-40B4-BE49-F238E27FC236}">
-                  <a16:creationId xmlns:a16="http://schemas.microsoft.com/office/drawing/2014/main" id="{19056D94-91CF-3813-4A72-5D50D5E18B1C}"/>
-                </a:ext>
-              </a:extLst>
-            </p:cNvPr>
-            <p:cNvSpPr/>
-            <p:nvPr/>
-          </p:nvSpPr>
-          <p:spPr>
-            <a:xfrm>
-              <a:off x="3666477" y="41794"/>
-              <a:ext cx="772357" cy="284086"/>
-            </a:xfrm>
-            <a:prstGeom prst="flowChartTerminator">
-              <a:avLst/>
-            </a:prstGeom>
-            <a:solidFill>
-              <a:schemeClr val="accent5">
-                <a:lumMod val="20000"/>
-                <a:lumOff val="80000"/>
-              </a:schemeClr>
-            </a:solidFill>
-            <a:ln>
-              <a:solidFill>
-                <a:schemeClr val="accent5"/>
-              </a:solidFill>
-            </a:ln>
-          </p:spPr>
-          <p:style>
-            <a:lnRef idx="2">
-              <a:schemeClr val="accent1">
-                <a:shade val="50000"/>
-              </a:schemeClr>
-            </a:lnRef>
-            <a:fillRef idx="1">
-              <a:schemeClr val="accent1"/>
-            </a:fillRef>
-            <a:effectRef idx="0">
-              <a:schemeClr val="accent1"/>
-            </a:effectRef>
-            <a:fontRef idx="minor">
-              <a:schemeClr val="lt1"/>
-            </a:fontRef>
-          </p:style>
-          <p:txBody>
-            <a:bodyPr rtlCol="0" anchor="ctr"/>
-            <a:lstStyle/>
-            <a:p>
-              <a:pPr algn="ctr"/>
-              <a:r>
-                <a:rPr lang="en-US" sz="1400" dirty="0">
-                  <a:solidFill>
-                    <a:schemeClr val="tx1"/>
-                  </a:solidFill>
-                  <a:latin typeface="TH Sarabun New" panose="020B0500040200020003" pitchFamily="34" charset="-34"/>
-                  <a:cs typeface="TH Sarabun New" panose="020B0500040200020003" pitchFamily="34" charset="-34"/>
-                </a:rPr>
-                <a:t>Start</a:t>
-              </a:r>
-            </a:p>
-          </p:txBody>
-        </p:sp>
-        <p:sp>
-          <p:nvSpPr>
-            <p:cNvPr id="5" name="Flowchart: Terminator 4">
-              <a:extLst>
-                <a:ext uri="{FF2B5EF4-FFF2-40B4-BE49-F238E27FC236}">
-                  <a16:creationId xmlns:a16="http://schemas.microsoft.com/office/drawing/2014/main" id="{59081328-39DA-F53A-BE33-EB27622DBA55}"/>
-                </a:ext>
-              </a:extLst>
-            </p:cNvPr>
-            <p:cNvSpPr/>
-            <p:nvPr/>
-          </p:nvSpPr>
-          <p:spPr>
-            <a:xfrm>
-              <a:off x="3656362" y="6248034"/>
-              <a:ext cx="772357" cy="284086"/>
-            </a:xfrm>
-            <a:prstGeom prst="flowChartTerminator">
-              <a:avLst/>
-            </a:prstGeom>
-            <a:solidFill>
-              <a:schemeClr val="accent5">
-                <a:lumMod val="20000"/>
-                <a:lumOff val="80000"/>
-              </a:schemeClr>
-            </a:solidFill>
-            <a:ln>
-              <a:solidFill>
-                <a:schemeClr val="accent5"/>
-              </a:solidFill>
-            </a:ln>
-          </p:spPr>
-          <p:style>
-            <a:lnRef idx="2">
-              <a:schemeClr val="accent1">
-                <a:shade val="50000"/>
-              </a:schemeClr>
-            </a:lnRef>
-            <a:fillRef idx="1">
-              <a:schemeClr val="accent1"/>
-            </a:fillRef>
-            <a:effectRef idx="0">
-              <a:schemeClr val="accent1"/>
-            </a:effectRef>
-            <a:fontRef idx="minor">
-              <a:schemeClr val="lt1"/>
-            </a:fontRef>
-          </p:style>
-          <p:txBody>
-            <a:bodyPr rtlCol="0" anchor="ctr"/>
-            <a:lstStyle/>
-            <a:p>
-              <a:pPr algn="ctr"/>
-              <a:r>
-                <a:rPr lang="en-US" sz="1400" dirty="0">
-                  <a:solidFill>
-                    <a:schemeClr val="tx1"/>
-                  </a:solidFill>
-                  <a:latin typeface="TH Sarabun New" panose="020B0500040200020003" pitchFamily="34" charset="-34"/>
-                  <a:cs typeface="TH Sarabun New" panose="020B0500040200020003" pitchFamily="34" charset="-34"/>
-                </a:rPr>
-                <a:t>Stop</a:t>
-              </a:r>
-            </a:p>
-          </p:txBody>
-        </p:sp>
-        <p:sp>
-          <p:nvSpPr>
-            <p:cNvPr id="6" name="Rectangle 5">
-              <a:extLst>
-                <a:ext uri="{FF2B5EF4-FFF2-40B4-BE49-F238E27FC236}">
-                  <a16:creationId xmlns:a16="http://schemas.microsoft.com/office/drawing/2014/main" id="{2378859A-9DCE-9469-17D6-B2ACD672569F}"/>
-                </a:ext>
-              </a:extLst>
-            </p:cNvPr>
-            <p:cNvSpPr/>
-            <p:nvPr/>
-          </p:nvSpPr>
-          <p:spPr>
-            <a:xfrm>
-              <a:off x="3195962" y="475540"/>
-              <a:ext cx="1713390" cy="284086"/>
-            </a:xfrm>
-            <a:prstGeom prst="rect">
-              <a:avLst/>
-            </a:prstGeom>
-            <a:solidFill>
-              <a:schemeClr val="accent5">
-                <a:lumMod val="20000"/>
-                <a:lumOff val="80000"/>
-              </a:schemeClr>
-            </a:solidFill>
-            <a:ln>
-              <a:solidFill>
-                <a:schemeClr val="accent5"/>
-              </a:solidFill>
-            </a:ln>
-          </p:spPr>
-          <p:style>
-            <a:lnRef idx="2">
-              <a:schemeClr val="accent1">
-                <a:shade val="50000"/>
-              </a:schemeClr>
-            </a:lnRef>
-            <a:fillRef idx="1">
-              <a:schemeClr val="accent1"/>
-            </a:fillRef>
-            <a:effectRef idx="0">
-              <a:schemeClr val="accent1"/>
-            </a:effectRef>
-            <a:fontRef idx="minor">
-              <a:schemeClr val="lt1"/>
-            </a:fontRef>
-          </p:style>
-          <p:txBody>
-            <a:bodyPr rtlCol="0" anchor="ctr"/>
-            <a:lstStyle/>
-            <a:p>
-              <a:pPr algn="ctr"/>
-              <a:r>
-                <a:rPr lang="en-US" dirty="0">
-                  <a:solidFill>
-                    <a:schemeClr val="tx1"/>
-                  </a:solidFill>
-                  <a:latin typeface="TH Sarabun New" panose="020B0500040200020003" pitchFamily="34" charset="-34"/>
-                  <a:cs typeface="TH Sarabun New" panose="020B0500040200020003" pitchFamily="34" charset="-34"/>
-                </a:rPr>
-                <a:t>Int level = 1</a:t>
-              </a:r>
-            </a:p>
-          </p:txBody>
-        </p:sp>
-        <p:sp>
-          <p:nvSpPr>
-            <p:cNvPr id="7" name="Rectangle 6">
-              <a:extLst>
-                <a:ext uri="{FF2B5EF4-FFF2-40B4-BE49-F238E27FC236}">
-                  <a16:creationId xmlns:a16="http://schemas.microsoft.com/office/drawing/2014/main" id="{04CD2C4E-424A-C7AA-541E-98649E044C02}"/>
-                </a:ext>
-              </a:extLst>
-            </p:cNvPr>
-            <p:cNvSpPr/>
-            <p:nvPr/>
-          </p:nvSpPr>
-          <p:spPr>
-            <a:xfrm>
-              <a:off x="3195962" y="903536"/>
-              <a:ext cx="1713390" cy="284086"/>
-            </a:xfrm>
-            <a:prstGeom prst="rect">
-              <a:avLst/>
-            </a:prstGeom>
-            <a:solidFill>
-              <a:schemeClr val="accent5">
-                <a:lumMod val="20000"/>
-                <a:lumOff val="80000"/>
-              </a:schemeClr>
-            </a:solidFill>
-            <a:ln>
-              <a:solidFill>
-                <a:schemeClr val="accent5"/>
-              </a:solidFill>
-            </a:ln>
-          </p:spPr>
-          <p:style>
-            <a:lnRef idx="2">
-              <a:schemeClr val="accent1">
-                <a:shade val="50000"/>
-              </a:schemeClr>
-            </a:lnRef>
-            <a:fillRef idx="1">
-              <a:schemeClr val="accent1"/>
-            </a:fillRef>
-            <a:effectRef idx="0">
-              <a:schemeClr val="accent1"/>
-            </a:effectRef>
-            <a:fontRef idx="minor">
-              <a:schemeClr val="lt1"/>
-            </a:fontRef>
-          </p:style>
-          <p:txBody>
-            <a:bodyPr rtlCol="0" anchor="ctr"/>
-            <a:lstStyle/>
-            <a:p>
-              <a:pPr algn="ctr"/>
-              <a:r>
-                <a:rPr lang="en-US" dirty="0">
-                  <a:solidFill>
-                    <a:schemeClr val="tx1"/>
-                  </a:solidFill>
-                  <a:latin typeface="TH Sarabun New" panose="020B0500040200020003" pitchFamily="34" charset="-34"/>
-                  <a:cs typeface="TH Sarabun New" panose="020B0500040200020003" pitchFamily="34" charset="-34"/>
-                </a:rPr>
-                <a:t>Int exp = 0</a:t>
-              </a:r>
-            </a:p>
-          </p:txBody>
-        </p:sp>
-        <p:sp>
-          <p:nvSpPr>
-            <p:cNvPr id="8" name="Flowchart: Connector 7">
-              <a:extLst>
-                <a:ext uri="{FF2B5EF4-FFF2-40B4-BE49-F238E27FC236}">
-                  <a16:creationId xmlns:a16="http://schemas.microsoft.com/office/drawing/2014/main" id="{9FB59122-DFAF-D16C-63CB-E38B77444F86}"/>
-                </a:ext>
-              </a:extLst>
-            </p:cNvPr>
-            <p:cNvSpPr/>
-            <p:nvPr/>
-          </p:nvSpPr>
-          <p:spPr>
-            <a:xfrm>
-              <a:off x="3908986" y="1811897"/>
-              <a:ext cx="284085" cy="275477"/>
-            </a:xfrm>
-            <a:prstGeom prst="flowChartConnector">
-              <a:avLst/>
-            </a:prstGeom>
-            <a:solidFill>
-              <a:schemeClr val="accent5">
-                <a:lumMod val="20000"/>
-                <a:lumOff val="80000"/>
-              </a:schemeClr>
-            </a:solidFill>
-            <a:ln>
-              <a:solidFill>
-                <a:schemeClr val="accent5"/>
-              </a:solidFill>
-            </a:ln>
-          </p:spPr>
-          <p:style>
-            <a:lnRef idx="2">
-              <a:schemeClr val="accent1">
-                <a:shade val="50000"/>
-              </a:schemeClr>
-            </a:lnRef>
-            <a:fillRef idx="1">
-              <a:schemeClr val="accent1"/>
-            </a:fillRef>
-            <a:effectRef idx="0">
-              <a:schemeClr val="accent1"/>
-            </a:effectRef>
-            <a:fontRef idx="minor">
-              <a:schemeClr val="lt1"/>
-            </a:fontRef>
-          </p:style>
-          <p:txBody>
-            <a:bodyPr rtlCol="0" anchor="ctr"/>
-            <a:lstStyle/>
-            <a:p>
-              <a:pPr algn="ctr"/>
-              <a:endParaRPr lang="en-US">
-                <a:solidFill>
-                  <a:schemeClr val="tx1"/>
-                </a:solidFill>
-                <a:latin typeface="TH Sarabun New" panose="020B0500040200020003" pitchFamily="34" charset="-34"/>
-                <a:cs typeface="TH Sarabun New" panose="020B0500040200020003" pitchFamily="34" charset="-34"/>
-              </a:endParaRPr>
-            </a:p>
-          </p:txBody>
-        </p:sp>
-        <p:sp>
-          <p:nvSpPr>
-            <p:cNvPr id="9" name="Flowchart: Decision 8">
-              <a:extLst>
-                <a:ext uri="{FF2B5EF4-FFF2-40B4-BE49-F238E27FC236}">
-                  <a16:creationId xmlns:a16="http://schemas.microsoft.com/office/drawing/2014/main" id="{6151D214-9EB1-6F09-0726-F706B0958746}"/>
-                </a:ext>
-              </a:extLst>
-            </p:cNvPr>
-            <p:cNvSpPr/>
-            <p:nvPr/>
-          </p:nvSpPr>
-          <p:spPr>
-            <a:xfrm>
-              <a:off x="2905362" y="2312515"/>
-              <a:ext cx="2274359" cy="984793"/>
-            </a:xfrm>
-            <a:prstGeom prst="flowChartDecision">
-              <a:avLst/>
-            </a:prstGeom>
-            <a:solidFill>
-              <a:schemeClr val="accent5">
-                <a:lumMod val="20000"/>
-                <a:lumOff val="80000"/>
-              </a:schemeClr>
-            </a:solidFill>
-            <a:ln>
-              <a:solidFill>
-                <a:schemeClr val="accent5"/>
-              </a:solidFill>
-            </a:ln>
-          </p:spPr>
-          <p:style>
-            <a:lnRef idx="2">
-              <a:schemeClr val="accent1">
-                <a:shade val="50000"/>
-              </a:schemeClr>
-            </a:lnRef>
-            <a:fillRef idx="1">
-              <a:schemeClr val="accent1"/>
-            </a:fillRef>
-            <a:effectRef idx="0">
-              <a:schemeClr val="accent1"/>
-            </a:effectRef>
-            <a:fontRef idx="minor">
-              <a:schemeClr val="lt1"/>
-            </a:fontRef>
-          </p:style>
-          <p:txBody>
-            <a:bodyPr rtlCol="0" anchor="ctr"/>
-            <a:lstStyle/>
-            <a:p>
-              <a:pPr algn="ctr"/>
-              <a:r>
-                <a:rPr lang="en-US" dirty="0">
-                  <a:solidFill>
-                    <a:schemeClr val="tx1"/>
-                  </a:solidFill>
-                  <a:latin typeface="TH Sarabun New" panose="020B0500040200020003" pitchFamily="34" charset="-34"/>
-                  <a:cs typeface="TH Sarabun New" panose="020B0500040200020003" pitchFamily="34" charset="-34"/>
-                </a:rPr>
-                <a:t>Level !=10</a:t>
-              </a:r>
-              <a:endParaRPr lang="th-TH" dirty="0">
-                <a:solidFill>
-                  <a:schemeClr val="tx1"/>
-                </a:solidFill>
-                <a:latin typeface="TH Sarabun New" panose="020B0500040200020003" pitchFamily="34" charset="-34"/>
-                <a:cs typeface="TH Sarabun New" panose="020B0500040200020003" pitchFamily="34" charset="-34"/>
-              </a:endParaRPr>
-            </a:p>
-          </p:txBody>
-        </p:sp>
-        <p:cxnSp>
-          <p:nvCxnSpPr>
-            <p:cNvPr id="11" name="Straight Arrow Connector 10">
-              <a:extLst>
-                <a:ext uri="{FF2B5EF4-FFF2-40B4-BE49-F238E27FC236}">
-                  <a16:creationId xmlns:a16="http://schemas.microsoft.com/office/drawing/2014/main" id="{990BCEBF-8CDA-58DD-ECA1-A0494C81743D}"/>
-                </a:ext>
-              </a:extLst>
-            </p:cNvPr>
-            <p:cNvCxnSpPr>
-              <a:cxnSpLocks/>
-              <a:stCxn id="4" idx="2"/>
-              <a:endCxn id="6" idx="0"/>
-            </p:cNvCxnSpPr>
-            <p:nvPr/>
-          </p:nvCxnSpPr>
-          <p:spPr>
-            <a:xfrm>
-              <a:off x="4052656" y="325880"/>
-              <a:ext cx="1" cy="149660"/>
-            </a:xfrm>
-            <a:prstGeom prst="straightConnector1">
-              <a:avLst/>
-            </a:prstGeom>
-            <a:ln w="38100">
-              <a:solidFill>
-                <a:schemeClr val="accent5"/>
-              </a:solidFill>
-              <a:tailEnd type="triangle"/>
-            </a:ln>
-          </p:spPr>
-          <p:style>
-            <a:lnRef idx="1">
-              <a:schemeClr val="accent1"/>
-            </a:lnRef>
-            <a:fillRef idx="0">
-              <a:schemeClr val="accent1"/>
-            </a:fillRef>
-            <a:effectRef idx="0">
-              <a:schemeClr val="accent1"/>
-            </a:effectRef>
-            <a:fontRef idx="minor">
-              <a:schemeClr val="tx1"/>
-            </a:fontRef>
-          </p:style>
-        </p:cxnSp>
-        <p:cxnSp>
-          <p:nvCxnSpPr>
-            <p:cNvPr id="12" name="Straight Arrow Connector 11">
-              <a:extLst>
-                <a:ext uri="{FF2B5EF4-FFF2-40B4-BE49-F238E27FC236}">
-                  <a16:creationId xmlns:a16="http://schemas.microsoft.com/office/drawing/2014/main" id="{C1E30C07-4988-2DD9-B418-2275D3B7C201}"/>
-                </a:ext>
-              </a:extLst>
-            </p:cNvPr>
-            <p:cNvCxnSpPr>
-              <a:cxnSpLocks/>
-              <a:stCxn id="6" idx="2"/>
-              <a:endCxn id="7" idx="0"/>
-            </p:cNvCxnSpPr>
-            <p:nvPr/>
-          </p:nvCxnSpPr>
-          <p:spPr>
-            <a:xfrm>
-              <a:off x="4052657" y="759626"/>
-              <a:ext cx="0" cy="143910"/>
-            </a:xfrm>
-            <a:prstGeom prst="straightConnector1">
-              <a:avLst/>
-            </a:prstGeom>
-            <a:ln w="38100">
-              <a:solidFill>
-                <a:schemeClr val="accent5"/>
-              </a:solidFill>
-              <a:tailEnd type="triangle"/>
-            </a:ln>
-          </p:spPr>
-          <p:style>
-            <a:lnRef idx="1">
-              <a:schemeClr val="accent1"/>
-            </a:lnRef>
-            <a:fillRef idx="0">
-              <a:schemeClr val="accent1"/>
-            </a:fillRef>
-            <a:effectRef idx="0">
-              <a:schemeClr val="accent1"/>
-            </a:effectRef>
-            <a:fontRef idx="minor">
-              <a:schemeClr val="tx1"/>
-            </a:fontRef>
-          </p:style>
-        </p:cxnSp>
-        <p:cxnSp>
-          <p:nvCxnSpPr>
-            <p:cNvPr id="15" name="Straight Arrow Connector 14">
-              <a:extLst>
-                <a:ext uri="{FF2B5EF4-FFF2-40B4-BE49-F238E27FC236}">
-                  <a16:creationId xmlns:a16="http://schemas.microsoft.com/office/drawing/2014/main" id="{6705E4FF-6FF2-A360-E2DB-CC1A7A42195C}"/>
-                </a:ext>
-              </a:extLst>
-            </p:cNvPr>
-            <p:cNvCxnSpPr>
-              <a:cxnSpLocks/>
-              <a:stCxn id="7" idx="2"/>
-              <a:endCxn id="101" idx="0"/>
-            </p:cNvCxnSpPr>
-            <p:nvPr/>
-          </p:nvCxnSpPr>
-          <p:spPr>
-            <a:xfrm>
-              <a:off x="4052657" y="1187622"/>
-              <a:ext cx="0" cy="140871"/>
-            </a:xfrm>
-            <a:prstGeom prst="straightConnector1">
-              <a:avLst/>
-            </a:prstGeom>
-            <a:ln w="38100">
-              <a:solidFill>
-                <a:schemeClr val="accent5"/>
-              </a:solidFill>
-              <a:tailEnd type="triangle"/>
-            </a:ln>
-          </p:spPr>
-          <p:style>
-            <a:lnRef idx="1">
-              <a:schemeClr val="accent1"/>
-            </a:lnRef>
-            <a:fillRef idx="0">
-              <a:schemeClr val="accent1"/>
-            </a:fillRef>
-            <a:effectRef idx="0">
-              <a:schemeClr val="accent1"/>
-            </a:effectRef>
-            <a:fontRef idx="minor">
-              <a:schemeClr val="tx1"/>
-            </a:fontRef>
-          </p:style>
-        </p:cxnSp>
-        <p:cxnSp>
-          <p:nvCxnSpPr>
-            <p:cNvPr id="18" name="Straight Arrow Connector 17">
-              <a:extLst>
-                <a:ext uri="{FF2B5EF4-FFF2-40B4-BE49-F238E27FC236}">
-                  <a16:creationId xmlns:a16="http://schemas.microsoft.com/office/drawing/2014/main" id="{E8F33A97-4BA1-8259-BACA-93C0FB98A37E}"/>
-                </a:ext>
-              </a:extLst>
-            </p:cNvPr>
-            <p:cNvCxnSpPr>
-              <a:cxnSpLocks/>
-              <a:stCxn id="8" idx="4"/>
-              <a:endCxn id="9" idx="0"/>
-            </p:cNvCxnSpPr>
-            <p:nvPr/>
-          </p:nvCxnSpPr>
-          <p:spPr>
-            <a:xfrm flipH="1">
-              <a:off x="4042542" y="2087374"/>
-              <a:ext cx="8487" cy="225141"/>
-            </a:xfrm>
-            <a:prstGeom prst="straightConnector1">
-              <a:avLst/>
-            </a:prstGeom>
-            <a:ln w="38100">
-              <a:solidFill>
-                <a:schemeClr val="accent5"/>
-              </a:solidFill>
-              <a:tailEnd type="triangle"/>
-            </a:ln>
-          </p:spPr>
-          <p:style>
-            <a:lnRef idx="1">
-              <a:schemeClr val="accent1"/>
-            </a:lnRef>
-            <a:fillRef idx="0">
-              <a:schemeClr val="accent1"/>
-            </a:fillRef>
-            <a:effectRef idx="0">
-              <a:schemeClr val="accent1"/>
-            </a:effectRef>
-            <a:fontRef idx="minor">
-              <a:schemeClr val="tx1"/>
-            </a:fontRef>
-          </p:style>
-        </p:cxnSp>
-        <p:sp>
-          <p:nvSpPr>
-            <p:cNvPr id="23" name="Rectangle 22">
-              <a:extLst>
-                <a:ext uri="{FF2B5EF4-FFF2-40B4-BE49-F238E27FC236}">
-                  <a16:creationId xmlns:a16="http://schemas.microsoft.com/office/drawing/2014/main" id="{3B177594-2235-D388-B5CB-F7CBC30AB538}"/>
-                </a:ext>
-              </a:extLst>
-            </p:cNvPr>
-            <p:cNvSpPr/>
-            <p:nvPr/>
-          </p:nvSpPr>
-          <p:spPr>
-            <a:xfrm>
-              <a:off x="1156392" y="3160135"/>
-              <a:ext cx="1518081" cy="603682"/>
-            </a:xfrm>
-            <a:prstGeom prst="rect">
-              <a:avLst/>
-            </a:prstGeom>
-            <a:solidFill>
-              <a:schemeClr val="accent5">
-                <a:lumMod val="20000"/>
-                <a:lumOff val="80000"/>
-              </a:schemeClr>
-            </a:solidFill>
-            <a:ln>
-              <a:solidFill>
-                <a:schemeClr val="accent5"/>
-              </a:solidFill>
-            </a:ln>
-          </p:spPr>
-          <p:style>
-            <a:lnRef idx="2">
-              <a:schemeClr val="accent1">
-                <a:shade val="50000"/>
-              </a:schemeClr>
-            </a:lnRef>
-            <a:fillRef idx="1">
-              <a:schemeClr val="accent1"/>
-            </a:fillRef>
-            <a:effectRef idx="0">
-              <a:schemeClr val="accent1"/>
-            </a:effectRef>
-            <a:fontRef idx="minor">
-              <a:schemeClr val="lt1"/>
-            </a:fontRef>
-          </p:style>
-          <p:txBody>
-            <a:bodyPr rtlCol="0" anchor="ctr"/>
-            <a:lstStyle/>
-            <a:p>
-              <a:pPr algn="ctr"/>
-              <a:r>
-                <a:rPr lang="th-TH" dirty="0">
-                  <a:solidFill>
-                    <a:schemeClr val="tx1"/>
-                  </a:solidFill>
-                  <a:latin typeface="TH Sarabun New" panose="020B0500040200020003" pitchFamily="34" charset="-34"/>
-                  <a:cs typeface="TH Sarabun New" panose="020B0500040200020003" pitchFamily="34" charset="-34"/>
-                </a:rPr>
-                <a:t>ล่ามอนส์เตอร์</a:t>
-              </a:r>
-            </a:p>
-            <a:p>
-              <a:pPr algn="ctr"/>
-              <a:r>
-                <a:rPr lang="en-US" dirty="0">
-                  <a:solidFill>
-                    <a:schemeClr val="tx1"/>
-                  </a:solidFill>
-                  <a:latin typeface="TH Sarabun New" panose="020B0500040200020003" pitchFamily="34" charset="-34"/>
-                  <a:cs typeface="TH Sarabun New" panose="020B0500040200020003" pitchFamily="34" charset="-34"/>
-                </a:rPr>
-                <a:t>exp = exp + 40</a:t>
-              </a:r>
-            </a:p>
-          </p:txBody>
-        </p:sp>
-        <p:cxnSp>
-          <p:nvCxnSpPr>
-            <p:cNvPr id="25" name="Connector: Elbow 24">
-              <a:extLst>
-                <a:ext uri="{FF2B5EF4-FFF2-40B4-BE49-F238E27FC236}">
-                  <a16:creationId xmlns:a16="http://schemas.microsoft.com/office/drawing/2014/main" id="{820684BE-E97E-7582-A916-E477F5D3608C}"/>
-                </a:ext>
-              </a:extLst>
-            </p:cNvPr>
-            <p:cNvCxnSpPr>
-              <a:cxnSpLocks/>
-              <a:stCxn id="9" idx="1"/>
-              <a:endCxn id="23" idx="0"/>
-            </p:cNvCxnSpPr>
-            <p:nvPr/>
-          </p:nvCxnSpPr>
-          <p:spPr>
-            <a:xfrm rot="10800000" flipV="1">
-              <a:off x="1915434" y="2804911"/>
-              <a:ext cx="989929" cy="355223"/>
-            </a:xfrm>
-            <a:prstGeom prst="bentConnector2">
-              <a:avLst/>
-            </a:prstGeom>
-            <a:ln w="38100">
-              <a:solidFill>
-                <a:schemeClr val="accent5"/>
-              </a:solidFill>
-              <a:tailEnd type="triangle"/>
-            </a:ln>
-          </p:spPr>
-          <p:style>
-            <a:lnRef idx="1">
-              <a:schemeClr val="accent1"/>
-            </a:lnRef>
-            <a:fillRef idx="0">
-              <a:schemeClr val="accent1"/>
-            </a:fillRef>
-            <a:effectRef idx="0">
-              <a:schemeClr val="accent1"/>
-            </a:effectRef>
-            <a:fontRef idx="minor">
-              <a:schemeClr val="tx1"/>
-            </a:fontRef>
-          </p:style>
-        </p:cxnSp>
-        <p:sp>
-          <p:nvSpPr>
-            <p:cNvPr id="27" name="Flowchart: Decision 26">
-              <a:extLst>
-                <a:ext uri="{FF2B5EF4-FFF2-40B4-BE49-F238E27FC236}">
-                  <a16:creationId xmlns:a16="http://schemas.microsoft.com/office/drawing/2014/main" id="{7158C49A-E077-5DAA-9770-68427046B5D4}"/>
-                </a:ext>
-              </a:extLst>
-            </p:cNvPr>
-            <p:cNvSpPr/>
-            <p:nvPr/>
-          </p:nvSpPr>
-          <p:spPr>
-            <a:xfrm>
-              <a:off x="845668" y="4626802"/>
-              <a:ext cx="2139520" cy="585926"/>
-            </a:xfrm>
-            <a:prstGeom prst="flowChartDecision">
-              <a:avLst/>
-            </a:prstGeom>
-            <a:solidFill>
-              <a:schemeClr val="accent5">
-                <a:lumMod val="20000"/>
-                <a:lumOff val="80000"/>
-              </a:schemeClr>
-            </a:solidFill>
-            <a:ln>
-              <a:solidFill>
-                <a:schemeClr val="accent5"/>
-              </a:solidFill>
-            </a:ln>
-          </p:spPr>
-          <p:style>
-            <a:lnRef idx="2">
-              <a:schemeClr val="accent1">
-                <a:shade val="50000"/>
-              </a:schemeClr>
-            </a:lnRef>
-            <a:fillRef idx="1">
-              <a:schemeClr val="accent1"/>
-            </a:fillRef>
-            <a:effectRef idx="0">
-              <a:schemeClr val="accent1"/>
-            </a:effectRef>
-            <a:fontRef idx="minor">
-              <a:schemeClr val="lt1"/>
-            </a:fontRef>
-          </p:style>
-          <p:txBody>
-            <a:bodyPr rtlCol="0" anchor="ctr"/>
-            <a:lstStyle/>
-            <a:p>
-              <a:pPr algn="ctr"/>
-              <a:r>
-                <a:rPr lang="en-US" dirty="0">
-                  <a:solidFill>
-                    <a:schemeClr val="tx1"/>
-                  </a:solidFill>
-                  <a:latin typeface="TH Sarabun New" panose="020B0500040200020003" pitchFamily="34" charset="-34"/>
-                  <a:cs typeface="TH Sarabun New" panose="020B0500040200020003" pitchFamily="34" charset="-34"/>
-                </a:rPr>
-                <a:t>exp &gt;= 100</a:t>
-              </a:r>
-            </a:p>
-          </p:txBody>
-        </p:sp>
-        <p:cxnSp>
-          <p:nvCxnSpPr>
-            <p:cNvPr id="28" name="Straight Arrow Connector 27">
-              <a:extLst>
-                <a:ext uri="{FF2B5EF4-FFF2-40B4-BE49-F238E27FC236}">
-                  <a16:creationId xmlns:a16="http://schemas.microsoft.com/office/drawing/2014/main" id="{C7A4203F-498A-F8D3-753A-B2CE82080E12}"/>
-                </a:ext>
-              </a:extLst>
-            </p:cNvPr>
-            <p:cNvCxnSpPr>
-              <a:cxnSpLocks/>
-              <a:stCxn id="23" idx="2"/>
-              <a:endCxn id="122" idx="0"/>
-            </p:cNvCxnSpPr>
-            <p:nvPr/>
-          </p:nvCxnSpPr>
-          <p:spPr>
-            <a:xfrm flipH="1">
-              <a:off x="1915429" y="3763817"/>
-              <a:ext cx="4" cy="233428"/>
-            </a:xfrm>
-            <a:prstGeom prst="straightConnector1">
-              <a:avLst/>
-            </a:prstGeom>
-            <a:ln w="38100">
-              <a:solidFill>
-                <a:schemeClr val="accent5"/>
-              </a:solidFill>
-              <a:tailEnd type="triangle"/>
-            </a:ln>
-          </p:spPr>
-          <p:style>
-            <a:lnRef idx="1">
-              <a:schemeClr val="accent1"/>
-            </a:lnRef>
-            <a:fillRef idx="0">
-              <a:schemeClr val="accent1"/>
-            </a:fillRef>
-            <a:effectRef idx="0">
-              <a:schemeClr val="accent1"/>
-            </a:effectRef>
-            <a:fontRef idx="minor">
-              <a:schemeClr val="tx1"/>
-            </a:fontRef>
-          </p:style>
-        </p:cxnSp>
-        <p:sp>
-          <p:nvSpPr>
-            <p:cNvPr id="31" name="Rectangle 30">
-              <a:extLst>
-                <a:ext uri="{FF2B5EF4-FFF2-40B4-BE49-F238E27FC236}">
-                  <a16:creationId xmlns:a16="http://schemas.microsoft.com/office/drawing/2014/main" id="{E257B404-271D-2EC0-4AB1-36A44967CD54}"/>
-                </a:ext>
-              </a:extLst>
-            </p:cNvPr>
-            <p:cNvSpPr/>
-            <p:nvPr/>
-          </p:nvSpPr>
-          <p:spPr>
-            <a:xfrm>
-              <a:off x="1156388" y="5470001"/>
-              <a:ext cx="1518081" cy="332911"/>
-            </a:xfrm>
-            <a:prstGeom prst="rect">
-              <a:avLst/>
-            </a:prstGeom>
-            <a:solidFill>
-              <a:schemeClr val="accent5">
-                <a:lumMod val="20000"/>
-                <a:lumOff val="80000"/>
-              </a:schemeClr>
-            </a:solidFill>
-            <a:ln>
-              <a:solidFill>
-                <a:schemeClr val="accent5"/>
-              </a:solidFill>
-            </a:ln>
-          </p:spPr>
-          <p:style>
-            <a:lnRef idx="2">
-              <a:schemeClr val="accent1">
-                <a:shade val="50000"/>
-              </a:schemeClr>
-            </a:lnRef>
-            <a:fillRef idx="1">
-              <a:schemeClr val="accent1"/>
-            </a:fillRef>
-            <a:effectRef idx="0">
-              <a:schemeClr val="accent1"/>
-            </a:effectRef>
-            <a:fontRef idx="minor">
-              <a:schemeClr val="lt1"/>
-            </a:fontRef>
-          </p:style>
-          <p:txBody>
-            <a:bodyPr rtlCol="0" anchor="ctr"/>
-            <a:lstStyle/>
-            <a:p>
-              <a:pPr algn="ctr"/>
-              <a:r>
-                <a:rPr lang="en-US" dirty="0">
-                  <a:solidFill>
-                    <a:schemeClr val="tx1"/>
-                  </a:solidFill>
-                  <a:latin typeface="TH Sarabun New" panose="020B0500040200020003" pitchFamily="34" charset="-34"/>
-                  <a:cs typeface="TH Sarabun New" panose="020B0500040200020003" pitchFamily="34" charset="-34"/>
-                </a:rPr>
-                <a:t>exp = 0</a:t>
-              </a:r>
-            </a:p>
-          </p:txBody>
-        </p:sp>
-        <p:cxnSp>
-          <p:nvCxnSpPr>
-            <p:cNvPr id="32" name="Straight Arrow Connector 31">
-              <a:extLst>
-                <a:ext uri="{FF2B5EF4-FFF2-40B4-BE49-F238E27FC236}">
-                  <a16:creationId xmlns:a16="http://schemas.microsoft.com/office/drawing/2014/main" id="{DA8580CF-4DE3-B3A1-6E53-D3449D584217}"/>
-                </a:ext>
-              </a:extLst>
-            </p:cNvPr>
-            <p:cNvCxnSpPr>
-              <a:cxnSpLocks/>
-              <a:stCxn id="27" idx="2"/>
-              <a:endCxn id="31" idx="0"/>
-            </p:cNvCxnSpPr>
-            <p:nvPr/>
-          </p:nvCxnSpPr>
-          <p:spPr>
-            <a:xfrm>
-              <a:off x="1915428" y="5212728"/>
-              <a:ext cx="1" cy="257273"/>
-            </a:xfrm>
-            <a:prstGeom prst="straightConnector1">
-              <a:avLst/>
-            </a:prstGeom>
-            <a:ln w="38100">
-              <a:solidFill>
-                <a:schemeClr val="accent5"/>
-              </a:solidFill>
-              <a:tailEnd type="triangle"/>
-            </a:ln>
-          </p:spPr>
-          <p:style>
-            <a:lnRef idx="1">
-              <a:schemeClr val="accent1"/>
-            </a:lnRef>
-            <a:fillRef idx="0">
-              <a:schemeClr val="accent1"/>
-            </a:fillRef>
-            <a:effectRef idx="0">
-              <a:schemeClr val="accent1"/>
-            </a:effectRef>
-            <a:fontRef idx="minor">
-              <a:schemeClr val="tx1"/>
-            </a:fontRef>
-          </p:style>
-        </p:cxnSp>
-        <p:sp>
-          <p:nvSpPr>
-            <p:cNvPr id="38" name="Rectangle 37">
-              <a:extLst>
-                <a:ext uri="{FF2B5EF4-FFF2-40B4-BE49-F238E27FC236}">
-                  <a16:creationId xmlns:a16="http://schemas.microsoft.com/office/drawing/2014/main" id="{5C5C691C-D851-72CC-ADD9-A1D8808398FF}"/>
-                </a:ext>
-              </a:extLst>
-            </p:cNvPr>
-            <p:cNvSpPr/>
-            <p:nvPr/>
-          </p:nvSpPr>
-          <p:spPr>
-            <a:xfrm>
-              <a:off x="1156390" y="6055927"/>
-              <a:ext cx="1518081" cy="332911"/>
-            </a:xfrm>
-            <a:prstGeom prst="rect">
-              <a:avLst/>
-            </a:prstGeom>
-            <a:solidFill>
-              <a:schemeClr val="accent5">
-                <a:lumMod val="20000"/>
-                <a:lumOff val="80000"/>
-              </a:schemeClr>
-            </a:solidFill>
-            <a:ln>
-              <a:solidFill>
-                <a:schemeClr val="accent5"/>
-              </a:solidFill>
-            </a:ln>
-          </p:spPr>
-          <p:style>
-            <a:lnRef idx="2">
-              <a:schemeClr val="accent1">
-                <a:shade val="50000"/>
-              </a:schemeClr>
-            </a:lnRef>
-            <a:fillRef idx="1">
-              <a:schemeClr val="accent1"/>
-            </a:fillRef>
-            <a:effectRef idx="0">
-              <a:schemeClr val="accent1"/>
-            </a:effectRef>
-            <a:fontRef idx="minor">
-              <a:schemeClr val="lt1"/>
-            </a:fontRef>
-          </p:style>
-          <p:txBody>
-            <a:bodyPr rtlCol="0" anchor="ctr"/>
-            <a:lstStyle/>
-            <a:p>
-              <a:pPr algn="ctr"/>
-              <a:r>
-                <a:rPr lang="en-US" dirty="0">
-                  <a:solidFill>
-                    <a:schemeClr val="tx1"/>
-                  </a:solidFill>
-                  <a:latin typeface="TH Sarabun New" panose="020B0500040200020003" pitchFamily="34" charset="-34"/>
-                  <a:cs typeface="TH Sarabun New" panose="020B0500040200020003" pitchFamily="34" charset="-34"/>
-                </a:rPr>
-                <a:t>Level = level + 1</a:t>
-              </a:r>
-            </a:p>
-          </p:txBody>
-        </p:sp>
-        <p:cxnSp>
-          <p:nvCxnSpPr>
-            <p:cNvPr id="39" name="Straight Arrow Connector 38">
-              <a:extLst>
-                <a:ext uri="{FF2B5EF4-FFF2-40B4-BE49-F238E27FC236}">
-                  <a16:creationId xmlns:a16="http://schemas.microsoft.com/office/drawing/2014/main" id="{CF652DE9-662F-F670-1CEC-383754FF4A59}"/>
-                </a:ext>
-              </a:extLst>
-            </p:cNvPr>
-            <p:cNvCxnSpPr>
-              <a:cxnSpLocks/>
-              <a:stCxn id="31" idx="2"/>
-              <a:endCxn id="38" idx="0"/>
-            </p:cNvCxnSpPr>
-            <p:nvPr/>
-          </p:nvCxnSpPr>
-          <p:spPr>
-            <a:xfrm>
-              <a:off x="1915429" y="5802912"/>
-              <a:ext cx="2" cy="253015"/>
-            </a:xfrm>
-            <a:prstGeom prst="straightConnector1">
-              <a:avLst/>
-            </a:prstGeom>
-            <a:ln w="38100">
-              <a:solidFill>
-                <a:schemeClr val="accent5"/>
-              </a:solidFill>
-              <a:tailEnd type="triangle"/>
-            </a:ln>
-          </p:spPr>
-          <p:style>
-            <a:lnRef idx="1">
-              <a:schemeClr val="accent1"/>
-            </a:lnRef>
-            <a:fillRef idx="0">
-              <a:schemeClr val="accent1"/>
-            </a:fillRef>
-            <a:effectRef idx="0">
-              <a:schemeClr val="accent1"/>
-            </a:effectRef>
-            <a:fontRef idx="minor">
-              <a:schemeClr val="tx1"/>
-            </a:fontRef>
-          </p:style>
-        </p:cxnSp>
-        <p:sp>
-          <p:nvSpPr>
-            <p:cNvPr id="57" name="TextBox 56">
-              <a:extLst>
-                <a:ext uri="{FF2B5EF4-FFF2-40B4-BE49-F238E27FC236}">
-                  <a16:creationId xmlns:a16="http://schemas.microsoft.com/office/drawing/2014/main" id="{11A4D3C0-3A94-58DC-377B-8411641750E0}"/>
-                </a:ext>
-              </a:extLst>
-            </p:cNvPr>
-            <p:cNvSpPr txBox="1"/>
-            <p:nvPr/>
-          </p:nvSpPr>
-          <p:spPr>
-            <a:xfrm>
-              <a:off x="5078361" y="2510345"/>
-              <a:ext cx="639188" cy="307777"/>
-            </a:xfrm>
-            <a:prstGeom prst="rect">
-              <a:avLst/>
-            </a:prstGeom>
-            <a:noFill/>
-          </p:spPr>
-          <p:txBody>
-            <a:bodyPr wrap="square" rtlCol="0">
-              <a:spAutoFit/>
-            </a:bodyPr>
-            <a:lstStyle/>
-            <a:p>
-              <a:r>
-                <a:rPr lang="en-US" sz="1400" dirty="0">
-                  <a:latin typeface="TH Sarabun New" panose="020B0500040200020003" pitchFamily="34" charset="-34"/>
-                  <a:cs typeface="TH Sarabun New" panose="020B0500040200020003" pitchFamily="34" charset="-34"/>
-                </a:rPr>
-                <a:t>FALSE</a:t>
-              </a:r>
-            </a:p>
-          </p:txBody>
-        </p:sp>
-        <p:sp>
-          <p:nvSpPr>
-            <p:cNvPr id="58" name="TextBox 57">
-              <a:extLst>
-                <a:ext uri="{FF2B5EF4-FFF2-40B4-BE49-F238E27FC236}">
-                  <a16:creationId xmlns:a16="http://schemas.microsoft.com/office/drawing/2014/main" id="{8BA6FAB1-320E-80FD-043A-74250C3C3A03}"/>
-                </a:ext>
-              </a:extLst>
-            </p:cNvPr>
-            <p:cNvSpPr txBox="1"/>
-            <p:nvPr/>
-          </p:nvSpPr>
-          <p:spPr>
-            <a:xfrm>
-              <a:off x="2470324" y="2501629"/>
-              <a:ext cx="639188" cy="307777"/>
-            </a:xfrm>
-            <a:prstGeom prst="rect">
-              <a:avLst/>
-            </a:prstGeom>
-            <a:noFill/>
-          </p:spPr>
-          <p:txBody>
-            <a:bodyPr wrap="square" rtlCol="0">
-              <a:spAutoFit/>
-            </a:bodyPr>
-            <a:lstStyle/>
-            <a:p>
-              <a:r>
-                <a:rPr lang="en-US" sz="1400" dirty="0">
-                  <a:latin typeface="TH Sarabun New" panose="020B0500040200020003" pitchFamily="34" charset="-34"/>
-                  <a:cs typeface="TH Sarabun New" panose="020B0500040200020003" pitchFamily="34" charset="-34"/>
-                </a:rPr>
-                <a:t>TRUE</a:t>
-              </a:r>
-            </a:p>
-          </p:txBody>
-        </p:sp>
-        <p:sp>
-          <p:nvSpPr>
-            <p:cNvPr id="59" name="TextBox 58">
-              <a:extLst>
-                <a:ext uri="{FF2B5EF4-FFF2-40B4-BE49-F238E27FC236}">
-                  <a16:creationId xmlns:a16="http://schemas.microsoft.com/office/drawing/2014/main" id="{856B09A3-5924-4347-404E-A26043211DAA}"/>
-                </a:ext>
-              </a:extLst>
-            </p:cNvPr>
-            <p:cNvSpPr txBox="1"/>
-            <p:nvPr/>
-          </p:nvSpPr>
-          <p:spPr>
-            <a:xfrm>
-              <a:off x="1915425" y="5183619"/>
-              <a:ext cx="639188" cy="307777"/>
-            </a:xfrm>
-            <a:prstGeom prst="rect">
-              <a:avLst/>
-            </a:prstGeom>
-            <a:noFill/>
-          </p:spPr>
-          <p:txBody>
-            <a:bodyPr wrap="square" rtlCol="0">
-              <a:spAutoFit/>
-            </a:bodyPr>
-            <a:lstStyle/>
-            <a:p>
-              <a:r>
-                <a:rPr lang="en-US" sz="1400" dirty="0">
-                  <a:latin typeface="TH Sarabun New" panose="020B0500040200020003" pitchFamily="34" charset="-34"/>
-                  <a:cs typeface="TH Sarabun New" panose="020B0500040200020003" pitchFamily="34" charset="-34"/>
-                </a:rPr>
-                <a:t>TRUE</a:t>
-              </a:r>
-            </a:p>
-          </p:txBody>
-        </p:sp>
-        <p:cxnSp>
-          <p:nvCxnSpPr>
-            <p:cNvPr id="65" name="Connector: Elbow 64">
-              <a:extLst>
-                <a:ext uri="{FF2B5EF4-FFF2-40B4-BE49-F238E27FC236}">
-                  <a16:creationId xmlns:a16="http://schemas.microsoft.com/office/drawing/2014/main" id="{73A45A62-D6EF-4D48-E2B7-B021294D8AEE}"/>
-                </a:ext>
-              </a:extLst>
-            </p:cNvPr>
-            <p:cNvCxnSpPr>
-              <a:cxnSpLocks/>
-              <a:stCxn id="38" idx="2"/>
-              <a:endCxn id="73" idx="4"/>
-            </p:cNvCxnSpPr>
-            <p:nvPr/>
-          </p:nvCxnSpPr>
-          <p:spPr>
-            <a:xfrm rot="5400000" flipH="1">
-              <a:off x="508647" y="4982054"/>
-              <a:ext cx="1327030" cy="1486539"/>
-            </a:xfrm>
-            <a:prstGeom prst="bentConnector3">
-              <a:avLst>
-                <a:gd name="adj1" fmla="val -17226"/>
-              </a:avLst>
-            </a:prstGeom>
-            <a:ln w="38100">
-              <a:solidFill>
-                <a:schemeClr val="accent5"/>
-              </a:solidFill>
-              <a:tailEnd type="triangle"/>
-            </a:ln>
-          </p:spPr>
-          <p:style>
-            <a:lnRef idx="1">
-              <a:schemeClr val="accent1"/>
-            </a:lnRef>
-            <a:fillRef idx="0">
-              <a:schemeClr val="accent1"/>
-            </a:fillRef>
-            <a:effectRef idx="0">
-              <a:schemeClr val="accent1"/>
-            </a:effectRef>
-            <a:fontRef idx="minor">
-              <a:schemeClr val="tx1"/>
-            </a:fontRef>
-          </p:style>
-        </p:cxnSp>
-        <p:sp>
-          <p:nvSpPr>
-            <p:cNvPr id="73" name="Flowchart: Connector 72">
-              <a:extLst>
-                <a:ext uri="{FF2B5EF4-FFF2-40B4-BE49-F238E27FC236}">
-                  <a16:creationId xmlns:a16="http://schemas.microsoft.com/office/drawing/2014/main" id="{28FB1730-E1F4-9492-3274-9E5E94B4AC61}"/>
-                </a:ext>
-              </a:extLst>
-            </p:cNvPr>
-            <p:cNvSpPr/>
-            <p:nvPr/>
-          </p:nvSpPr>
-          <p:spPr>
-            <a:xfrm>
-              <a:off x="282410" y="4777722"/>
-              <a:ext cx="292963" cy="284086"/>
-            </a:xfrm>
-            <a:prstGeom prst="flowChartConnector">
-              <a:avLst/>
-            </a:prstGeom>
-            <a:solidFill>
-              <a:schemeClr val="accent5">
-                <a:lumMod val="20000"/>
-                <a:lumOff val="80000"/>
-              </a:schemeClr>
-            </a:solidFill>
-            <a:ln>
-              <a:solidFill>
-                <a:schemeClr val="accent5"/>
-              </a:solidFill>
-            </a:ln>
-          </p:spPr>
-          <p:style>
-            <a:lnRef idx="2">
-              <a:schemeClr val="accent1">
-                <a:shade val="50000"/>
-              </a:schemeClr>
-            </a:lnRef>
-            <a:fillRef idx="1">
-              <a:schemeClr val="accent1"/>
-            </a:fillRef>
-            <a:effectRef idx="0">
-              <a:schemeClr val="accent1"/>
-            </a:effectRef>
-            <a:fontRef idx="minor">
-              <a:schemeClr val="lt1"/>
-            </a:fontRef>
-          </p:style>
-          <p:txBody>
-            <a:bodyPr rtlCol="0" anchor="ctr"/>
-            <a:lstStyle/>
-            <a:p>
-              <a:pPr algn="ctr"/>
-              <a:endParaRPr lang="en-US">
-                <a:solidFill>
-                  <a:schemeClr val="tx1"/>
-                </a:solidFill>
-                <a:latin typeface="TH Sarabun New" panose="020B0500040200020003" pitchFamily="34" charset="-34"/>
-                <a:cs typeface="TH Sarabun New" panose="020B0500040200020003" pitchFamily="34" charset="-34"/>
-              </a:endParaRPr>
-            </a:p>
-          </p:txBody>
-        </p:sp>
-        <p:cxnSp>
-          <p:nvCxnSpPr>
-            <p:cNvPr id="76" name="Straight Arrow Connector 75">
-              <a:extLst>
-                <a:ext uri="{FF2B5EF4-FFF2-40B4-BE49-F238E27FC236}">
-                  <a16:creationId xmlns:a16="http://schemas.microsoft.com/office/drawing/2014/main" id="{FB8CF3BC-9AA0-9C2A-0E08-7BD5CF7F949E}"/>
-                </a:ext>
-              </a:extLst>
-            </p:cNvPr>
-            <p:cNvCxnSpPr>
-              <a:cxnSpLocks/>
-              <a:stCxn id="27" idx="1"/>
-              <a:endCxn id="73" idx="6"/>
-            </p:cNvCxnSpPr>
-            <p:nvPr/>
-          </p:nvCxnSpPr>
-          <p:spPr>
-            <a:xfrm flipH="1">
-              <a:off x="575373" y="4919765"/>
-              <a:ext cx="270295" cy="0"/>
-            </a:xfrm>
-            <a:prstGeom prst="straightConnector1">
-              <a:avLst/>
-            </a:prstGeom>
-            <a:ln w="38100">
-              <a:solidFill>
-                <a:schemeClr val="accent5"/>
-              </a:solidFill>
-              <a:tailEnd type="triangle"/>
-            </a:ln>
-          </p:spPr>
-          <p:style>
-            <a:lnRef idx="1">
-              <a:schemeClr val="accent1"/>
-            </a:lnRef>
-            <a:fillRef idx="0">
-              <a:schemeClr val="accent1"/>
-            </a:fillRef>
-            <a:effectRef idx="0">
-              <a:schemeClr val="accent1"/>
-            </a:effectRef>
-            <a:fontRef idx="minor">
-              <a:schemeClr val="tx1"/>
-            </a:fontRef>
-          </p:style>
-        </p:cxnSp>
-        <p:cxnSp>
-          <p:nvCxnSpPr>
-            <p:cNvPr id="81" name="Connector: Elbow 80">
-              <a:extLst>
-                <a:ext uri="{FF2B5EF4-FFF2-40B4-BE49-F238E27FC236}">
-                  <a16:creationId xmlns:a16="http://schemas.microsoft.com/office/drawing/2014/main" id="{21D1CA45-72EE-75D1-E19A-B2E1C7DE24C8}"/>
-                </a:ext>
-              </a:extLst>
-            </p:cNvPr>
-            <p:cNvCxnSpPr>
-              <a:cxnSpLocks/>
-              <a:stCxn id="73" idx="0"/>
-              <a:endCxn id="8" idx="2"/>
-            </p:cNvCxnSpPr>
-            <p:nvPr/>
-          </p:nvCxnSpPr>
-          <p:spPr>
-            <a:xfrm rot="5400000" flipH="1" flipV="1">
-              <a:off x="754896" y="1623632"/>
-              <a:ext cx="2828086" cy="3480094"/>
-            </a:xfrm>
-            <a:prstGeom prst="bentConnector2">
-              <a:avLst/>
-            </a:prstGeom>
-            <a:ln w="38100">
-              <a:solidFill>
-                <a:schemeClr val="accent5"/>
-              </a:solidFill>
-              <a:tailEnd type="triangle"/>
-            </a:ln>
-          </p:spPr>
-          <p:style>
-            <a:lnRef idx="1">
-              <a:schemeClr val="accent1"/>
-            </a:lnRef>
-            <a:fillRef idx="0">
-              <a:schemeClr val="accent1"/>
-            </a:fillRef>
-            <a:effectRef idx="0">
-              <a:schemeClr val="accent1"/>
-            </a:effectRef>
-            <a:fontRef idx="minor">
-              <a:schemeClr val="tx1"/>
-            </a:fontRef>
-          </p:style>
-        </p:cxnSp>
-        <p:sp>
-          <p:nvSpPr>
-            <p:cNvPr id="84" name="TextBox 83">
-              <a:extLst>
-                <a:ext uri="{FF2B5EF4-FFF2-40B4-BE49-F238E27FC236}">
-                  <a16:creationId xmlns:a16="http://schemas.microsoft.com/office/drawing/2014/main" id="{EB60EB2F-2D7B-7844-8BD8-2E9836E729CE}"/>
-                </a:ext>
-              </a:extLst>
-            </p:cNvPr>
-            <p:cNvSpPr txBox="1"/>
-            <p:nvPr/>
-          </p:nvSpPr>
-          <p:spPr>
-            <a:xfrm>
-              <a:off x="705773" y="4575128"/>
-              <a:ext cx="639188" cy="307777"/>
-            </a:xfrm>
-            <a:prstGeom prst="rect">
-              <a:avLst/>
-            </a:prstGeom>
-            <a:noFill/>
-          </p:spPr>
-          <p:txBody>
-            <a:bodyPr wrap="square" rtlCol="0">
-              <a:spAutoFit/>
-            </a:bodyPr>
-            <a:lstStyle/>
-            <a:p>
-              <a:r>
-                <a:rPr lang="en-US" sz="1400" dirty="0">
-                  <a:latin typeface="TH Sarabun New" panose="020B0500040200020003" pitchFamily="34" charset="-34"/>
-                  <a:cs typeface="TH Sarabun New" panose="020B0500040200020003" pitchFamily="34" charset="-34"/>
-                </a:rPr>
-                <a:t>FALSE</a:t>
-              </a:r>
-            </a:p>
-          </p:txBody>
-        </p:sp>
-        <p:cxnSp>
-          <p:nvCxnSpPr>
-            <p:cNvPr id="88" name="Connector: Elbow 87">
-              <a:extLst>
-                <a:ext uri="{FF2B5EF4-FFF2-40B4-BE49-F238E27FC236}">
-                  <a16:creationId xmlns:a16="http://schemas.microsoft.com/office/drawing/2014/main" id="{A96368B4-F1F4-10D6-2383-0494277CD8FA}"/>
-                </a:ext>
-              </a:extLst>
-            </p:cNvPr>
-            <p:cNvCxnSpPr>
-              <a:cxnSpLocks/>
-              <a:stCxn id="9" idx="3"/>
-              <a:endCxn id="92" idx="0"/>
-            </p:cNvCxnSpPr>
-            <p:nvPr/>
-          </p:nvCxnSpPr>
-          <p:spPr>
-            <a:xfrm>
-              <a:off x="5179721" y="2804912"/>
-              <a:ext cx="857144" cy="357570"/>
-            </a:xfrm>
-            <a:prstGeom prst="bentConnector2">
-              <a:avLst/>
-            </a:prstGeom>
-            <a:ln w="38100">
-              <a:solidFill>
-                <a:schemeClr val="accent5"/>
-              </a:solidFill>
-              <a:tailEnd type="triangle"/>
-            </a:ln>
-          </p:spPr>
-          <p:style>
-            <a:lnRef idx="1">
-              <a:schemeClr val="accent1"/>
-            </a:lnRef>
-            <a:fillRef idx="0">
-              <a:schemeClr val="accent1"/>
-            </a:fillRef>
-            <a:effectRef idx="0">
-              <a:schemeClr val="accent1"/>
-            </a:effectRef>
-            <a:fontRef idx="minor">
-              <a:schemeClr val="tx1"/>
-            </a:fontRef>
-          </p:style>
-        </p:cxnSp>
-        <p:sp>
-          <p:nvSpPr>
-            <p:cNvPr id="92" name="Flowchart: Decision 91">
-              <a:extLst>
-                <a:ext uri="{FF2B5EF4-FFF2-40B4-BE49-F238E27FC236}">
-                  <a16:creationId xmlns:a16="http://schemas.microsoft.com/office/drawing/2014/main" id="{F461CECB-664A-8C1B-7702-6C0B292AE000}"/>
-                </a:ext>
-              </a:extLst>
-            </p:cNvPr>
-            <p:cNvSpPr/>
-            <p:nvPr/>
-          </p:nvSpPr>
-          <p:spPr>
-            <a:xfrm>
-              <a:off x="4820993" y="3162482"/>
-              <a:ext cx="2431743" cy="1269223"/>
-            </a:xfrm>
-            <a:prstGeom prst="flowChartDecision">
-              <a:avLst/>
-            </a:prstGeom>
-            <a:solidFill>
-              <a:schemeClr val="accent5">
-                <a:lumMod val="20000"/>
-                <a:lumOff val="80000"/>
-              </a:schemeClr>
-            </a:solidFill>
-            <a:ln>
-              <a:solidFill>
-                <a:schemeClr val="accent5"/>
-              </a:solidFill>
-            </a:ln>
-          </p:spPr>
-          <p:style>
-            <a:lnRef idx="2">
-              <a:schemeClr val="accent1">
-                <a:shade val="50000"/>
-              </a:schemeClr>
-            </a:lnRef>
-            <a:fillRef idx="1">
-              <a:schemeClr val="accent1"/>
-            </a:fillRef>
-            <a:effectRef idx="0">
-              <a:schemeClr val="accent1"/>
-            </a:effectRef>
-            <a:fontRef idx="minor">
-              <a:schemeClr val="lt1"/>
-            </a:fontRef>
-          </p:style>
-          <p:txBody>
-            <a:bodyPr rtlCol="0" anchor="ctr"/>
-            <a:lstStyle/>
-            <a:p>
-              <a:pPr algn="ctr"/>
-              <a:r>
-                <a:rPr lang="th-TH" dirty="0">
-                  <a:solidFill>
-                    <a:schemeClr val="tx1"/>
-                  </a:solidFill>
-                  <a:latin typeface="TH Sarabun New" panose="020B0500040200020003" pitchFamily="34" charset="-34"/>
-                  <a:cs typeface="TH Sarabun New" panose="020B0500040200020003" pitchFamily="34" charset="-34"/>
-                </a:rPr>
-                <a:t>ล่าบอส</a:t>
-              </a:r>
-            </a:p>
-            <a:p>
-              <a:pPr algn="ctr"/>
-              <a:r>
-                <a:rPr lang="en-US" dirty="0">
-                  <a:solidFill>
-                    <a:schemeClr val="tx1"/>
-                  </a:solidFill>
-                  <a:latin typeface="TH Sarabun New" panose="020B0500040200020003" pitchFamily="34" charset="-34"/>
-                  <a:cs typeface="TH Sarabun New" panose="020B0500040200020003" pitchFamily="34" charset="-34"/>
-                </a:rPr>
-                <a:t>counter &gt;= 35</a:t>
-              </a:r>
-              <a:endParaRPr lang="th-TH" dirty="0">
-                <a:solidFill>
-                  <a:schemeClr val="tx1"/>
-                </a:solidFill>
-                <a:latin typeface="TH Sarabun New" panose="020B0500040200020003" pitchFamily="34" charset="-34"/>
-                <a:cs typeface="TH Sarabun New" panose="020B0500040200020003" pitchFamily="34" charset="-34"/>
-              </a:endParaRPr>
-            </a:p>
-            <a:p>
-              <a:pPr algn="ctr"/>
-              <a:r>
-                <a:rPr lang="en-US" dirty="0">
-                  <a:solidFill>
-                    <a:schemeClr val="tx1"/>
-                  </a:solidFill>
-                  <a:latin typeface="TH Sarabun New" panose="020B0500040200020003" pitchFamily="34" charset="-34"/>
-                  <a:cs typeface="TH Sarabun New" panose="020B0500040200020003" pitchFamily="34" charset="-34"/>
-                </a:rPr>
-                <a:t>AND exp &gt; 60</a:t>
-              </a:r>
-            </a:p>
-          </p:txBody>
-        </p:sp>
-        <p:sp>
-          <p:nvSpPr>
-            <p:cNvPr id="101" name="Rectangle 100">
-              <a:extLst>
-                <a:ext uri="{FF2B5EF4-FFF2-40B4-BE49-F238E27FC236}">
-                  <a16:creationId xmlns:a16="http://schemas.microsoft.com/office/drawing/2014/main" id="{ACCF88D4-8819-CE17-9E65-4A20EE208C36}"/>
-                </a:ext>
-              </a:extLst>
-            </p:cNvPr>
-            <p:cNvSpPr/>
-            <p:nvPr/>
-          </p:nvSpPr>
-          <p:spPr>
-            <a:xfrm>
-              <a:off x="3195962" y="1328493"/>
-              <a:ext cx="1713390" cy="284086"/>
-            </a:xfrm>
-            <a:prstGeom prst="rect">
-              <a:avLst/>
-            </a:prstGeom>
-            <a:solidFill>
-              <a:schemeClr val="accent5">
-                <a:lumMod val="20000"/>
-                <a:lumOff val="80000"/>
-              </a:schemeClr>
-            </a:solidFill>
-            <a:ln>
-              <a:solidFill>
-                <a:schemeClr val="accent5"/>
-              </a:solidFill>
-            </a:ln>
-          </p:spPr>
-          <p:style>
-            <a:lnRef idx="2">
-              <a:schemeClr val="accent1">
-                <a:shade val="50000"/>
-              </a:schemeClr>
-            </a:lnRef>
-            <a:fillRef idx="1">
-              <a:schemeClr val="accent1"/>
-            </a:fillRef>
-            <a:effectRef idx="0">
-              <a:schemeClr val="accent1"/>
-            </a:effectRef>
-            <a:fontRef idx="minor">
-              <a:schemeClr val="lt1"/>
-            </a:fontRef>
-          </p:style>
-          <p:txBody>
-            <a:bodyPr rtlCol="0" anchor="ctr"/>
-            <a:lstStyle/>
-            <a:p>
-              <a:pPr algn="ctr"/>
-              <a:r>
-                <a:rPr lang="en-US" dirty="0">
-                  <a:solidFill>
-                    <a:schemeClr val="tx1"/>
-                  </a:solidFill>
-                  <a:latin typeface="TH Sarabun New" panose="020B0500040200020003" pitchFamily="34" charset="-34"/>
-                  <a:cs typeface="TH Sarabun New" panose="020B0500040200020003" pitchFamily="34" charset="-34"/>
-                </a:rPr>
-                <a:t>Int counter = 0</a:t>
-              </a:r>
-            </a:p>
-          </p:txBody>
-        </p:sp>
-        <p:cxnSp>
-          <p:nvCxnSpPr>
-            <p:cNvPr id="108" name="Straight Arrow Connector 107">
-              <a:extLst>
-                <a:ext uri="{FF2B5EF4-FFF2-40B4-BE49-F238E27FC236}">
-                  <a16:creationId xmlns:a16="http://schemas.microsoft.com/office/drawing/2014/main" id="{965DDFBC-8A46-033A-C0FA-8A2D346EF0BF}"/>
-                </a:ext>
-              </a:extLst>
-            </p:cNvPr>
-            <p:cNvCxnSpPr>
-              <a:cxnSpLocks/>
-              <a:stCxn id="101" idx="2"/>
-              <a:endCxn id="8" idx="0"/>
-            </p:cNvCxnSpPr>
-            <p:nvPr/>
-          </p:nvCxnSpPr>
-          <p:spPr>
-            <a:xfrm flipH="1">
-              <a:off x="4051029" y="1612579"/>
-              <a:ext cx="1628" cy="199318"/>
-            </a:xfrm>
-            <a:prstGeom prst="straightConnector1">
-              <a:avLst/>
-            </a:prstGeom>
-            <a:ln w="38100">
-              <a:solidFill>
-                <a:schemeClr val="accent5"/>
-              </a:solidFill>
-              <a:tailEnd type="triangle"/>
-            </a:ln>
-          </p:spPr>
-          <p:style>
-            <a:lnRef idx="1">
-              <a:schemeClr val="accent1"/>
-            </a:lnRef>
-            <a:fillRef idx="0">
-              <a:schemeClr val="accent1"/>
-            </a:fillRef>
-            <a:effectRef idx="0">
-              <a:schemeClr val="accent1"/>
-            </a:effectRef>
-            <a:fontRef idx="minor">
-              <a:schemeClr val="tx1"/>
-            </a:fontRef>
-          </p:style>
-        </p:cxnSp>
-        <p:sp>
-          <p:nvSpPr>
-            <p:cNvPr id="122" name="Rectangle 121">
-              <a:extLst>
-                <a:ext uri="{FF2B5EF4-FFF2-40B4-BE49-F238E27FC236}">
-                  <a16:creationId xmlns:a16="http://schemas.microsoft.com/office/drawing/2014/main" id="{90704A9F-97EA-7561-6FC1-E17F7B98EB38}"/>
-                </a:ext>
-              </a:extLst>
-            </p:cNvPr>
-            <p:cNvSpPr/>
-            <p:nvPr/>
-          </p:nvSpPr>
-          <p:spPr>
-            <a:xfrm>
-              <a:off x="1156388" y="3997245"/>
-              <a:ext cx="1518081" cy="376264"/>
-            </a:xfrm>
-            <a:prstGeom prst="rect">
-              <a:avLst/>
-            </a:prstGeom>
-            <a:solidFill>
-              <a:schemeClr val="accent5">
-                <a:lumMod val="20000"/>
-                <a:lumOff val="80000"/>
-              </a:schemeClr>
-            </a:solidFill>
-            <a:ln>
-              <a:solidFill>
-                <a:schemeClr val="accent5"/>
-              </a:solidFill>
-            </a:ln>
-          </p:spPr>
-          <p:style>
-            <a:lnRef idx="2">
-              <a:schemeClr val="accent1">
-                <a:shade val="50000"/>
-              </a:schemeClr>
-            </a:lnRef>
-            <a:fillRef idx="1">
-              <a:schemeClr val="accent1"/>
-            </a:fillRef>
-            <a:effectRef idx="0">
-              <a:schemeClr val="accent1"/>
-            </a:effectRef>
-            <a:fontRef idx="minor">
-              <a:schemeClr val="lt1"/>
-            </a:fontRef>
-          </p:style>
-          <p:txBody>
-            <a:bodyPr rtlCol="0" anchor="ctr"/>
-            <a:lstStyle/>
-            <a:p>
-              <a:pPr algn="ctr"/>
-              <a:r>
-                <a:rPr lang="en-US" sz="1400" dirty="0">
-                  <a:solidFill>
-                    <a:schemeClr val="tx1"/>
-                  </a:solidFill>
-                  <a:latin typeface="TH Sarabun New" panose="020B0500040200020003" pitchFamily="34" charset="-34"/>
-                  <a:cs typeface="TH Sarabun New" panose="020B0500040200020003" pitchFamily="34" charset="-34"/>
-                </a:rPr>
-                <a:t>counter = counter + 1</a:t>
-              </a:r>
-              <a:endParaRPr lang="th-TH" sz="1400" dirty="0">
-                <a:solidFill>
-                  <a:schemeClr val="tx1"/>
-                </a:solidFill>
-                <a:latin typeface="TH Sarabun New" panose="020B0500040200020003" pitchFamily="34" charset="-34"/>
-                <a:cs typeface="TH Sarabun New" panose="020B0500040200020003" pitchFamily="34" charset="-34"/>
-              </a:endParaRPr>
-            </a:p>
-          </p:txBody>
-        </p:sp>
-        <p:cxnSp>
-          <p:nvCxnSpPr>
-            <p:cNvPr id="124" name="Straight Arrow Connector 123">
-              <a:extLst>
-                <a:ext uri="{FF2B5EF4-FFF2-40B4-BE49-F238E27FC236}">
-                  <a16:creationId xmlns:a16="http://schemas.microsoft.com/office/drawing/2014/main" id="{05079A4F-140A-173D-586D-4EFAE1ACC73E}"/>
-                </a:ext>
-              </a:extLst>
-            </p:cNvPr>
-            <p:cNvCxnSpPr>
-              <a:cxnSpLocks/>
-              <a:stCxn id="122" idx="2"/>
-              <a:endCxn id="27" idx="0"/>
-            </p:cNvCxnSpPr>
-            <p:nvPr/>
-          </p:nvCxnSpPr>
-          <p:spPr>
-            <a:xfrm flipH="1">
-              <a:off x="1915428" y="4373509"/>
-              <a:ext cx="1" cy="253293"/>
-            </a:xfrm>
-            <a:prstGeom prst="straightConnector1">
-              <a:avLst/>
-            </a:prstGeom>
-            <a:ln w="38100">
-              <a:solidFill>
-                <a:schemeClr val="accent5"/>
-              </a:solidFill>
-              <a:tailEnd type="triangle"/>
-            </a:ln>
-          </p:spPr>
-          <p:style>
-            <a:lnRef idx="1">
-              <a:schemeClr val="accent1"/>
-            </a:lnRef>
-            <a:fillRef idx="0">
-              <a:schemeClr val="accent1"/>
-            </a:fillRef>
-            <a:effectRef idx="0">
-              <a:schemeClr val="accent1"/>
-            </a:effectRef>
-            <a:fontRef idx="minor">
-              <a:schemeClr val="tx1"/>
-            </a:fontRef>
-          </p:style>
-        </p:cxnSp>
-        <p:sp>
-          <p:nvSpPr>
-            <p:cNvPr id="156" name="Rectangle 155">
-              <a:extLst>
-                <a:ext uri="{FF2B5EF4-FFF2-40B4-BE49-F238E27FC236}">
-                  <a16:creationId xmlns:a16="http://schemas.microsoft.com/office/drawing/2014/main" id="{8F2A7ECD-3661-4D69-99B1-89EC8413E7AB}"/>
-                </a:ext>
-              </a:extLst>
-            </p:cNvPr>
-            <p:cNvSpPr/>
-            <p:nvPr/>
-          </p:nvSpPr>
-          <p:spPr>
-            <a:xfrm>
-              <a:off x="5180172" y="4777722"/>
-              <a:ext cx="1713390" cy="284086"/>
-            </a:xfrm>
-            <a:prstGeom prst="rect">
-              <a:avLst/>
-            </a:prstGeom>
-            <a:solidFill>
-              <a:schemeClr val="accent5">
-                <a:lumMod val="20000"/>
-                <a:lumOff val="80000"/>
-              </a:schemeClr>
-            </a:solidFill>
-            <a:ln>
-              <a:solidFill>
-                <a:schemeClr val="accent5"/>
-              </a:solidFill>
-            </a:ln>
-          </p:spPr>
-          <p:style>
-            <a:lnRef idx="2">
-              <a:schemeClr val="accent1">
-                <a:shade val="50000"/>
-              </a:schemeClr>
-            </a:lnRef>
-            <a:fillRef idx="1">
-              <a:schemeClr val="accent1"/>
-            </a:fillRef>
-            <a:effectRef idx="0">
-              <a:schemeClr val="accent1"/>
-            </a:effectRef>
-            <a:fontRef idx="minor">
-              <a:schemeClr val="lt1"/>
-            </a:fontRef>
-          </p:style>
-          <p:txBody>
-            <a:bodyPr rtlCol="0" anchor="ctr"/>
-            <a:lstStyle/>
-            <a:p>
-              <a:pPr algn="ctr"/>
-              <a:r>
-                <a:rPr lang="th-TH" dirty="0">
-                  <a:solidFill>
-                    <a:schemeClr val="tx1"/>
-                  </a:solidFill>
-                  <a:latin typeface="TH Sarabun New" panose="020B0500040200020003" pitchFamily="34" charset="-34"/>
-                  <a:cs typeface="TH Sarabun New" panose="020B0500040200020003" pitchFamily="34" charset="-34"/>
-                </a:rPr>
-                <a:t>ผ่านด่าน</a:t>
-              </a:r>
-              <a:endParaRPr lang="en-US" dirty="0">
-                <a:solidFill>
-                  <a:schemeClr val="tx1"/>
-                </a:solidFill>
-                <a:latin typeface="TH Sarabun New" panose="020B0500040200020003" pitchFamily="34" charset="-34"/>
-                <a:cs typeface="TH Sarabun New" panose="020B0500040200020003" pitchFamily="34" charset="-34"/>
-              </a:endParaRPr>
-            </a:p>
-          </p:txBody>
-        </p:sp>
-        <p:cxnSp>
-          <p:nvCxnSpPr>
-            <p:cNvPr id="158" name="Connector: Elbow 157">
-              <a:extLst>
-                <a:ext uri="{FF2B5EF4-FFF2-40B4-BE49-F238E27FC236}">
-                  <a16:creationId xmlns:a16="http://schemas.microsoft.com/office/drawing/2014/main" id="{A250AD89-6464-3797-9276-FF316A0A2DA8}"/>
-                </a:ext>
-              </a:extLst>
-            </p:cNvPr>
-            <p:cNvCxnSpPr>
-              <a:cxnSpLocks/>
-              <a:stCxn id="156" idx="2"/>
-              <a:endCxn id="5" idx="0"/>
-            </p:cNvCxnSpPr>
-            <p:nvPr/>
-          </p:nvCxnSpPr>
-          <p:spPr>
-            <a:xfrm rot="5400000">
-              <a:off x="4446591" y="4657758"/>
-              <a:ext cx="1186226" cy="1994326"/>
-            </a:xfrm>
-            <a:prstGeom prst="bentConnector3">
-              <a:avLst>
-                <a:gd name="adj1" fmla="val 62847"/>
-              </a:avLst>
-            </a:prstGeom>
-            <a:ln w="38100">
-              <a:solidFill>
-                <a:schemeClr val="accent5"/>
-              </a:solidFill>
-              <a:tailEnd type="triangle"/>
-            </a:ln>
-          </p:spPr>
-          <p:style>
-            <a:lnRef idx="1">
-              <a:schemeClr val="accent1"/>
-            </a:lnRef>
-            <a:fillRef idx="0">
-              <a:schemeClr val="accent1"/>
-            </a:fillRef>
-            <a:effectRef idx="0">
-              <a:schemeClr val="accent1"/>
-            </a:effectRef>
-            <a:fontRef idx="minor">
-              <a:schemeClr val="tx1"/>
-            </a:fontRef>
-          </p:style>
-        </p:cxnSp>
-        <p:sp>
-          <p:nvSpPr>
-            <p:cNvPr id="164" name="TextBox 163">
-              <a:extLst>
-                <a:ext uri="{FF2B5EF4-FFF2-40B4-BE49-F238E27FC236}">
-                  <a16:creationId xmlns:a16="http://schemas.microsoft.com/office/drawing/2014/main" id="{4D11DC48-F1C3-074D-97ED-64D62B580EA1}"/>
-                </a:ext>
-              </a:extLst>
-            </p:cNvPr>
-            <p:cNvSpPr txBox="1"/>
-            <p:nvPr/>
-          </p:nvSpPr>
-          <p:spPr>
-            <a:xfrm>
-              <a:off x="5397677" y="4267351"/>
-              <a:ext cx="639188" cy="307777"/>
-            </a:xfrm>
-            <a:prstGeom prst="rect">
-              <a:avLst/>
-            </a:prstGeom>
-            <a:noFill/>
-          </p:spPr>
-          <p:txBody>
-            <a:bodyPr wrap="square" rtlCol="0">
-              <a:spAutoFit/>
-            </a:bodyPr>
-            <a:lstStyle/>
-            <a:p>
-              <a:r>
-                <a:rPr lang="en-US" sz="1400" dirty="0">
-                  <a:latin typeface="TH Sarabun New" panose="020B0500040200020003" pitchFamily="34" charset="-34"/>
-                  <a:cs typeface="TH Sarabun New" panose="020B0500040200020003" pitchFamily="34" charset="-34"/>
-                </a:rPr>
-                <a:t>TRUE</a:t>
-              </a:r>
-            </a:p>
-          </p:txBody>
-        </p:sp>
-        <p:sp>
-          <p:nvSpPr>
-            <p:cNvPr id="165" name="TextBox 164">
-              <a:extLst>
-                <a:ext uri="{FF2B5EF4-FFF2-40B4-BE49-F238E27FC236}">
-                  <a16:creationId xmlns:a16="http://schemas.microsoft.com/office/drawing/2014/main" id="{BC23647F-1BC6-AC92-0BDF-124512C67EEC}"/>
-                </a:ext>
-              </a:extLst>
-            </p:cNvPr>
-            <p:cNvSpPr txBox="1"/>
-            <p:nvPr/>
-          </p:nvSpPr>
-          <p:spPr>
-            <a:xfrm>
-              <a:off x="7110490" y="3489316"/>
-              <a:ext cx="598456" cy="307777"/>
-            </a:xfrm>
-            <a:prstGeom prst="rect">
-              <a:avLst/>
-            </a:prstGeom>
-            <a:noFill/>
-          </p:spPr>
-          <p:txBody>
-            <a:bodyPr wrap="square" rtlCol="0">
-              <a:spAutoFit/>
-            </a:bodyPr>
-            <a:lstStyle/>
-            <a:p>
-              <a:r>
-                <a:rPr lang="en-US" sz="1400" dirty="0">
-                  <a:latin typeface="TH Sarabun New" panose="020B0500040200020003" pitchFamily="34" charset="-34"/>
-                  <a:cs typeface="TH Sarabun New" panose="020B0500040200020003" pitchFamily="34" charset="-34"/>
-                </a:rPr>
-                <a:t>FALSE</a:t>
-              </a:r>
-            </a:p>
-          </p:txBody>
-        </p:sp>
-        <p:cxnSp>
-          <p:nvCxnSpPr>
-            <p:cNvPr id="213" name="Connector: Elbow 212">
-              <a:extLst>
-                <a:ext uri="{FF2B5EF4-FFF2-40B4-BE49-F238E27FC236}">
-                  <a16:creationId xmlns:a16="http://schemas.microsoft.com/office/drawing/2014/main" id="{2A941F3C-62FC-3BFD-B575-15364F8B6738}"/>
-                </a:ext>
-              </a:extLst>
-            </p:cNvPr>
-            <p:cNvCxnSpPr>
-              <a:cxnSpLocks/>
-              <a:stCxn id="92" idx="3"/>
-              <a:endCxn id="217" idx="2"/>
-            </p:cNvCxnSpPr>
-            <p:nvPr/>
-          </p:nvCxnSpPr>
-          <p:spPr>
-            <a:xfrm flipV="1">
-              <a:off x="7252736" y="2978025"/>
-              <a:ext cx="313965" cy="819069"/>
-            </a:xfrm>
-            <a:prstGeom prst="bentConnector2">
-              <a:avLst/>
-            </a:prstGeom>
-            <a:ln w="38100">
-              <a:solidFill>
-                <a:schemeClr val="accent5"/>
-              </a:solidFill>
-              <a:tailEnd type="triangle"/>
-            </a:ln>
-          </p:spPr>
-          <p:style>
-            <a:lnRef idx="1">
-              <a:schemeClr val="accent1"/>
-            </a:lnRef>
-            <a:fillRef idx="0">
-              <a:schemeClr val="accent1"/>
-            </a:fillRef>
-            <a:effectRef idx="0">
-              <a:schemeClr val="accent1"/>
-            </a:effectRef>
-            <a:fontRef idx="minor">
-              <a:schemeClr val="tx1"/>
-            </a:fontRef>
-          </p:style>
-        </p:cxnSp>
-        <p:sp>
-          <p:nvSpPr>
-            <p:cNvPr id="217" name="Rectangle 216">
-              <a:extLst>
-                <a:ext uri="{FF2B5EF4-FFF2-40B4-BE49-F238E27FC236}">
-                  <a16:creationId xmlns:a16="http://schemas.microsoft.com/office/drawing/2014/main" id="{F9819FC0-46BA-2B5C-9364-F8403B658938}"/>
-                </a:ext>
-              </a:extLst>
-            </p:cNvPr>
-            <p:cNvSpPr/>
-            <p:nvPr/>
-          </p:nvSpPr>
-          <p:spPr>
-            <a:xfrm>
-              <a:off x="6807660" y="2645114"/>
-              <a:ext cx="1518081" cy="332911"/>
-            </a:xfrm>
-            <a:prstGeom prst="rect">
-              <a:avLst/>
-            </a:prstGeom>
-            <a:solidFill>
-              <a:schemeClr val="accent5">
-                <a:lumMod val="20000"/>
-                <a:lumOff val="80000"/>
-              </a:schemeClr>
-            </a:solidFill>
-            <a:ln>
-              <a:solidFill>
-                <a:schemeClr val="accent5"/>
-              </a:solidFill>
-            </a:ln>
-          </p:spPr>
-          <p:style>
-            <a:lnRef idx="2">
-              <a:schemeClr val="accent1">
-                <a:shade val="50000"/>
-              </a:schemeClr>
-            </a:lnRef>
-            <a:fillRef idx="1">
-              <a:schemeClr val="accent1"/>
-            </a:fillRef>
-            <a:effectRef idx="0">
-              <a:schemeClr val="accent1"/>
-            </a:effectRef>
-            <a:fontRef idx="minor">
-              <a:schemeClr val="lt1"/>
-            </a:fontRef>
-          </p:style>
-          <p:txBody>
-            <a:bodyPr rtlCol="0" anchor="ctr"/>
-            <a:lstStyle/>
-            <a:p>
-              <a:pPr algn="ctr"/>
-              <a:r>
-                <a:rPr lang="en-US" dirty="0">
-                  <a:solidFill>
-                    <a:schemeClr val="tx1"/>
-                  </a:solidFill>
-                  <a:latin typeface="TH Sarabun New" panose="020B0500040200020003" pitchFamily="34" charset="-34"/>
-                  <a:cs typeface="TH Sarabun New" panose="020B0500040200020003" pitchFamily="34" charset="-34"/>
-                </a:rPr>
-                <a:t>Level = </a:t>
-              </a:r>
-              <a:r>
-                <a:rPr lang="th-TH" dirty="0">
-                  <a:solidFill>
-                    <a:schemeClr val="tx1"/>
-                  </a:solidFill>
-                  <a:latin typeface="TH Sarabun New" panose="020B0500040200020003" pitchFamily="34" charset="-34"/>
-                  <a:cs typeface="TH Sarabun New" panose="020B0500040200020003" pitchFamily="34" charset="-34"/>
-                </a:rPr>
-                <a:t>9</a:t>
-              </a:r>
-              <a:endParaRPr lang="en-US" dirty="0">
-                <a:solidFill>
-                  <a:schemeClr val="tx1"/>
-                </a:solidFill>
-                <a:latin typeface="TH Sarabun New" panose="020B0500040200020003" pitchFamily="34" charset="-34"/>
-                <a:cs typeface="TH Sarabun New" panose="020B0500040200020003" pitchFamily="34" charset="-34"/>
-              </a:endParaRPr>
-            </a:p>
-          </p:txBody>
-        </p:sp>
-        <p:cxnSp>
-          <p:nvCxnSpPr>
-            <p:cNvPr id="221" name="Connector: Elbow 220">
-              <a:extLst>
-                <a:ext uri="{FF2B5EF4-FFF2-40B4-BE49-F238E27FC236}">
-                  <a16:creationId xmlns:a16="http://schemas.microsoft.com/office/drawing/2014/main" id="{517C1456-0993-69AE-200D-94247F2A3085}"/>
-                </a:ext>
-              </a:extLst>
-            </p:cNvPr>
-            <p:cNvCxnSpPr>
-              <a:cxnSpLocks/>
-              <a:stCxn id="217" idx="0"/>
-              <a:endCxn id="8" idx="6"/>
-            </p:cNvCxnSpPr>
-            <p:nvPr/>
-          </p:nvCxnSpPr>
-          <p:spPr>
-            <a:xfrm rot="16200000" flipV="1">
-              <a:off x="5532147" y="610560"/>
-              <a:ext cx="695478" cy="3373630"/>
-            </a:xfrm>
-            <a:prstGeom prst="bentConnector2">
-              <a:avLst/>
-            </a:prstGeom>
-            <a:ln w="38100">
-              <a:solidFill>
-                <a:schemeClr val="accent5"/>
-              </a:solidFill>
-              <a:tailEnd type="triangle"/>
-            </a:ln>
-          </p:spPr>
-          <p:style>
-            <a:lnRef idx="1">
-              <a:schemeClr val="accent1"/>
-            </a:lnRef>
-            <a:fillRef idx="0">
-              <a:schemeClr val="accent1"/>
-            </a:fillRef>
-            <a:effectRef idx="0">
-              <a:schemeClr val="accent1"/>
-            </a:effectRef>
-            <a:fontRef idx="minor">
-              <a:schemeClr val="tx1"/>
-            </a:fontRef>
-          </p:style>
-        </p:cxnSp>
-        <p:cxnSp>
-          <p:nvCxnSpPr>
-            <p:cNvPr id="227" name="Connector: Elbow 226">
-              <a:extLst>
-                <a:ext uri="{FF2B5EF4-FFF2-40B4-BE49-F238E27FC236}">
-                  <a16:creationId xmlns:a16="http://schemas.microsoft.com/office/drawing/2014/main" id="{15196B46-A6F1-B48C-A030-0D8B6FFC619D}"/>
-                </a:ext>
-              </a:extLst>
-            </p:cNvPr>
-            <p:cNvCxnSpPr>
-              <a:cxnSpLocks/>
-              <a:stCxn id="92" idx="2"/>
-              <a:endCxn id="156" idx="0"/>
-            </p:cNvCxnSpPr>
-            <p:nvPr/>
-          </p:nvCxnSpPr>
-          <p:spPr>
-            <a:xfrm rot="16200000" flipH="1">
-              <a:off x="5863858" y="4604712"/>
-              <a:ext cx="346017" cy="2"/>
-            </a:xfrm>
-            <a:prstGeom prst="bentConnector3">
-              <a:avLst>
-                <a:gd name="adj1" fmla="val 50000"/>
-              </a:avLst>
-            </a:prstGeom>
-            <a:ln w="38100">
-              <a:solidFill>
-                <a:schemeClr val="accent5"/>
-              </a:solidFill>
-              <a:tailEnd type="triangle"/>
-            </a:ln>
-          </p:spPr>
-          <p:style>
-            <a:lnRef idx="1">
-              <a:schemeClr val="accent1"/>
-            </a:lnRef>
-            <a:fillRef idx="0">
-              <a:schemeClr val="accent1"/>
-            </a:fillRef>
-            <a:effectRef idx="0">
-              <a:schemeClr val="accent1"/>
-            </a:effectRef>
-            <a:fontRef idx="minor">
-              <a:schemeClr val="tx1"/>
-            </a:fontRef>
-          </p:style>
-        </p:cxnSp>
-      </p:grpSp>
-      <p:sp>
-        <p:nvSpPr>
-          <p:cNvPr id="45" name="TextBox 44">
-            <a:extLst>
-              <a:ext uri="{FF2B5EF4-FFF2-40B4-BE49-F238E27FC236}">
-                <a16:creationId xmlns:a16="http://schemas.microsoft.com/office/drawing/2014/main" id="{35BF102A-5EEA-C541-4166-CE0B6E564800}"/>
-              </a:ext>
-            </a:extLst>
-          </p:cNvPr>
-          <p:cNvSpPr txBox="1"/>
-          <p:nvPr/>
-        </p:nvSpPr>
-        <p:spPr>
-          <a:xfrm>
-            <a:off x="297270" y="743773"/>
-            <a:ext cx="3819914" cy="523220"/>
-          </a:xfrm>
-          <a:prstGeom prst="rect">
-            <a:avLst/>
-          </a:prstGeom>
-          <a:noFill/>
-        </p:spPr>
-        <p:txBody>
-          <a:bodyPr wrap="square" rtlCol="0">
-            <a:spAutoFit/>
-          </a:bodyPr>
-          <a:lstStyle/>
-          <a:p>
-            <a:r>
-              <a:rPr lang="th-TH" sz="2800" dirty="0">
-                <a:latin typeface="TH Sarabun New" panose="020B0500040200020003" pitchFamily="34" charset="-34"/>
-                <a:cs typeface="TH Sarabun New" panose="020B0500040200020003" pitchFamily="34" charset="-34"/>
-              </a:rPr>
-              <a:t>ประยุกต์ใช้นิเสธของประพจน์</a:t>
-            </a:r>
-            <a:endParaRPr lang="en-US" sz="2800" dirty="0">
-              <a:latin typeface="TH Sarabun New" panose="020B0500040200020003" pitchFamily="34" charset="-34"/>
-              <a:cs typeface="TH Sarabun New" panose="020B0500040200020003" pitchFamily="34" charset="-34"/>
-            </a:endParaRPr>
-          </a:p>
-        </p:txBody>
-      </p:sp>
-      <p:sp>
-        <p:nvSpPr>
-          <p:cNvPr id="3" name="Slide Number Placeholder 2">
-            <a:extLst>
-              <a:ext uri="{FF2B5EF4-FFF2-40B4-BE49-F238E27FC236}">
-                <a16:creationId xmlns:a16="http://schemas.microsoft.com/office/drawing/2014/main" id="{C66335AA-2903-F22C-0407-B66103A73259}"/>
-              </a:ext>
-            </a:extLst>
-          </p:cNvPr>
-          <p:cNvSpPr>
-            <a:spLocks noGrp="1"/>
-          </p:cNvSpPr>
-          <p:nvPr>
-            <p:ph type="sldNum" sz="quarter" idx="12"/>
-          </p:nvPr>
-        </p:nvSpPr>
-        <p:spPr/>
-        <p:txBody>
-          <a:bodyPr/>
-          <a:lstStyle/>
-          <a:p>
-            <a:fld id="{AE455537-A8B3-43D7-BAD4-622A405E8FF8}" type="slidenum">
-              <a:rPr lang="en-US" smtClean="0"/>
-              <a:t>28</a:t>
-            </a:fld>
-            <a:endParaRPr lang="en-US"/>
-          </a:p>
-        </p:txBody>
-      </p:sp>
-      <p:sp>
-        <p:nvSpPr>
-          <p:cNvPr id="10" name="Footer Placeholder 9">
-            <a:extLst>
-              <a:ext uri="{FF2B5EF4-FFF2-40B4-BE49-F238E27FC236}">
-                <a16:creationId xmlns:a16="http://schemas.microsoft.com/office/drawing/2014/main" id="{B6AB6DD4-89E1-7090-078A-98A4C3E85E1B}"/>
-              </a:ext>
-            </a:extLst>
-          </p:cNvPr>
-          <p:cNvSpPr>
-            <a:spLocks noGrp="1"/>
-          </p:cNvSpPr>
-          <p:nvPr>
-            <p:ph type="ftr" sz="quarter" idx="11"/>
-          </p:nvPr>
-        </p:nvSpPr>
-        <p:spPr/>
-        <p:txBody>
-          <a:bodyPr/>
-          <a:lstStyle/>
-          <a:p>
-            <a:r>
-              <a:rPr lang="en-US"/>
-              <a:t>Nachai Paramesthanakorn</a:t>
-            </a:r>
-            <a:endParaRPr lang="en-US" dirty="0"/>
-          </a:p>
-        </p:txBody>
-      </p:sp>
-    </p:spTree>
-    <p:extLst>
-      <p:ext uri="{BB962C8B-B14F-4D97-AF65-F5344CB8AC3E}">
-        <p14:creationId xmlns:p14="http://schemas.microsoft.com/office/powerpoint/2010/main" val="3195443212"/>
-      </p:ext>
-    </p:extLst>
-  </p:cSld>
-  <p:clrMapOvr>
-    <a:masterClrMapping/>
-  </p:clrMapOvr>
-</p:sld>
-</file>
-
-<file path=ppt/slides/slide29.xml><?xml version="1.0" encoding="utf-8"?>
-<p:sld xmlns:a="http://schemas.openxmlformats.org/drawingml/2006/main" xmlns:r="http://schemas.openxmlformats.org/officeDocument/2006/relationships" xmlns:p="http://schemas.openxmlformats.org/presentationml/2006/main">
-  <p:cSld>
-    <p:spTree>
-      <p:nvGrpSpPr>
-        <p:cNvPr id="1" name=""/>
-        <p:cNvGrpSpPr/>
-        <p:nvPr/>
-      </p:nvGrpSpPr>
-      <p:grpSpPr>
-        <a:xfrm>
-          <a:off x="0" y="0"/>
-          <a:ext cx="0" cy="0"/>
-          <a:chOff x="0" y="0"/>
-          <a:chExt cx="0" cy="0"/>
-        </a:xfrm>
-      </p:grpSpPr>
-      <p:grpSp>
-        <p:nvGrpSpPr>
-          <p:cNvPr id="3" name="Group 2">
-            <a:extLst>
-              <a:ext uri="{FF2B5EF4-FFF2-40B4-BE49-F238E27FC236}">
-                <a16:creationId xmlns:a16="http://schemas.microsoft.com/office/drawing/2014/main" id="{CD62CC75-245A-912A-11FA-D994991B4287}"/>
-              </a:ext>
-            </a:extLst>
-          </p:cNvPr>
-          <p:cNvGrpSpPr/>
-          <p:nvPr/>
-        </p:nvGrpSpPr>
-        <p:grpSpPr>
-          <a:xfrm>
-            <a:off x="1494584" y="139836"/>
-            <a:ext cx="8350830" cy="6578328"/>
-            <a:chOff x="1494584" y="139836"/>
-            <a:chExt cx="8350830" cy="6578328"/>
-          </a:xfrm>
-        </p:grpSpPr>
-        <p:grpSp>
-          <p:nvGrpSpPr>
-            <p:cNvPr id="252" name="Group 251">
-              <a:extLst>
-                <a:ext uri="{FF2B5EF4-FFF2-40B4-BE49-F238E27FC236}">
-                  <a16:creationId xmlns:a16="http://schemas.microsoft.com/office/drawing/2014/main" id="{BCFA724A-5CD1-A9F2-E855-0D0B0BA4475C}"/>
-                </a:ext>
-              </a:extLst>
-            </p:cNvPr>
-            <p:cNvGrpSpPr/>
-            <p:nvPr/>
-          </p:nvGrpSpPr>
-          <p:grpSpPr>
-            <a:xfrm>
-              <a:off x="1494584" y="139836"/>
-              <a:ext cx="8350830" cy="6578328"/>
-              <a:chOff x="144807" y="41794"/>
-              <a:chExt cx="8351493" cy="6633989"/>
-            </a:xfrm>
-          </p:grpSpPr>
-          <p:sp>
-            <p:nvSpPr>
-              <p:cNvPr id="251" name="Rectangle: Single Corner Snipped 250">
-                <a:extLst>
-                  <a:ext uri="{FF2B5EF4-FFF2-40B4-BE49-F238E27FC236}">
-                    <a16:creationId xmlns:a16="http://schemas.microsoft.com/office/drawing/2014/main" id="{D4367228-47DE-B84C-5648-10E11898AE00}"/>
-                  </a:ext>
-                </a:extLst>
-              </p:cNvPr>
-              <p:cNvSpPr/>
-              <p:nvPr/>
-            </p:nvSpPr>
-            <p:spPr>
-              <a:xfrm>
-                <a:off x="4636483" y="2110741"/>
-                <a:ext cx="3859817" cy="3162300"/>
-              </a:xfrm>
-              <a:custGeom>
-                <a:avLst/>
-                <a:gdLst>
-                  <a:gd name="connsiteX0" fmla="*/ 0 w 3408607"/>
-                  <a:gd name="connsiteY0" fmla="*/ 0 h 2041001"/>
-                  <a:gd name="connsiteX1" fmla="*/ 3068433 w 3408607"/>
-                  <a:gd name="connsiteY1" fmla="*/ 0 h 2041001"/>
-                  <a:gd name="connsiteX2" fmla="*/ 3408607 w 3408607"/>
-                  <a:gd name="connsiteY2" fmla="*/ 340174 h 2041001"/>
-                  <a:gd name="connsiteX3" fmla="*/ 3408607 w 3408607"/>
-                  <a:gd name="connsiteY3" fmla="*/ 2041001 h 2041001"/>
-                  <a:gd name="connsiteX4" fmla="*/ 0 w 3408607"/>
-                  <a:gd name="connsiteY4" fmla="*/ 2041001 h 2041001"/>
-                  <a:gd name="connsiteX5" fmla="*/ 0 w 3408607"/>
-                  <a:gd name="connsiteY5" fmla="*/ 0 h 2041001"/>
-                  <a:gd name="connsiteX0" fmla="*/ 7620 w 3408607"/>
-                  <a:gd name="connsiteY0" fmla="*/ 815340 h 2041001"/>
-                  <a:gd name="connsiteX1" fmla="*/ 3068433 w 3408607"/>
-                  <a:gd name="connsiteY1" fmla="*/ 0 h 2041001"/>
-                  <a:gd name="connsiteX2" fmla="*/ 3408607 w 3408607"/>
-                  <a:gd name="connsiteY2" fmla="*/ 340174 h 2041001"/>
-                  <a:gd name="connsiteX3" fmla="*/ 3408607 w 3408607"/>
-                  <a:gd name="connsiteY3" fmla="*/ 2041001 h 2041001"/>
-                  <a:gd name="connsiteX4" fmla="*/ 0 w 3408607"/>
-                  <a:gd name="connsiteY4" fmla="*/ 2041001 h 2041001"/>
-                  <a:gd name="connsiteX5" fmla="*/ 7620 w 3408607"/>
-                  <a:gd name="connsiteY5" fmla="*/ 815340 h 2041001"/>
-                  <a:gd name="connsiteX0" fmla="*/ 7620 w 3408607"/>
-                  <a:gd name="connsiteY0" fmla="*/ 2133600 h 3359261"/>
-                  <a:gd name="connsiteX1" fmla="*/ 2420733 w 3408607"/>
-                  <a:gd name="connsiteY1" fmla="*/ 0 h 3359261"/>
-                  <a:gd name="connsiteX2" fmla="*/ 3408607 w 3408607"/>
-                  <a:gd name="connsiteY2" fmla="*/ 1658434 h 3359261"/>
-                  <a:gd name="connsiteX3" fmla="*/ 3408607 w 3408607"/>
-                  <a:gd name="connsiteY3" fmla="*/ 3359261 h 3359261"/>
-                  <a:gd name="connsiteX4" fmla="*/ 0 w 3408607"/>
-                  <a:gd name="connsiteY4" fmla="*/ 3359261 h 3359261"/>
-                  <a:gd name="connsiteX5" fmla="*/ 7620 w 3408607"/>
-                  <a:gd name="connsiteY5" fmla="*/ 2133600 h 3359261"/>
-                  <a:gd name="connsiteX0" fmla="*/ 0 w 3454327"/>
-                  <a:gd name="connsiteY0" fmla="*/ 1341120 h 3359261"/>
-                  <a:gd name="connsiteX1" fmla="*/ 2466453 w 3454327"/>
-                  <a:gd name="connsiteY1" fmla="*/ 0 h 3359261"/>
-                  <a:gd name="connsiteX2" fmla="*/ 3454327 w 3454327"/>
-                  <a:gd name="connsiteY2" fmla="*/ 1658434 h 3359261"/>
-                  <a:gd name="connsiteX3" fmla="*/ 3454327 w 3454327"/>
-                  <a:gd name="connsiteY3" fmla="*/ 3359261 h 3359261"/>
-                  <a:gd name="connsiteX4" fmla="*/ 45720 w 3454327"/>
-                  <a:gd name="connsiteY4" fmla="*/ 3359261 h 3359261"/>
-                  <a:gd name="connsiteX5" fmla="*/ 0 w 3454327"/>
-                  <a:gd name="connsiteY5" fmla="*/ 1341120 h 3359261"/>
-                  <a:gd name="connsiteX0" fmla="*/ 7620 w 3461947"/>
-                  <a:gd name="connsiteY0" fmla="*/ 1341120 h 3359261"/>
-                  <a:gd name="connsiteX1" fmla="*/ 2474073 w 3461947"/>
-                  <a:gd name="connsiteY1" fmla="*/ 0 h 3359261"/>
-                  <a:gd name="connsiteX2" fmla="*/ 3461947 w 3461947"/>
-                  <a:gd name="connsiteY2" fmla="*/ 1658434 h 3359261"/>
-                  <a:gd name="connsiteX3" fmla="*/ 3461947 w 3461947"/>
-                  <a:gd name="connsiteY3" fmla="*/ 3359261 h 3359261"/>
-                  <a:gd name="connsiteX4" fmla="*/ 0 w 3461947"/>
-                  <a:gd name="connsiteY4" fmla="*/ 3359261 h 3359261"/>
-                  <a:gd name="connsiteX5" fmla="*/ 7620 w 3461947"/>
-                  <a:gd name="connsiteY5" fmla="*/ 1341120 h 3359261"/>
-                  <a:gd name="connsiteX0" fmla="*/ 7620 w 3942007"/>
-                  <a:gd name="connsiteY0" fmla="*/ 1341120 h 3359261"/>
-                  <a:gd name="connsiteX1" fmla="*/ 2474073 w 3942007"/>
-                  <a:gd name="connsiteY1" fmla="*/ 0 h 3359261"/>
-                  <a:gd name="connsiteX2" fmla="*/ 3942007 w 3942007"/>
-                  <a:gd name="connsiteY2" fmla="*/ 50614 h 3359261"/>
-                  <a:gd name="connsiteX3" fmla="*/ 3461947 w 3942007"/>
-                  <a:gd name="connsiteY3" fmla="*/ 3359261 h 3359261"/>
-                  <a:gd name="connsiteX4" fmla="*/ 0 w 3942007"/>
-                  <a:gd name="connsiteY4" fmla="*/ 3359261 h 3359261"/>
-                  <a:gd name="connsiteX5" fmla="*/ 7620 w 3942007"/>
-                  <a:gd name="connsiteY5" fmla="*/ 1341120 h 3359261"/>
-                  <a:gd name="connsiteX0" fmla="*/ 7620 w 3942007"/>
-                  <a:gd name="connsiteY0" fmla="*/ 1341120 h 3389741"/>
-                  <a:gd name="connsiteX1" fmla="*/ 2474073 w 3942007"/>
-                  <a:gd name="connsiteY1" fmla="*/ 0 h 3389741"/>
-                  <a:gd name="connsiteX2" fmla="*/ 3942007 w 3942007"/>
-                  <a:gd name="connsiteY2" fmla="*/ 50614 h 3389741"/>
-                  <a:gd name="connsiteX3" fmla="*/ 3942007 w 3942007"/>
-                  <a:gd name="connsiteY3" fmla="*/ 3389741 h 3389741"/>
-                  <a:gd name="connsiteX4" fmla="*/ 0 w 3942007"/>
-                  <a:gd name="connsiteY4" fmla="*/ 3359261 h 3389741"/>
-                  <a:gd name="connsiteX5" fmla="*/ 7620 w 3942007"/>
-                  <a:gd name="connsiteY5" fmla="*/ 1341120 h 3389741"/>
-                  <a:gd name="connsiteX0" fmla="*/ 7620 w 3942007"/>
-                  <a:gd name="connsiteY0" fmla="*/ 1341120 h 3389741"/>
-                  <a:gd name="connsiteX1" fmla="*/ 2474073 w 3942007"/>
-                  <a:gd name="connsiteY1" fmla="*/ 0 h 3389741"/>
-                  <a:gd name="connsiteX2" fmla="*/ 3926442 w 3942007"/>
-                  <a:gd name="connsiteY2" fmla="*/ 9774 h 3389741"/>
-                  <a:gd name="connsiteX3" fmla="*/ 3942007 w 3942007"/>
-                  <a:gd name="connsiteY3" fmla="*/ 3389741 h 3389741"/>
-                  <a:gd name="connsiteX4" fmla="*/ 0 w 3942007"/>
-                  <a:gd name="connsiteY4" fmla="*/ 3359261 h 3389741"/>
-                  <a:gd name="connsiteX5" fmla="*/ 7620 w 3942007"/>
-                  <a:gd name="connsiteY5" fmla="*/ 1341120 h 3389741"/>
-                </a:gdLst>
-                <a:ahLst/>
-                <a:cxnLst>
-                  <a:cxn ang="0">
-                    <a:pos x="connsiteX0" y="connsiteY0"/>
-                  </a:cxn>
-                  <a:cxn ang="0">
-                    <a:pos x="connsiteX1" y="connsiteY1"/>
-                  </a:cxn>
-                  <a:cxn ang="0">
-                    <a:pos x="connsiteX2" y="connsiteY2"/>
-                  </a:cxn>
-                  <a:cxn ang="0">
-                    <a:pos x="connsiteX3" y="connsiteY3"/>
-                  </a:cxn>
-                  <a:cxn ang="0">
-                    <a:pos x="connsiteX4" y="connsiteY4"/>
-                  </a:cxn>
-                  <a:cxn ang="0">
-                    <a:pos x="connsiteX5" y="connsiteY5"/>
-                  </a:cxn>
-                </a:cxnLst>
-                <a:rect l="l" t="t" r="r" b="b"/>
-                <a:pathLst>
-                  <a:path w="3942007" h="3389741">
-                    <a:moveTo>
-                      <a:pt x="7620" y="1341120"/>
-                    </a:moveTo>
-                    <a:lnTo>
-                      <a:pt x="2474073" y="0"/>
-                    </a:lnTo>
-                    <a:lnTo>
-                      <a:pt x="3926442" y="9774"/>
-                    </a:lnTo>
-                    <a:cubicBezTo>
-                      <a:pt x="3931630" y="1136430"/>
-                      <a:pt x="3936819" y="2263085"/>
-                      <a:pt x="3942007" y="3389741"/>
-                    </a:cubicBezTo>
-                    <a:lnTo>
-                      <a:pt x="0" y="3359261"/>
-                    </a:lnTo>
-                    <a:lnTo>
-                      <a:pt x="7620" y="1341120"/>
-                    </a:lnTo>
-                    <a:close/>
-                  </a:path>
-                </a:pathLst>
-              </a:custGeom>
-              <a:noFill/>
-              <a:ln w="28575">
-                <a:solidFill>
-                  <a:srgbClr val="00B050"/>
-                </a:solidFill>
-                <a:prstDash val="dash"/>
-              </a:ln>
-            </p:spPr>
-            <p:style>
-              <a:lnRef idx="2">
-                <a:schemeClr val="accent1">
-                  <a:shade val="50000"/>
-                </a:schemeClr>
-              </a:lnRef>
-              <a:fillRef idx="1">
-                <a:schemeClr val="accent1"/>
-              </a:fillRef>
-              <a:effectRef idx="0">
-                <a:schemeClr val="accent1"/>
-              </a:effectRef>
-              <a:fontRef idx="minor">
-                <a:schemeClr val="lt1"/>
-              </a:fontRef>
-            </p:style>
-            <p:txBody>
-              <a:bodyPr rtlCol="0" anchor="ctr"/>
-              <a:lstStyle/>
-              <a:p>
-                <a:pPr algn="ctr"/>
-                <a:endParaRPr lang="en-US">
-                  <a:solidFill>
-                    <a:schemeClr val="tx1"/>
-                  </a:solidFill>
-                  <a:latin typeface="TH Sarabun New" panose="020B0500040200020003" pitchFamily="34" charset="-34"/>
-                  <a:cs typeface="TH Sarabun New" panose="020B0500040200020003" pitchFamily="34" charset="-34"/>
-                </a:endParaRPr>
-              </a:p>
-            </p:txBody>
-          </p:sp>
-          <p:sp>
-            <p:nvSpPr>
-              <p:cNvPr id="4" name="Flowchart: Terminator 3">
-                <a:extLst>
-                  <a:ext uri="{FF2B5EF4-FFF2-40B4-BE49-F238E27FC236}">
-                    <a16:creationId xmlns:a16="http://schemas.microsoft.com/office/drawing/2014/main" id="{19056D94-91CF-3813-4A72-5D50D5E18B1C}"/>
-                  </a:ext>
-                </a:extLst>
-              </p:cNvPr>
-              <p:cNvSpPr/>
-              <p:nvPr/>
-            </p:nvSpPr>
-            <p:spPr>
-              <a:xfrm>
-                <a:off x="3666477" y="41794"/>
-                <a:ext cx="772357" cy="284086"/>
-              </a:xfrm>
-              <a:prstGeom prst="flowChartTerminator">
-                <a:avLst/>
-              </a:prstGeom>
-              <a:solidFill>
-                <a:schemeClr val="accent5">
-                  <a:lumMod val="20000"/>
-                  <a:lumOff val="80000"/>
-                </a:schemeClr>
-              </a:solidFill>
-              <a:ln>
-                <a:solidFill>
-                  <a:schemeClr val="accent5"/>
-                </a:solidFill>
-              </a:ln>
-            </p:spPr>
-            <p:style>
-              <a:lnRef idx="2">
-                <a:schemeClr val="accent1">
-                  <a:shade val="50000"/>
-                </a:schemeClr>
-              </a:lnRef>
-              <a:fillRef idx="1">
-                <a:schemeClr val="accent1"/>
-              </a:fillRef>
-              <a:effectRef idx="0">
-                <a:schemeClr val="accent1"/>
-              </a:effectRef>
-              <a:fontRef idx="minor">
-                <a:schemeClr val="lt1"/>
-              </a:fontRef>
-            </p:style>
-            <p:txBody>
-              <a:bodyPr rtlCol="0" anchor="ctr"/>
-              <a:lstStyle/>
-              <a:p>
-                <a:pPr algn="ctr"/>
-                <a:r>
-                  <a:rPr lang="en-US" sz="1400" dirty="0">
-                    <a:solidFill>
-                      <a:schemeClr val="tx1"/>
-                    </a:solidFill>
-                    <a:latin typeface="TH Sarabun New" panose="020B0500040200020003" pitchFamily="34" charset="-34"/>
-                    <a:cs typeface="TH Sarabun New" panose="020B0500040200020003" pitchFamily="34" charset="-34"/>
-                  </a:rPr>
-                  <a:t>Start</a:t>
-                </a:r>
-              </a:p>
-            </p:txBody>
-          </p:sp>
-          <p:sp>
-            <p:nvSpPr>
-              <p:cNvPr id="5" name="Flowchart: Terminator 4">
-                <a:extLst>
-                  <a:ext uri="{FF2B5EF4-FFF2-40B4-BE49-F238E27FC236}">
-                    <a16:creationId xmlns:a16="http://schemas.microsoft.com/office/drawing/2014/main" id="{59081328-39DA-F53A-BE33-EB27622DBA55}"/>
-                  </a:ext>
-                </a:extLst>
-              </p:cNvPr>
-              <p:cNvSpPr/>
-              <p:nvPr/>
-            </p:nvSpPr>
-            <p:spPr>
-              <a:xfrm>
-                <a:off x="3656362" y="6248034"/>
-                <a:ext cx="772357" cy="284086"/>
-              </a:xfrm>
-              <a:prstGeom prst="flowChartTerminator">
-                <a:avLst/>
-              </a:prstGeom>
-              <a:solidFill>
-                <a:schemeClr val="accent5">
-                  <a:lumMod val="20000"/>
-                  <a:lumOff val="80000"/>
-                </a:schemeClr>
-              </a:solidFill>
-              <a:ln>
-                <a:solidFill>
-                  <a:schemeClr val="accent5"/>
-                </a:solidFill>
-              </a:ln>
-            </p:spPr>
-            <p:style>
-              <a:lnRef idx="2">
-                <a:schemeClr val="accent1">
-                  <a:shade val="50000"/>
-                </a:schemeClr>
-              </a:lnRef>
-              <a:fillRef idx="1">
-                <a:schemeClr val="accent1"/>
-              </a:fillRef>
-              <a:effectRef idx="0">
-                <a:schemeClr val="accent1"/>
-              </a:effectRef>
-              <a:fontRef idx="minor">
-                <a:schemeClr val="lt1"/>
-              </a:fontRef>
-            </p:style>
-            <p:txBody>
-              <a:bodyPr rtlCol="0" anchor="ctr"/>
-              <a:lstStyle/>
-              <a:p>
-                <a:pPr algn="ctr"/>
-                <a:r>
-                  <a:rPr lang="en-US" sz="1400" dirty="0">
-                    <a:solidFill>
-                      <a:schemeClr val="tx1"/>
-                    </a:solidFill>
-                    <a:latin typeface="TH Sarabun New" panose="020B0500040200020003" pitchFamily="34" charset="-34"/>
-                    <a:cs typeface="TH Sarabun New" panose="020B0500040200020003" pitchFamily="34" charset="-34"/>
-                  </a:rPr>
-                  <a:t>Stop</a:t>
-                </a:r>
-              </a:p>
-            </p:txBody>
-          </p:sp>
-          <p:sp>
-            <p:nvSpPr>
-              <p:cNvPr id="6" name="Rectangle 5">
-                <a:extLst>
-                  <a:ext uri="{FF2B5EF4-FFF2-40B4-BE49-F238E27FC236}">
-                    <a16:creationId xmlns:a16="http://schemas.microsoft.com/office/drawing/2014/main" id="{2378859A-9DCE-9469-17D6-B2ACD672569F}"/>
-                  </a:ext>
-                </a:extLst>
-              </p:cNvPr>
-              <p:cNvSpPr/>
-              <p:nvPr/>
-            </p:nvSpPr>
-            <p:spPr>
-              <a:xfrm>
-                <a:off x="3195962" y="475540"/>
-                <a:ext cx="1713390" cy="284086"/>
-              </a:xfrm>
-              <a:prstGeom prst="rect">
-                <a:avLst/>
-              </a:prstGeom>
-              <a:solidFill>
-                <a:schemeClr val="accent5">
-                  <a:lumMod val="20000"/>
-                  <a:lumOff val="80000"/>
-                </a:schemeClr>
-              </a:solidFill>
-              <a:ln>
-                <a:solidFill>
-                  <a:schemeClr val="accent5"/>
-                </a:solidFill>
-              </a:ln>
-            </p:spPr>
-            <p:style>
-              <a:lnRef idx="2">
-                <a:schemeClr val="accent1">
-                  <a:shade val="50000"/>
-                </a:schemeClr>
-              </a:lnRef>
-              <a:fillRef idx="1">
-                <a:schemeClr val="accent1"/>
-              </a:fillRef>
-              <a:effectRef idx="0">
-                <a:schemeClr val="accent1"/>
-              </a:effectRef>
-              <a:fontRef idx="minor">
-                <a:schemeClr val="lt1"/>
-              </a:fontRef>
-            </p:style>
-            <p:txBody>
-              <a:bodyPr rtlCol="0" anchor="ctr"/>
-              <a:lstStyle/>
-              <a:p>
-                <a:pPr algn="ctr"/>
-                <a:r>
-                  <a:rPr lang="en-US" dirty="0">
-                    <a:solidFill>
-                      <a:schemeClr val="tx1"/>
-                    </a:solidFill>
-                    <a:latin typeface="TH Sarabun New" panose="020B0500040200020003" pitchFamily="34" charset="-34"/>
-                    <a:cs typeface="TH Sarabun New" panose="020B0500040200020003" pitchFamily="34" charset="-34"/>
-                  </a:rPr>
-                  <a:t>Int level = 1</a:t>
-                </a:r>
-              </a:p>
-            </p:txBody>
-          </p:sp>
-          <p:sp>
-            <p:nvSpPr>
-              <p:cNvPr id="7" name="Rectangle 6">
-                <a:extLst>
-                  <a:ext uri="{FF2B5EF4-FFF2-40B4-BE49-F238E27FC236}">
-                    <a16:creationId xmlns:a16="http://schemas.microsoft.com/office/drawing/2014/main" id="{04CD2C4E-424A-C7AA-541E-98649E044C02}"/>
-                  </a:ext>
-                </a:extLst>
-              </p:cNvPr>
-              <p:cNvSpPr/>
-              <p:nvPr/>
-            </p:nvSpPr>
-            <p:spPr>
-              <a:xfrm>
-                <a:off x="3195962" y="903536"/>
-                <a:ext cx="1713390" cy="284086"/>
-              </a:xfrm>
-              <a:prstGeom prst="rect">
-                <a:avLst/>
-              </a:prstGeom>
-              <a:solidFill>
-                <a:schemeClr val="accent5">
-                  <a:lumMod val="20000"/>
-                  <a:lumOff val="80000"/>
-                </a:schemeClr>
-              </a:solidFill>
-              <a:ln>
-                <a:solidFill>
-                  <a:schemeClr val="accent5"/>
-                </a:solidFill>
-              </a:ln>
-            </p:spPr>
-            <p:style>
-              <a:lnRef idx="2">
-                <a:schemeClr val="accent1">
-                  <a:shade val="50000"/>
-                </a:schemeClr>
-              </a:lnRef>
-              <a:fillRef idx="1">
-                <a:schemeClr val="accent1"/>
-              </a:fillRef>
-              <a:effectRef idx="0">
-                <a:schemeClr val="accent1"/>
-              </a:effectRef>
-              <a:fontRef idx="minor">
-                <a:schemeClr val="lt1"/>
-              </a:fontRef>
-            </p:style>
-            <p:txBody>
-              <a:bodyPr rtlCol="0" anchor="ctr"/>
-              <a:lstStyle/>
-              <a:p>
-                <a:pPr algn="ctr"/>
-                <a:r>
-                  <a:rPr lang="en-US" dirty="0">
-                    <a:solidFill>
-                      <a:schemeClr val="tx1"/>
-                    </a:solidFill>
-                    <a:latin typeface="TH Sarabun New" panose="020B0500040200020003" pitchFamily="34" charset="-34"/>
-                    <a:cs typeface="TH Sarabun New" panose="020B0500040200020003" pitchFamily="34" charset="-34"/>
-                  </a:rPr>
-                  <a:t>Int exp = 0</a:t>
-                </a:r>
-              </a:p>
-            </p:txBody>
-          </p:sp>
-          <p:sp>
-            <p:nvSpPr>
-              <p:cNvPr id="8" name="Flowchart: Connector 7">
-                <a:extLst>
-                  <a:ext uri="{FF2B5EF4-FFF2-40B4-BE49-F238E27FC236}">
-                    <a16:creationId xmlns:a16="http://schemas.microsoft.com/office/drawing/2014/main" id="{9FB59122-DFAF-D16C-63CB-E38B77444F86}"/>
-                  </a:ext>
-                </a:extLst>
-              </p:cNvPr>
-              <p:cNvSpPr/>
-              <p:nvPr/>
-            </p:nvSpPr>
-            <p:spPr>
-              <a:xfrm>
-                <a:off x="3908986" y="1811897"/>
-                <a:ext cx="284085" cy="275477"/>
-              </a:xfrm>
-              <a:prstGeom prst="flowChartConnector">
-                <a:avLst/>
-              </a:prstGeom>
-              <a:solidFill>
-                <a:schemeClr val="accent5">
-                  <a:lumMod val="20000"/>
-                  <a:lumOff val="80000"/>
-                </a:schemeClr>
-              </a:solidFill>
-              <a:ln>
-                <a:solidFill>
-                  <a:schemeClr val="accent5"/>
-                </a:solidFill>
-              </a:ln>
-            </p:spPr>
-            <p:style>
-              <a:lnRef idx="2">
-                <a:schemeClr val="accent1">
-                  <a:shade val="50000"/>
-                </a:schemeClr>
-              </a:lnRef>
-              <a:fillRef idx="1">
-                <a:schemeClr val="accent1"/>
-              </a:fillRef>
-              <a:effectRef idx="0">
-                <a:schemeClr val="accent1"/>
-              </a:effectRef>
-              <a:fontRef idx="minor">
-                <a:schemeClr val="lt1"/>
-              </a:fontRef>
-            </p:style>
-            <p:txBody>
-              <a:bodyPr rtlCol="0" anchor="ctr"/>
-              <a:lstStyle/>
-              <a:p>
-                <a:pPr algn="ctr"/>
-                <a:endParaRPr lang="en-US">
-                  <a:solidFill>
-                    <a:schemeClr val="tx1"/>
-                  </a:solidFill>
-                  <a:latin typeface="TH Sarabun New" panose="020B0500040200020003" pitchFamily="34" charset="-34"/>
-                  <a:cs typeface="TH Sarabun New" panose="020B0500040200020003" pitchFamily="34" charset="-34"/>
-                </a:endParaRPr>
-              </a:p>
-            </p:txBody>
-          </p:sp>
-          <p:sp>
-            <p:nvSpPr>
-              <p:cNvPr id="9" name="Flowchart: Decision 8">
-                <a:extLst>
-                  <a:ext uri="{FF2B5EF4-FFF2-40B4-BE49-F238E27FC236}">
-                    <a16:creationId xmlns:a16="http://schemas.microsoft.com/office/drawing/2014/main" id="{6151D214-9EB1-6F09-0726-F706B0958746}"/>
-                  </a:ext>
-                </a:extLst>
-              </p:cNvPr>
-              <p:cNvSpPr/>
-              <p:nvPr/>
-            </p:nvSpPr>
-            <p:spPr>
-              <a:xfrm>
-                <a:off x="2905362" y="2312515"/>
-                <a:ext cx="2274359" cy="984793"/>
-              </a:xfrm>
-              <a:prstGeom prst="flowChartDecision">
-                <a:avLst/>
-              </a:prstGeom>
-              <a:solidFill>
-                <a:schemeClr val="accent5">
-                  <a:lumMod val="20000"/>
-                  <a:lumOff val="80000"/>
-                </a:schemeClr>
-              </a:solidFill>
-              <a:ln>
-                <a:solidFill>
-                  <a:schemeClr val="accent5"/>
-                </a:solidFill>
-              </a:ln>
-            </p:spPr>
-            <p:style>
-              <a:lnRef idx="2">
-                <a:schemeClr val="accent1">
-                  <a:shade val="50000"/>
-                </a:schemeClr>
-              </a:lnRef>
-              <a:fillRef idx="1">
-                <a:schemeClr val="accent1"/>
-              </a:fillRef>
-              <a:effectRef idx="0">
-                <a:schemeClr val="accent1"/>
-              </a:effectRef>
-              <a:fontRef idx="minor">
-                <a:schemeClr val="lt1"/>
-              </a:fontRef>
-            </p:style>
-            <p:txBody>
-              <a:bodyPr rtlCol="0" anchor="ctr"/>
-              <a:lstStyle/>
-              <a:p>
-                <a:pPr algn="ctr"/>
-                <a:r>
-                  <a:rPr lang="en-US" dirty="0">
-                    <a:solidFill>
-                      <a:schemeClr val="tx1"/>
-                    </a:solidFill>
-                    <a:latin typeface="TH Sarabun New" panose="020B0500040200020003" pitchFamily="34" charset="-34"/>
-                    <a:cs typeface="TH Sarabun New" panose="020B0500040200020003" pitchFamily="34" charset="-34"/>
-                  </a:rPr>
-                  <a:t>Level &gt;= 10</a:t>
-                </a:r>
-                <a:endParaRPr lang="th-TH" dirty="0">
-                  <a:solidFill>
-                    <a:schemeClr val="tx1"/>
-                  </a:solidFill>
-                  <a:latin typeface="TH Sarabun New" panose="020B0500040200020003" pitchFamily="34" charset="-34"/>
-                  <a:cs typeface="TH Sarabun New" panose="020B0500040200020003" pitchFamily="34" charset="-34"/>
-                </a:endParaRPr>
-              </a:p>
-            </p:txBody>
-          </p:sp>
-          <p:cxnSp>
-            <p:nvCxnSpPr>
-              <p:cNvPr id="11" name="Straight Arrow Connector 10">
-                <a:extLst>
-                  <a:ext uri="{FF2B5EF4-FFF2-40B4-BE49-F238E27FC236}">
-                    <a16:creationId xmlns:a16="http://schemas.microsoft.com/office/drawing/2014/main" id="{990BCEBF-8CDA-58DD-ECA1-A0494C81743D}"/>
-                  </a:ext>
-                </a:extLst>
-              </p:cNvPr>
-              <p:cNvCxnSpPr>
-                <a:cxnSpLocks/>
-                <a:stCxn id="4" idx="2"/>
-                <a:endCxn id="6" idx="0"/>
-              </p:cNvCxnSpPr>
-              <p:nvPr/>
-            </p:nvCxnSpPr>
-            <p:spPr>
-              <a:xfrm>
-                <a:off x="4052656" y="325880"/>
-                <a:ext cx="1" cy="149660"/>
-              </a:xfrm>
-              <a:prstGeom prst="straightConnector1">
-                <a:avLst/>
-              </a:prstGeom>
-              <a:ln w="38100">
-                <a:solidFill>
-                  <a:schemeClr val="accent5"/>
-                </a:solidFill>
-                <a:tailEnd type="triangle"/>
-              </a:ln>
-            </p:spPr>
-            <p:style>
-              <a:lnRef idx="1">
-                <a:schemeClr val="accent1"/>
-              </a:lnRef>
-              <a:fillRef idx="0">
-                <a:schemeClr val="accent1"/>
-              </a:fillRef>
-              <a:effectRef idx="0">
-                <a:schemeClr val="accent1"/>
-              </a:effectRef>
-              <a:fontRef idx="minor">
-                <a:schemeClr val="tx1"/>
-              </a:fontRef>
-            </p:style>
-          </p:cxnSp>
-          <p:cxnSp>
-            <p:nvCxnSpPr>
-              <p:cNvPr id="12" name="Straight Arrow Connector 11">
-                <a:extLst>
-                  <a:ext uri="{FF2B5EF4-FFF2-40B4-BE49-F238E27FC236}">
-                    <a16:creationId xmlns:a16="http://schemas.microsoft.com/office/drawing/2014/main" id="{C1E30C07-4988-2DD9-B418-2275D3B7C201}"/>
-                  </a:ext>
-                </a:extLst>
-              </p:cNvPr>
-              <p:cNvCxnSpPr>
-                <a:cxnSpLocks/>
-                <a:stCxn id="6" idx="2"/>
-                <a:endCxn id="7" idx="0"/>
-              </p:cNvCxnSpPr>
-              <p:nvPr/>
-            </p:nvCxnSpPr>
-            <p:spPr>
-              <a:xfrm>
-                <a:off x="4052657" y="759626"/>
-                <a:ext cx="0" cy="143910"/>
-              </a:xfrm>
-              <a:prstGeom prst="straightConnector1">
-                <a:avLst/>
-              </a:prstGeom>
-              <a:ln w="38100">
-                <a:solidFill>
-                  <a:schemeClr val="accent5"/>
-                </a:solidFill>
-                <a:tailEnd type="triangle"/>
-              </a:ln>
-            </p:spPr>
-            <p:style>
-              <a:lnRef idx="1">
-                <a:schemeClr val="accent1"/>
-              </a:lnRef>
-              <a:fillRef idx="0">
-                <a:schemeClr val="accent1"/>
-              </a:fillRef>
-              <a:effectRef idx="0">
-                <a:schemeClr val="accent1"/>
-              </a:effectRef>
-              <a:fontRef idx="minor">
-                <a:schemeClr val="tx1"/>
-              </a:fontRef>
-            </p:style>
-          </p:cxnSp>
-          <p:cxnSp>
-            <p:nvCxnSpPr>
-              <p:cNvPr id="15" name="Straight Arrow Connector 14">
-                <a:extLst>
-                  <a:ext uri="{FF2B5EF4-FFF2-40B4-BE49-F238E27FC236}">
-                    <a16:creationId xmlns:a16="http://schemas.microsoft.com/office/drawing/2014/main" id="{6705E4FF-6FF2-A360-E2DB-CC1A7A42195C}"/>
-                  </a:ext>
-                </a:extLst>
-              </p:cNvPr>
-              <p:cNvCxnSpPr>
-                <a:cxnSpLocks/>
-                <a:stCxn id="7" idx="2"/>
-                <a:endCxn id="101" idx="0"/>
-              </p:cNvCxnSpPr>
-              <p:nvPr/>
-            </p:nvCxnSpPr>
-            <p:spPr>
-              <a:xfrm>
-                <a:off x="4052657" y="1187622"/>
-                <a:ext cx="0" cy="140871"/>
-              </a:xfrm>
-              <a:prstGeom prst="straightConnector1">
-                <a:avLst/>
-              </a:prstGeom>
-              <a:ln w="38100">
-                <a:solidFill>
-                  <a:schemeClr val="accent5"/>
-                </a:solidFill>
-                <a:tailEnd type="triangle"/>
-              </a:ln>
-            </p:spPr>
-            <p:style>
-              <a:lnRef idx="1">
-                <a:schemeClr val="accent1"/>
-              </a:lnRef>
-              <a:fillRef idx="0">
-                <a:schemeClr val="accent1"/>
-              </a:fillRef>
-              <a:effectRef idx="0">
-                <a:schemeClr val="accent1"/>
-              </a:effectRef>
-              <a:fontRef idx="minor">
-                <a:schemeClr val="tx1"/>
-              </a:fontRef>
-            </p:style>
-          </p:cxnSp>
-          <p:cxnSp>
-            <p:nvCxnSpPr>
-              <p:cNvPr id="18" name="Straight Arrow Connector 17">
-                <a:extLst>
-                  <a:ext uri="{FF2B5EF4-FFF2-40B4-BE49-F238E27FC236}">
-                    <a16:creationId xmlns:a16="http://schemas.microsoft.com/office/drawing/2014/main" id="{E8F33A97-4BA1-8259-BACA-93C0FB98A37E}"/>
-                  </a:ext>
-                </a:extLst>
-              </p:cNvPr>
-              <p:cNvCxnSpPr>
-                <a:cxnSpLocks/>
-                <a:stCxn id="8" idx="4"/>
-                <a:endCxn id="9" idx="0"/>
-              </p:cNvCxnSpPr>
-              <p:nvPr/>
-            </p:nvCxnSpPr>
-            <p:spPr>
-              <a:xfrm flipH="1">
-                <a:off x="4042542" y="2087374"/>
-                <a:ext cx="8487" cy="225141"/>
-              </a:xfrm>
-              <a:prstGeom prst="straightConnector1">
-                <a:avLst/>
-              </a:prstGeom>
-              <a:ln w="38100">
-                <a:solidFill>
-                  <a:schemeClr val="accent5"/>
-                </a:solidFill>
-                <a:tailEnd type="triangle"/>
-              </a:ln>
-            </p:spPr>
-            <p:style>
-              <a:lnRef idx="1">
-                <a:schemeClr val="accent1"/>
-              </a:lnRef>
-              <a:fillRef idx="0">
-                <a:schemeClr val="accent1"/>
-              </a:fillRef>
-              <a:effectRef idx="0">
-                <a:schemeClr val="accent1"/>
-              </a:effectRef>
-              <a:fontRef idx="minor">
-                <a:schemeClr val="tx1"/>
-              </a:fontRef>
-            </p:style>
-          </p:cxnSp>
-          <p:sp>
-            <p:nvSpPr>
-              <p:cNvPr id="23" name="Rectangle 22">
-                <a:extLst>
-                  <a:ext uri="{FF2B5EF4-FFF2-40B4-BE49-F238E27FC236}">
-                    <a16:creationId xmlns:a16="http://schemas.microsoft.com/office/drawing/2014/main" id="{3B177594-2235-D388-B5CB-F7CBC30AB538}"/>
-                  </a:ext>
-                </a:extLst>
-              </p:cNvPr>
-              <p:cNvSpPr/>
-              <p:nvPr/>
-            </p:nvSpPr>
-            <p:spPr>
-              <a:xfrm>
-                <a:off x="1156392" y="3160135"/>
-                <a:ext cx="1518081" cy="603682"/>
-              </a:xfrm>
-              <a:prstGeom prst="rect">
-                <a:avLst/>
-              </a:prstGeom>
-              <a:solidFill>
-                <a:schemeClr val="accent5">
-                  <a:lumMod val="20000"/>
-                  <a:lumOff val="80000"/>
-                </a:schemeClr>
-              </a:solidFill>
-              <a:ln>
-                <a:solidFill>
-                  <a:schemeClr val="accent5"/>
-                </a:solidFill>
-              </a:ln>
-            </p:spPr>
-            <p:style>
-              <a:lnRef idx="2">
-                <a:schemeClr val="accent1">
-                  <a:shade val="50000"/>
-                </a:schemeClr>
-              </a:lnRef>
-              <a:fillRef idx="1">
-                <a:schemeClr val="accent1"/>
-              </a:fillRef>
-              <a:effectRef idx="0">
-                <a:schemeClr val="accent1"/>
-              </a:effectRef>
-              <a:fontRef idx="minor">
-                <a:schemeClr val="lt1"/>
-              </a:fontRef>
-            </p:style>
-            <p:txBody>
-              <a:bodyPr rtlCol="0" anchor="ctr"/>
-              <a:lstStyle/>
-              <a:p>
-                <a:pPr algn="ctr"/>
-                <a:r>
-                  <a:rPr lang="th-TH" dirty="0">
-                    <a:solidFill>
-                      <a:schemeClr val="tx1"/>
-                    </a:solidFill>
-                    <a:latin typeface="TH Sarabun New" panose="020B0500040200020003" pitchFamily="34" charset="-34"/>
-                    <a:cs typeface="TH Sarabun New" panose="020B0500040200020003" pitchFamily="34" charset="-34"/>
-                  </a:rPr>
-                  <a:t>ล่ามอนส์เตอร์</a:t>
-                </a:r>
-              </a:p>
-              <a:p>
-                <a:pPr algn="ctr"/>
-                <a:r>
-                  <a:rPr lang="en-US" dirty="0">
-                    <a:solidFill>
-                      <a:schemeClr val="tx1"/>
-                    </a:solidFill>
-                    <a:latin typeface="TH Sarabun New" panose="020B0500040200020003" pitchFamily="34" charset="-34"/>
-                    <a:cs typeface="TH Sarabun New" panose="020B0500040200020003" pitchFamily="34" charset="-34"/>
-                  </a:rPr>
-                  <a:t>exp = exp + 40</a:t>
-                </a:r>
-              </a:p>
-            </p:txBody>
-          </p:sp>
-          <p:cxnSp>
-            <p:nvCxnSpPr>
-              <p:cNvPr id="25" name="Connector: Elbow 24">
-                <a:extLst>
-                  <a:ext uri="{FF2B5EF4-FFF2-40B4-BE49-F238E27FC236}">
-                    <a16:creationId xmlns:a16="http://schemas.microsoft.com/office/drawing/2014/main" id="{820684BE-E97E-7582-A916-E477F5D3608C}"/>
-                  </a:ext>
-                </a:extLst>
-              </p:cNvPr>
-              <p:cNvCxnSpPr>
-                <a:cxnSpLocks/>
-                <a:stCxn id="9" idx="1"/>
-                <a:endCxn id="23" idx="0"/>
-              </p:cNvCxnSpPr>
-              <p:nvPr/>
-            </p:nvCxnSpPr>
-            <p:spPr>
-              <a:xfrm rot="10800000" flipV="1">
-                <a:off x="1915434" y="2804911"/>
-                <a:ext cx="989929" cy="355223"/>
-              </a:xfrm>
-              <a:prstGeom prst="bentConnector2">
-                <a:avLst/>
-              </a:prstGeom>
-              <a:ln w="38100">
-                <a:solidFill>
-                  <a:schemeClr val="accent5"/>
-                </a:solidFill>
-                <a:tailEnd type="triangle"/>
-              </a:ln>
-            </p:spPr>
-            <p:style>
-              <a:lnRef idx="1">
-                <a:schemeClr val="accent1"/>
-              </a:lnRef>
-              <a:fillRef idx="0">
-                <a:schemeClr val="accent1"/>
-              </a:fillRef>
-              <a:effectRef idx="0">
-                <a:schemeClr val="accent1"/>
-              </a:effectRef>
-              <a:fontRef idx="minor">
-                <a:schemeClr val="tx1"/>
-              </a:fontRef>
-            </p:style>
-          </p:cxnSp>
-          <p:sp>
-            <p:nvSpPr>
-              <p:cNvPr id="27" name="Flowchart: Decision 26">
-                <a:extLst>
-                  <a:ext uri="{FF2B5EF4-FFF2-40B4-BE49-F238E27FC236}">
-                    <a16:creationId xmlns:a16="http://schemas.microsoft.com/office/drawing/2014/main" id="{7158C49A-E077-5DAA-9770-68427046B5D4}"/>
-                  </a:ext>
-                </a:extLst>
-              </p:cNvPr>
-              <p:cNvSpPr/>
-              <p:nvPr/>
-            </p:nvSpPr>
-            <p:spPr>
-              <a:xfrm>
-                <a:off x="845668" y="4626802"/>
-                <a:ext cx="2139520" cy="585926"/>
-              </a:xfrm>
-              <a:prstGeom prst="flowChartDecision">
-                <a:avLst/>
-              </a:prstGeom>
-              <a:solidFill>
-                <a:schemeClr val="accent5">
-                  <a:lumMod val="20000"/>
-                  <a:lumOff val="80000"/>
-                </a:schemeClr>
-              </a:solidFill>
-              <a:ln>
-                <a:solidFill>
-                  <a:schemeClr val="accent5"/>
-                </a:solidFill>
-              </a:ln>
-            </p:spPr>
-            <p:style>
-              <a:lnRef idx="2">
-                <a:schemeClr val="accent1">
-                  <a:shade val="50000"/>
-                </a:schemeClr>
-              </a:lnRef>
-              <a:fillRef idx="1">
-                <a:schemeClr val="accent1"/>
-              </a:fillRef>
-              <a:effectRef idx="0">
-                <a:schemeClr val="accent1"/>
-              </a:effectRef>
-              <a:fontRef idx="minor">
-                <a:schemeClr val="lt1"/>
-              </a:fontRef>
-            </p:style>
-            <p:txBody>
-              <a:bodyPr rtlCol="0" anchor="ctr"/>
-              <a:lstStyle/>
-              <a:p>
-                <a:pPr algn="ctr"/>
-                <a:r>
-                  <a:rPr lang="en-US" dirty="0">
-                    <a:solidFill>
-                      <a:schemeClr val="tx1"/>
-                    </a:solidFill>
-                    <a:latin typeface="TH Sarabun New" panose="020B0500040200020003" pitchFamily="34" charset="-34"/>
-                    <a:cs typeface="TH Sarabun New" panose="020B0500040200020003" pitchFamily="34" charset="-34"/>
-                  </a:rPr>
-                  <a:t>exp &gt;= 100</a:t>
-                </a:r>
-              </a:p>
-            </p:txBody>
-          </p:sp>
-          <p:cxnSp>
-            <p:nvCxnSpPr>
-              <p:cNvPr id="28" name="Straight Arrow Connector 27">
-                <a:extLst>
-                  <a:ext uri="{FF2B5EF4-FFF2-40B4-BE49-F238E27FC236}">
-                    <a16:creationId xmlns:a16="http://schemas.microsoft.com/office/drawing/2014/main" id="{C7A4203F-498A-F8D3-753A-B2CE82080E12}"/>
-                  </a:ext>
-                </a:extLst>
-              </p:cNvPr>
-              <p:cNvCxnSpPr>
-                <a:cxnSpLocks/>
-                <a:stCxn id="23" idx="2"/>
-                <a:endCxn id="122" idx="0"/>
-              </p:cNvCxnSpPr>
-              <p:nvPr/>
-            </p:nvCxnSpPr>
-            <p:spPr>
-              <a:xfrm flipH="1">
-                <a:off x="1915429" y="3763817"/>
-                <a:ext cx="4" cy="233428"/>
-              </a:xfrm>
-              <a:prstGeom prst="straightConnector1">
-                <a:avLst/>
-              </a:prstGeom>
-              <a:ln w="38100">
-                <a:solidFill>
-                  <a:schemeClr val="accent5"/>
-                </a:solidFill>
-                <a:tailEnd type="triangle"/>
-              </a:ln>
-            </p:spPr>
-            <p:style>
-              <a:lnRef idx="1">
-                <a:schemeClr val="accent1"/>
-              </a:lnRef>
-              <a:fillRef idx="0">
-                <a:schemeClr val="accent1"/>
-              </a:fillRef>
-              <a:effectRef idx="0">
-                <a:schemeClr val="accent1"/>
-              </a:effectRef>
-              <a:fontRef idx="minor">
-                <a:schemeClr val="tx1"/>
-              </a:fontRef>
-            </p:style>
-          </p:cxnSp>
-          <p:sp>
-            <p:nvSpPr>
-              <p:cNvPr id="31" name="Rectangle 30">
-                <a:extLst>
-                  <a:ext uri="{FF2B5EF4-FFF2-40B4-BE49-F238E27FC236}">
-                    <a16:creationId xmlns:a16="http://schemas.microsoft.com/office/drawing/2014/main" id="{E257B404-271D-2EC0-4AB1-36A44967CD54}"/>
-                  </a:ext>
-                </a:extLst>
-              </p:cNvPr>
-              <p:cNvSpPr/>
-              <p:nvPr/>
-            </p:nvSpPr>
-            <p:spPr>
-              <a:xfrm>
-                <a:off x="1156388" y="5470001"/>
-                <a:ext cx="1518081" cy="332911"/>
-              </a:xfrm>
-              <a:prstGeom prst="rect">
-                <a:avLst/>
-              </a:prstGeom>
-              <a:solidFill>
-                <a:schemeClr val="accent5">
-                  <a:lumMod val="20000"/>
-                  <a:lumOff val="80000"/>
-                </a:schemeClr>
-              </a:solidFill>
-              <a:ln>
-                <a:solidFill>
-                  <a:schemeClr val="accent5"/>
-                </a:solidFill>
-              </a:ln>
-            </p:spPr>
-            <p:style>
-              <a:lnRef idx="2">
-                <a:schemeClr val="accent1">
-                  <a:shade val="50000"/>
-                </a:schemeClr>
-              </a:lnRef>
-              <a:fillRef idx="1">
-                <a:schemeClr val="accent1"/>
-              </a:fillRef>
-              <a:effectRef idx="0">
-                <a:schemeClr val="accent1"/>
-              </a:effectRef>
-              <a:fontRef idx="minor">
-                <a:schemeClr val="lt1"/>
-              </a:fontRef>
-            </p:style>
-            <p:txBody>
-              <a:bodyPr rtlCol="0" anchor="ctr"/>
-              <a:lstStyle/>
-              <a:p>
-                <a:pPr algn="ctr"/>
-                <a:r>
-                  <a:rPr lang="en-US" dirty="0">
-                    <a:solidFill>
-                      <a:schemeClr val="tx1"/>
-                    </a:solidFill>
-                    <a:latin typeface="TH Sarabun New" panose="020B0500040200020003" pitchFamily="34" charset="-34"/>
-                    <a:cs typeface="TH Sarabun New" panose="020B0500040200020003" pitchFamily="34" charset="-34"/>
-                  </a:rPr>
-                  <a:t>exp = 0</a:t>
-                </a:r>
-              </a:p>
-            </p:txBody>
-          </p:sp>
-          <p:cxnSp>
-            <p:nvCxnSpPr>
-              <p:cNvPr id="32" name="Straight Arrow Connector 31">
-                <a:extLst>
-                  <a:ext uri="{FF2B5EF4-FFF2-40B4-BE49-F238E27FC236}">
-                    <a16:creationId xmlns:a16="http://schemas.microsoft.com/office/drawing/2014/main" id="{DA8580CF-4DE3-B3A1-6E53-D3449D584217}"/>
-                  </a:ext>
-                </a:extLst>
-              </p:cNvPr>
-              <p:cNvCxnSpPr>
-                <a:cxnSpLocks/>
-                <a:stCxn id="27" idx="2"/>
-                <a:endCxn id="31" idx="0"/>
-              </p:cNvCxnSpPr>
-              <p:nvPr/>
-            </p:nvCxnSpPr>
-            <p:spPr>
-              <a:xfrm>
-                <a:off x="1915428" y="5212728"/>
-                <a:ext cx="1" cy="257273"/>
-              </a:xfrm>
-              <a:prstGeom prst="straightConnector1">
-                <a:avLst/>
-              </a:prstGeom>
-              <a:ln w="38100">
-                <a:solidFill>
-                  <a:schemeClr val="accent5"/>
-                </a:solidFill>
-                <a:tailEnd type="triangle"/>
-              </a:ln>
-            </p:spPr>
-            <p:style>
-              <a:lnRef idx="1">
-                <a:schemeClr val="accent1"/>
-              </a:lnRef>
-              <a:fillRef idx="0">
-                <a:schemeClr val="accent1"/>
-              </a:fillRef>
-              <a:effectRef idx="0">
-                <a:schemeClr val="accent1"/>
-              </a:effectRef>
-              <a:fontRef idx="minor">
-                <a:schemeClr val="tx1"/>
-              </a:fontRef>
-            </p:style>
-          </p:cxnSp>
-          <p:sp>
-            <p:nvSpPr>
-              <p:cNvPr id="38" name="Rectangle 37">
-                <a:extLst>
-                  <a:ext uri="{FF2B5EF4-FFF2-40B4-BE49-F238E27FC236}">
-                    <a16:creationId xmlns:a16="http://schemas.microsoft.com/office/drawing/2014/main" id="{5C5C691C-D851-72CC-ADD9-A1D8808398FF}"/>
-                  </a:ext>
-                </a:extLst>
-              </p:cNvPr>
-              <p:cNvSpPr/>
-              <p:nvPr/>
-            </p:nvSpPr>
-            <p:spPr>
-              <a:xfrm>
-                <a:off x="1156390" y="6055927"/>
-                <a:ext cx="1518081" cy="332911"/>
-              </a:xfrm>
-              <a:prstGeom prst="rect">
-                <a:avLst/>
-              </a:prstGeom>
-              <a:solidFill>
-                <a:schemeClr val="accent5">
-                  <a:lumMod val="20000"/>
-                  <a:lumOff val="80000"/>
-                </a:schemeClr>
-              </a:solidFill>
-              <a:ln>
-                <a:solidFill>
-                  <a:schemeClr val="accent5"/>
-                </a:solidFill>
-              </a:ln>
-            </p:spPr>
-            <p:style>
-              <a:lnRef idx="2">
-                <a:schemeClr val="accent1">
-                  <a:shade val="50000"/>
-                </a:schemeClr>
-              </a:lnRef>
-              <a:fillRef idx="1">
-                <a:schemeClr val="accent1"/>
-              </a:fillRef>
-              <a:effectRef idx="0">
-                <a:schemeClr val="accent1"/>
-              </a:effectRef>
-              <a:fontRef idx="minor">
-                <a:schemeClr val="lt1"/>
-              </a:fontRef>
-            </p:style>
-            <p:txBody>
-              <a:bodyPr rtlCol="0" anchor="ctr"/>
-              <a:lstStyle/>
-              <a:p>
-                <a:pPr algn="ctr"/>
-                <a:r>
-                  <a:rPr lang="en-US" dirty="0">
-                    <a:solidFill>
-                      <a:schemeClr val="tx1"/>
-                    </a:solidFill>
-                    <a:latin typeface="TH Sarabun New" panose="020B0500040200020003" pitchFamily="34" charset="-34"/>
-                    <a:cs typeface="TH Sarabun New" panose="020B0500040200020003" pitchFamily="34" charset="-34"/>
-                  </a:rPr>
-                  <a:t>Level = level + 1</a:t>
-                </a:r>
-              </a:p>
-            </p:txBody>
-          </p:sp>
-          <p:cxnSp>
-            <p:nvCxnSpPr>
-              <p:cNvPr id="39" name="Straight Arrow Connector 38">
-                <a:extLst>
-                  <a:ext uri="{FF2B5EF4-FFF2-40B4-BE49-F238E27FC236}">
-                    <a16:creationId xmlns:a16="http://schemas.microsoft.com/office/drawing/2014/main" id="{CF652DE9-662F-F670-1CEC-383754FF4A59}"/>
-                  </a:ext>
-                </a:extLst>
-              </p:cNvPr>
-              <p:cNvCxnSpPr>
-                <a:cxnSpLocks/>
-                <a:stCxn id="31" idx="2"/>
-                <a:endCxn id="38" idx="0"/>
-              </p:cNvCxnSpPr>
-              <p:nvPr/>
-            </p:nvCxnSpPr>
-            <p:spPr>
-              <a:xfrm>
-                <a:off x="1915429" y="5802912"/>
-                <a:ext cx="2" cy="253015"/>
-              </a:xfrm>
-              <a:prstGeom prst="straightConnector1">
-                <a:avLst/>
-              </a:prstGeom>
-              <a:ln w="38100">
-                <a:solidFill>
-                  <a:schemeClr val="accent5"/>
-                </a:solidFill>
-                <a:tailEnd type="triangle"/>
-              </a:ln>
-            </p:spPr>
-            <p:style>
-              <a:lnRef idx="1">
-                <a:schemeClr val="accent1"/>
-              </a:lnRef>
-              <a:fillRef idx="0">
-                <a:schemeClr val="accent1"/>
-              </a:fillRef>
-              <a:effectRef idx="0">
-                <a:schemeClr val="accent1"/>
-              </a:effectRef>
-              <a:fontRef idx="minor">
-                <a:schemeClr val="tx1"/>
-              </a:fontRef>
-            </p:style>
-          </p:cxnSp>
-          <p:sp>
-            <p:nvSpPr>
-              <p:cNvPr id="57" name="TextBox 56">
-                <a:extLst>
-                  <a:ext uri="{FF2B5EF4-FFF2-40B4-BE49-F238E27FC236}">
-                    <a16:creationId xmlns:a16="http://schemas.microsoft.com/office/drawing/2014/main" id="{11A4D3C0-3A94-58DC-377B-8411641750E0}"/>
-                  </a:ext>
-                </a:extLst>
-              </p:cNvPr>
-              <p:cNvSpPr txBox="1"/>
-              <p:nvPr/>
-            </p:nvSpPr>
-            <p:spPr>
-              <a:xfrm>
-                <a:off x="2556774" y="2508689"/>
-                <a:ext cx="639188" cy="307777"/>
-              </a:xfrm>
-              <a:prstGeom prst="rect">
-                <a:avLst/>
-              </a:prstGeom>
-              <a:noFill/>
-            </p:spPr>
-            <p:txBody>
-              <a:bodyPr wrap="square" rtlCol="0">
-                <a:spAutoFit/>
-              </a:bodyPr>
-              <a:lstStyle/>
-              <a:p>
-                <a:r>
-                  <a:rPr lang="en-US" sz="1400" dirty="0">
-                    <a:latin typeface="TH Sarabun New" panose="020B0500040200020003" pitchFamily="34" charset="-34"/>
-                    <a:cs typeface="TH Sarabun New" panose="020B0500040200020003" pitchFamily="34" charset="-34"/>
-                  </a:rPr>
-                  <a:t>FALSE</a:t>
-                </a:r>
-              </a:p>
-            </p:txBody>
-          </p:sp>
-          <p:sp>
-            <p:nvSpPr>
-              <p:cNvPr id="58" name="TextBox 57">
-                <a:extLst>
-                  <a:ext uri="{FF2B5EF4-FFF2-40B4-BE49-F238E27FC236}">
-                    <a16:creationId xmlns:a16="http://schemas.microsoft.com/office/drawing/2014/main" id="{8BA6FAB1-320E-80FD-043A-74250C3C3A03}"/>
-                  </a:ext>
-                </a:extLst>
-              </p:cNvPr>
-              <p:cNvSpPr txBox="1"/>
-              <p:nvPr/>
-            </p:nvSpPr>
-            <p:spPr>
-              <a:xfrm>
-                <a:off x="5038729" y="2508689"/>
-                <a:ext cx="639188" cy="307777"/>
-              </a:xfrm>
-              <a:prstGeom prst="rect">
-                <a:avLst/>
-              </a:prstGeom>
-              <a:noFill/>
-            </p:spPr>
-            <p:txBody>
-              <a:bodyPr wrap="square" rtlCol="0">
-                <a:spAutoFit/>
-              </a:bodyPr>
-              <a:lstStyle/>
-              <a:p>
-                <a:r>
-                  <a:rPr lang="en-US" sz="1400" dirty="0">
-                    <a:latin typeface="TH Sarabun New" panose="020B0500040200020003" pitchFamily="34" charset="-34"/>
-                    <a:cs typeface="TH Sarabun New" panose="020B0500040200020003" pitchFamily="34" charset="-34"/>
-                  </a:rPr>
-                  <a:t>TRUE</a:t>
-                </a:r>
-              </a:p>
-            </p:txBody>
-          </p:sp>
-          <p:sp>
-            <p:nvSpPr>
-              <p:cNvPr id="59" name="TextBox 58">
-                <a:extLst>
-                  <a:ext uri="{FF2B5EF4-FFF2-40B4-BE49-F238E27FC236}">
-                    <a16:creationId xmlns:a16="http://schemas.microsoft.com/office/drawing/2014/main" id="{856B09A3-5924-4347-404E-A26043211DAA}"/>
-                  </a:ext>
-                </a:extLst>
-              </p:cNvPr>
-              <p:cNvSpPr txBox="1"/>
-              <p:nvPr/>
-            </p:nvSpPr>
-            <p:spPr>
-              <a:xfrm>
-                <a:off x="1915425" y="5183619"/>
-                <a:ext cx="639188" cy="307777"/>
-              </a:xfrm>
-              <a:prstGeom prst="rect">
-                <a:avLst/>
-              </a:prstGeom>
-              <a:noFill/>
-            </p:spPr>
-            <p:txBody>
-              <a:bodyPr wrap="square" rtlCol="0">
-                <a:spAutoFit/>
-              </a:bodyPr>
-              <a:lstStyle/>
-              <a:p>
-                <a:r>
-                  <a:rPr lang="en-US" sz="1400" dirty="0">
-                    <a:latin typeface="TH Sarabun New" panose="020B0500040200020003" pitchFamily="34" charset="-34"/>
-                    <a:cs typeface="TH Sarabun New" panose="020B0500040200020003" pitchFamily="34" charset="-34"/>
-                  </a:rPr>
-                  <a:t>TRUE</a:t>
-                </a:r>
-              </a:p>
-            </p:txBody>
-          </p:sp>
-          <p:cxnSp>
-            <p:nvCxnSpPr>
-              <p:cNvPr id="65" name="Connector: Elbow 64">
-                <a:extLst>
-                  <a:ext uri="{FF2B5EF4-FFF2-40B4-BE49-F238E27FC236}">
-                    <a16:creationId xmlns:a16="http://schemas.microsoft.com/office/drawing/2014/main" id="{73A45A62-D6EF-4D48-E2B7-B021294D8AEE}"/>
-                  </a:ext>
-                </a:extLst>
-              </p:cNvPr>
-              <p:cNvCxnSpPr>
-                <a:cxnSpLocks/>
-                <a:stCxn id="38" idx="2"/>
-                <a:endCxn id="73" idx="4"/>
-              </p:cNvCxnSpPr>
-              <p:nvPr/>
-            </p:nvCxnSpPr>
-            <p:spPr>
-              <a:xfrm rot="5400000" flipH="1">
-                <a:off x="508647" y="4982054"/>
-                <a:ext cx="1327030" cy="1486539"/>
-              </a:xfrm>
-              <a:prstGeom prst="bentConnector3">
-                <a:avLst>
-                  <a:gd name="adj1" fmla="val -17226"/>
-                </a:avLst>
-              </a:prstGeom>
-              <a:ln w="38100">
-                <a:solidFill>
-                  <a:schemeClr val="accent5"/>
-                </a:solidFill>
-                <a:tailEnd type="triangle"/>
-              </a:ln>
-            </p:spPr>
-            <p:style>
-              <a:lnRef idx="1">
-                <a:schemeClr val="accent1"/>
-              </a:lnRef>
-              <a:fillRef idx="0">
-                <a:schemeClr val="accent1"/>
-              </a:fillRef>
-              <a:effectRef idx="0">
-                <a:schemeClr val="accent1"/>
-              </a:effectRef>
-              <a:fontRef idx="minor">
-                <a:schemeClr val="tx1"/>
-              </a:fontRef>
-            </p:style>
-          </p:cxnSp>
-          <p:sp>
-            <p:nvSpPr>
-              <p:cNvPr id="73" name="Flowchart: Connector 72">
-                <a:extLst>
-                  <a:ext uri="{FF2B5EF4-FFF2-40B4-BE49-F238E27FC236}">
-                    <a16:creationId xmlns:a16="http://schemas.microsoft.com/office/drawing/2014/main" id="{28FB1730-E1F4-9492-3274-9E5E94B4AC61}"/>
-                  </a:ext>
-                </a:extLst>
-              </p:cNvPr>
-              <p:cNvSpPr/>
-              <p:nvPr/>
-            </p:nvSpPr>
-            <p:spPr>
-              <a:xfrm>
-                <a:off x="282410" y="4777722"/>
-                <a:ext cx="292963" cy="284086"/>
-              </a:xfrm>
-              <a:prstGeom prst="flowChartConnector">
-                <a:avLst/>
-              </a:prstGeom>
-              <a:solidFill>
-                <a:schemeClr val="accent5">
-                  <a:lumMod val="20000"/>
-                  <a:lumOff val="80000"/>
-                </a:schemeClr>
-              </a:solidFill>
-              <a:ln>
-                <a:solidFill>
-                  <a:schemeClr val="accent5"/>
-                </a:solidFill>
-              </a:ln>
-            </p:spPr>
-            <p:style>
-              <a:lnRef idx="2">
-                <a:schemeClr val="accent1">
-                  <a:shade val="50000"/>
-                </a:schemeClr>
-              </a:lnRef>
-              <a:fillRef idx="1">
-                <a:schemeClr val="accent1"/>
-              </a:fillRef>
-              <a:effectRef idx="0">
-                <a:schemeClr val="accent1"/>
-              </a:effectRef>
-              <a:fontRef idx="minor">
-                <a:schemeClr val="lt1"/>
-              </a:fontRef>
-            </p:style>
-            <p:txBody>
-              <a:bodyPr rtlCol="0" anchor="ctr"/>
-              <a:lstStyle/>
-              <a:p>
-                <a:pPr algn="ctr"/>
-                <a:endParaRPr lang="en-US">
-                  <a:solidFill>
-                    <a:schemeClr val="tx1"/>
-                  </a:solidFill>
-                  <a:latin typeface="TH Sarabun New" panose="020B0500040200020003" pitchFamily="34" charset="-34"/>
-                  <a:cs typeface="TH Sarabun New" panose="020B0500040200020003" pitchFamily="34" charset="-34"/>
-                </a:endParaRPr>
-              </a:p>
-            </p:txBody>
-          </p:sp>
-          <p:cxnSp>
-            <p:nvCxnSpPr>
-              <p:cNvPr id="76" name="Straight Arrow Connector 75">
-                <a:extLst>
-                  <a:ext uri="{FF2B5EF4-FFF2-40B4-BE49-F238E27FC236}">
-                    <a16:creationId xmlns:a16="http://schemas.microsoft.com/office/drawing/2014/main" id="{FB8CF3BC-9AA0-9C2A-0E08-7BD5CF7F949E}"/>
-                  </a:ext>
-                </a:extLst>
-              </p:cNvPr>
-              <p:cNvCxnSpPr>
-                <a:cxnSpLocks/>
-                <a:stCxn id="27" idx="1"/>
-                <a:endCxn id="73" idx="6"/>
-              </p:cNvCxnSpPr>
-              <p:nvPr/>
-            </p:nvCxnSpPr>
-            <p:spPr>
-              <a:xfrm flipH="1">
-                <a:off x="575373" y="4919765"/>
-                <a:ext cx="270295" cy="0"/>
-              </a:xfrm>
-              <a:prstGeom prst="straightConnector1">
-                <a:avLst/>
-              </a:prstGeom>
-              <a:ln w="38100">
-                <a:solidFill>
-                  <a:schemeClr val="accent5"/>
-                </a:solidFill>
-                <a:tailEnd type="triangle"/>
-              </a:ln>
-            </p:spPr>
-            <p:style>
-              <a:lnRef idx="1">
-                <a:schemeClr val="accent1"/>
-              </a:lnRef>
-              <a:fillRef idx="0">
-                <a:schemeClr val="accent1"/>
-              </a:fillRef>
-              <a:effectRef idx="0">
-                <a:schemeClr val="accent1"/>
-              </a:effectRef>
-              <a:fontRef idx="minor">
-                <a:schemeClr val="tx1"/>
-              </a:fontRef>
-            </p:style>
-          </p:cxnSp>
-          <p:cxnSp>
-            <p:nvCxnSpPr>
-              <p:cNvPr id="81" name="Connector: Elbow 80">
-                <a:extLst>
-                  <a:ext uri="{FF2B5EF4-FFF2-40B4-BE49-F238E27FC236}">
-                    <a16:creationId xmlns:a16="http://schemas.microsoft.com/office/drawing/2014/main" id="{21D1CA45-72EE-75D1-E19A-B2E1C7DE24C8}"/>
-                  </a:ext>
-                </a:extLst>
-              </p:cNvPr>
-              <p:cNvCxnSpPr>
-                <a:cxnSpLocks/>
-                <a:stCxn id="73" idx="0"/>
-                <a:endCxn id="8" idx="2"/>
-              </p:cNvCxnSpPr>
-              <p:nvPr/>
-            </p:nvCxnSpPr>
-            <p:spPr>
-              <a:xfrm rot="5400000" flipH="1" flipV="1">
-                <a:off x="754896" y="1623632"/>
-                <a:ext cx="2828086" cy="3480094"/>
-              </a:xfrm>
-              <a:prstGeom prst="bentConnector2">
-                <a:avLst/>
-              </a:prstGeom>
-              <a:ln w="38100">
-                <a:solidFill>
-                  <a:schemeClr val="accent5"/>
-                </a:solidFill>
-                <a:tailEnd type="triangle"/>
-              </a:ln>
-            </p:spPr>
-            <p:style>
-              <a:lnRef idx="1">
-                <a:schemeClr val="accent1"/>
-              </a:lnRef>
-              <a:fillRef idx="0">
-                <a:schemeClr val="accent1"/>
-              </a:fillRef>
-              <a:effectRef idx="0">
-                <a:schemeClr val="accent1"/>
-              </a:effectRef>
-              <a:fontRef idx="minor">
-                <a:schemeClr val="tx1"/>
-              </a:fontRef>
-            </p:style>
-          </p:cxnSp>
-          <p:sp>
-            <p:nvSpPr>
-              <p:cNvPr id="84" name="TextBox 83">
-                <a:extLst>
-                  <a:ext uri="{FF2B5EF4-FFF2-40B4-BE49-F238E27FC236}">
-                    <a16:creationId xmlns:a16="http://schemas.microsoft.com/office/drawing/2014/main" id="{EB60EB2F-2D7B-7844-8BD8-2E9836E729CE}"/>
-                  </a:ext>
-                </a:extLst>
-              </p:cNvPr>
-              <p:cNvSpPr txBox="1"/>
-              <p:nvPr/>
-            </p:nvSpPr>
-            <p:spPr>
-              <a:xfrm>
-                <a:off x="705773" y="4575128"/>
-                <a:ext cx="639188" cy="307777"/>
-              </a:xfrm>
-              <a:prstGeom prst="rect">
-                <a:avLst/>
-              </a:prstGeom>
-              <a:noFill/>
-            </p:spPr>
-            <p:txBody>
-              <a:bodyPr wrap="square" rtlCol="0">
-                <a:spAutoFit/>
-              </a:bodyPr>
-              <a:lstStyle/>
-              <a:p>
-                <a:r>
-                  <a:rPr lang="en-US" sz="1400" dirty="0">
-                    <a:latin typeface="TH Sarabun New" panose="020B0500040200020003" pitchFamily="34" charset="-34"/>
-                    <a:cs typeface="TH Sarabun New" panose="020B0500040200020003" pitchFamily="34" charset="-34"/>
-                  </a:rPr>
-                  <a:t>FALSE</a:t>
-                </a:r>
-              </a:p>
-            </p:txBody>
-          </p:sp>
-          <p:cxnSp>
-            <p:nvCxnSpPr>
-              <p:cNvPr id="88" name="Connector: Elbow 87">
-                <a:extLst>
-                  <a:ext uri="{FF2B5EF4-FFF2-40B4-BE49-F238E27FC236}">
-                    <a16:creationId xmlns:a16="http://schemas.microsoft.com/office/drawing/2014/main" id="{A96368B4-F1F4-10D6-2383-0494277CD8FA}"/>
-                  </a:ext>
-                </a:extLst>
-              </p:cNvPr>
-              <p:cNvCxnSpPr>
-                <a:cxnSpLocks/>
-                <a:stCxn id="9" idx="3"/>
-                <a:endCxn id="92" idx="0"/>
-              </p:cNvCxnSpPr>
-              <p:nvPr/>
-            </p:nvCxnSpPr>
-            <p:spPr>
-              <a:xfrm>
-                <a:off x="5179721" y="2804912"/>
-                <a:ext cx="857144" cy="357570"/>
-              </a:xfrm>
-              <a:prstGeom prst="bentConnector2">
-                <a:avLst/>
-              </a:prstGeom>
-              <a:ln w="38100">
-                <a:solidFill>
-                  <a:schemeClr val="accent5"/>
-                </a:solidFill>
-                <a:tailEnd type="triangle"/>
-              </a:ln>
-            </p:spPr>
-            <p:style>
-              <a:lnRef idx="1">
-                <a:schemeClr val="accent1"/>
-              </a:lnRef>
-              <a:fillRef idx="0">
-                <a:schemeClr val="accent1"/>
-              </a:fillRef>
-              <a:effectRef idx="0">
-                <a:schemeClr val="accent1"/>
-              </a:effectRef>
-              <a:fontRef idx="minor">
-                <a:schemeClr val="tx1"/>
-              </a:fontRef>
-            </p:style>
-          </p:cxnSp>
-          <p:sp>
-            <p:nvSpPr>
-              <p:cNvPr id="92" name="Flowchart: Decision 91">
-                <a:extLst>
-                  <a:ext uri="{FF2B5EF4-FFF2-40B4-BE49-F238E27FC236}">
-                    <a16:creationId xmlns:a16="http://schemas.microsoft.com/office/drawing/2014/main" id="{F461CECB-664A-8C1B-7702-6C0B292AE000}"/>
-                  </a:ext>
-                </a:extLst>
-              </p:cNvPr>
-              <p:cNvSpPr/>
-              <p:nvPr/>
-            </p:nvSpPr>
-            <p:spPr>
-              <a:xfrm>
-                <a:off x="4820993" y="3162482"/>
-                <a:ext cx="2431743" cy="1269223"/>
-              </a:xfrm>
-              <a:prstGeom prst="flowChartDecision">
-                <a:avLst/>
-              </a:prstGeom>
-              <a:solidFill>
-                <a:schemeClr val="accent5">
-                  <a:lumMod val="20000"/>
-                  <a:lumOff val="80000"/>
-                </a:schemeClr>
-              </a:solidFill>
-              <a:ln>
-                <a:solidFill>
-                  <a:schemeClr val="accent5"/>
-                </a:solidFill>
-              </a:ln>
-            </p:spPr>
-            <p:style>
-              <a:lnRef idx="2">
-                <a:schemeClr val="accent1">
-                  <a:shade val="50000"/>
-                </a:schemeClr>
-              </a:lnRef>
-              <a:fillRef idx="1">
-                <a:schemeClr val="accent1"/>
-              </a:fillRef>
-              <a:effectRef idx="0">
-                <a:schemeClr val="accent1"/>
-              </a:effectRef>
-              <a:fontRef idx="minor">
-                <a:schemeClr val="lt1"/>
-              </a:fontRef>
-            </p:style>
-            <p:txBody>
-              <a:bodyPr rtlCol="0" anchor="ctr"/>
-              <a:lstStyle/>
-              <a:p>
-                <a:pPr algn="ctr"/>
-                <a:r>
-                  <a:rPr lang="th-TH" dirty="0">
-                    <a:solidFill>
-                      <a:schemeClr val="tx1"/>
-                    </a:solidFill>
-                    <a:latin typeface="TH Sarabun New" panose="020B0500040200020003" pitchFamily="34" charset="-34"/>
-                    <a:cs typeface="TH Sarabun New" panose="020B0500040200020003" pitchFamily="34" charset="-34"/>
-                  </a:rPr>
-                  <a:t>ล่าบอส</a:t>
-                </a:r>
-              </a:p>
-              <a:p>
-                <a:pPr algn="ctr"/>
-                <a:r>
-                  <a:rPr lang="en-US" dirty="0">
-                    <a:solidFill>
-                      <a:schemeClr val="tx1"/>
-                    </a:solidFill>
-                    <a:latin typeface="TH Sarabun New" panose="020B0500040200020003" pitchFamily="34" charset="-34"/>
-                    <a:cs typeface="TH Sarabun New" panose="020B0500040200020003" pitchFamily="34" charset="-34"/>
-                  </a:rPr>
-                  <a:t>counter &gt;= 35</a:t>
-                </a:r>
-                <a:endParaRPr lang="th-TH" dirty="0">
-                  <a:solidFill>
-                    <a:schemeClr val="tx1"/>
-                  </a:solidFill>
-                  <a:latin typeface="TH Sarabun New" panose="020B0500040200020003" pitchFamily="34" charset="-34"/>
-                  <a:cs typeface="TH Sarabun New" panose="020B0500040200020003" pitchFamily="34" charset="-34"/>
-                </a:endParaRPr>
-              </a:p>
-              <a:p>
-                <a:pPr algn="ctr"/>
-                <a:r>
-                  <a:rPr lang="en-US" dirty="0">
-                    <a:solidFill>
-                      <a:schemeClr val="tx1"/>
-                    </a:solidFill>
-                    <a:latin typeface="TH Sarabun New" panose="020B0500040200020003" pitchFamily="34" charset="-34"/>
-                    <a:cs typeface="TH Sarabun New" panose="020B0500040200020003" pitchFamily="34" charset="-34"/>
-                  </a:rPr>
-                  <a:t>AND exp &gt; 60</a:t>
-                </a:r>
-              </a:p>
-            </p:txBody>
-          </p:sp>
-          <p:sp>
-            <p:nvSpPr>
-              <p:cNvPr id="101" name="Rectangle 100">
-                <a:extLst>
-                  <a:ext uri="{FF2B5EF4-FFF2-40B4-BE49-F238E27FC236}">
-                    <a16:creationId xmlns:a16="http://schemas.microsoft.com/office/drawing/2014/main" id="{ACCF88D4-8819-CE17-9E65-4A20EE208C36}"/>
-                  </a:ext>
-                </a:extLst>
-              </p:cNvPr>
-              <p:cNvSpPr/>
-              <p:nvPr/>
-            </p:nvSpPr>
-            <p:spPr>
-              <a:xfrm>
-                <a:off x="3195962" y="1328493"/>
-                <a:ext cx="1713390" cy="284086"/>
-              </a:xfrm>
-              <a:prstGeom prst="rect">
-                <a:avLst/>
-              </a:prstGeom>
-              <a:solidFill>
-                <a:schemeClr val="accent5">
-                  <a:lumMod val="20000"/>
-                  <a:lumOff val="80000"/>
-                </a:schemeClr>
-              </a:solidFill>
-              <a:ln>
-                <a:solidFill>
-                  <a:schemeClr val="accent5"/>
-                </a:solidFill>
-              </a:ln>
-            </p:spPr>
-            <p:style>
-              <a:lnRef idx="2">
-                <a:schemeClr val="accent1">
-                  <a:shade val="50000"/>
-                </a:schemeClr>
-              </a:lnRef>
-              <a:fillRef idx="1">
-                <a:schemeClr val="accent1"/>
-              </a:fillRef>
-              <a:effectRef idx="0">
-                <a:schemeClr val="accent1"/>
-              </a:effectRef>
-              <a:fontRef idx="minor">
-                <a:schemeClr val="lt1"/>
-              </a:fontRef>
-            </p:style>
-            <p:txBody>
-              <a:bodyPr rtlCol="0" anchor="ctr"/>
-              <a:lstStyle/>
-              <a:p>
-                <a:pPr algn="ctr"/>
-                <a:r>
-                  <a:rPr lang="en-US" dirty="0">
-                    <a:solidFill>
-                      <a:schemeClr val="tx1"/>
-                    </a:solidFill>
-                    <a:latin typeface="TH Sarabun New" panose="020B0500040200020003" pitchFamily="34" charset="-34"/>
-                    <a:cs typeface="TH Sarabun New" panose="020B0500040200020003" pitchFamily="34" charset="-34"/>
-                  </a:rPr>
-                  <a:t>Int counter = 0</a:t>
-                </a:r>
-              </a:p>
-            </p:txBody>
-          </p:sp>
-          <p:cxnSp>
-            <p:nvCxnSpPr>
-              <p:cNvPr id="108" name="Straight Arrow Connector 107">
-                <a:extLst>
-                  <a:ext uri="{FF2B5EF4-FFF2-40B4-BE49-F238E27FC236}">
-                    <a16:creationId xmlns:a16="http://schemas.microsoft.com/office/drawing/2014/main" id="{965DDFBC-8A46-033A-C0FA-8A2D346EF0BF}"/>
-                  </a:ext>
-                </a:extLst>
-              </p:cNvPr>
-              <p:cNvCxnSpPr>
-                <a:cxnSpLocks/>
-                <a:stCxn id="101" idx="2"/>
-                <a:endCxn id="8" idx="0"/>
-              </p:cNvCxnSpPr>
-              <p:nvPr/>
-            </p:nvCxnSpPr>
-            <p:spPr>
-              <a:xfrm flipH="1">
-                <a:off x="4051029" y="1612579"/>
-                <a:ext cx="1628" cy="199318"/>
-              </a:xfrm>
-              <a:prstGeom prst="straightConnector1">
-                <a:avLst/>
-              </a:prstGeom>
-              <a:ln w="38100">
-                <a:solidFill>
-                  <a:schemeClr val="accent5"/>
-                </a:solidFill>
-                <a:tailEnd type="triangle"/>
-              </a:ln>
-            </p:spPr>
-            <p:style>
-              <a:lnRef idx="1">
-                <a:schemeClr val="accent1"/>
-              </a:lnRef>
-              <a:fillRef idx="0">
-                <a:schemeClr val="accent1"/>
-              </a:fillRef>
-              <a:effectRef idx="0">
-                <a:schemeClr val="accent1"/>
-              </a:effectRef>
-              <a:fontRef idx="minor">
-                <a:schemeClr val="tx1"/>
-              </a:fontRef>
-            </p:style>
-          </p:cxnSp>
-          <p:sp>
-            <p:nvSpPr>
-              <p:cNvPr id="122" name="Rectangle 121">
-                <a:extLst>
-                  <a:ext uri="{FF2B5EF4-FFF2-40B4-BE49-F238E27FC236}">
-                    <a16:creationId xmlns:a16="http://schemas.microsoft.com/office/drawing/2014/main" id="{90704A9F-97EA-7561-6FC1-E17F7B98EB38}"/>
-                  </a:ext>
-                </a:extLst>
-              </p:cNvPr>
-              <p:cNvSpPr/>
-              <p:nvPr/>
-            </p:nvSpPr>
-            <p:spPr>
-              <a:xfrm>
-                <a:off x="1156388" y="3997245"/>
-                <a:ext cx="1518081" cy="376264"/>
-              </a:xfrm>
-              <a:prstGeom prst="rect">
-                <a:avLst/>
-              </a:prstGeom>
-              <a:solidFill>
-                <a:schemeClr val="accent5">
-                  <a:lumMod val="20000"/>
-                  <a:lumOff val="80000"/>
-                </a:schemeClr>
-              </a:solidFill>
-              <a:ln>
-                <a:solidFill>
-                  <a:schemeClr val="accent5"/>
-                </a:solidFill>
-              </a:ln>
-            </p:spPr>
-            <p:style>
-              <a:lnRef idx="2">
-                <a:schemeClr val="accent1">
-                  <a:shade val="50000"/>
-                </a:schemeClr>
-              </a:lnRef>
-              <a:fillRef idx="1">
-                <a:schemeClr val="accent1"/>
-              </a:fillRef>
-              <a:effectRef idx="0">
-                <a:schemeClr val="accent1"/>
-              </a:effectRef>
-              <a:fontRef idx="minor">
-                <a:schemeClr val="lt1"/>
-              </a:fontRef>
-            </p:style>
-            <p:txBody>
-              <a:bodyPr rtlCol="0" anchor="ctr"/>
-              <a:lstStyle/>
-              <a:p>
-                <a:pPr algn="ctr"/>
-                <a:r>
-                  <a:rPr lang="en-US" sz="1400" dirty="0">
-                    <a:solidFill>
-                      <a:schemeClr val="tx1"/>
-                    </a:solidFill>
-                    <a:latin typeface="TH Sarabun New" panose="020B0500040200020003" pitchFamily="34" charset="-34"/>
-                    <a:cs typeface="TH Sarabun New" panose="020B0500040200020003" pitchFamily="34" charset="-34"/>
-                  </a:rPr>
-                  <a:t>counter = counter + 1</a:t>
-                </a:r>
-                <a:endParaRPr lang="th-TH" sz="1400" dirty="0">
-                  <a:solidFill>
-                    <a:schemeClr val="tx1"/>
-                  </a:solidFill>
-                  <a:latin typeface="TH Sarabun New" panose="020B0500040200020003" pitchFamily="34" charset="-34"/>
-                  <a:cs typeface="TH Sarabun New" panose="020B0500040200020003" pitchFamily="34" charset="-34"/>
-                </a:endParaRPr>
-              </a:p>
-            </p:txBody>
-          </p:sp>
-          <p:cxnSp>
-            <p:nvCxnSpPr>
-              <p:cNvPr id="124" name="Straight Arrow Connector 123">
-                <a:extLst>
-                  <a:ext uri="{FF2B5EF4-FFF2-40B4-BE49-F238E27FC236}">
-                    <a16:creationId xmlns:a16="http://schemas.microsoft.com/office/drawing/2014/main" id="{05079A4F-140A-173D-586D-4EFAE1ACC73E}"/>
-                  </a:ext>
-                </a:extLst>
-              </p:cNvPr>
-              <p:cNvCxnSpPr>
-                <a:cxnSpLocks/>
-                <a:stCxn id="122" idx="2"/>
-                <a:endCxn id="27" idx="0"/>
-              </p:cNvCxnSpPr>
-              <p:nvPr/>
-            </p:nvCxnSpPr>
-            <p:spPr>
-              <a:xfrm flipH="1">
-                <a:off x="1915428" y="4373509"/>
-                <a:ext cx="1" cy="253293"/>
-              </a:xfrm>
-              <a:prstGeom prst="straightConnector1">
-                <a:avLst/>
-              </a:prstGeom>
-              <a:ln w="38100">
-                <a:solidFill>
-                  <a:schemeClr val="accent5"/>
-                </a:solidFill>
-                <a:tailEnd type="triangle"/>
-              </a:ln>
-            </p:spPr>
-            <p:style>
-              <a:lnRef idx="1">
-                <a:schemeClr val="accent1"/>
-              </a:lnRef>
-              <a:fillRef idx="0">
-                <a:schemeClr val="accent1"/>
-              </a:fillRef>
-              <a:effectRef idx="0">
-                <a:schemeClr val="accent1"/>
-              </a:effectRef>
-              <a:fontRef idx="minor">
-                <a:schemeClr val="tx1"/>
-              </a:fontRef>
-            </p:style>
-          </p:cxnSp>
-          <p:sp>
-            <p:nvSpPr>
-              <p:cNvPr id="156" name="Rectangle 155">
-                <a:extLst>
-                  <a:ext uri="{FF2B5EF4-FFF2-40B4-BE49-F238E27FC236}">
-                    <a16:creationId xmlns:a16="http://schemas.microsoft.com/office/drawing/2014/main" id="{8F2A7ECD-3661-4D69-99B1-89EC8413E7AB}"/>
-                  </a:ext>
-                </a:extLst>
-              </p:cNvPr>
-              <p:cNvSpPr/>
-              <p:nvPr/>
-            </p:nvSpPr>
-            <p:spPr>
-              <a:xfrm>
-                <a:off x="5180172" y="4777722"/>
-                <a:ext cx="1713390" cy="284086"/>
-              </a:xfrm>
-              <a:prstGeom prst="rect">
-                <a:avLst/>
-              </a:prstGeom>
-              <a:solidFill>
-                <a:schemeClr val="accent5">
-                  <a:lumMod val="20000"/>
-                  <a:lumOff val="80000"/>
-                </a:schemeClr>
-              </a:solidFill>
-              <a:ln>
-                <a:solidFill>
-                  <a:schemeClr val="accent5"/>
-                </a:solidFill>
-              </a:ln>
-            </p:spPr>
-            <p:style>
-              <a:lnRef idx="2">
-                <a:schemeClr val="accent1">
-                  <a:shade val="50000"/>
-                </a:schemeClr>
-              </a:lnRef>
-              <a:fillRef idx="1">
-                <a:schemeClr val="accent1"/>
-              </a:fillRef>
-              <a:effectRef idx="0">
-                <a:schemeClr val="accent1"/>
-              </a:effectRef>
-              <a:fontRef idx="minor">
-                <a:schemeClr val="lt1"/>
-              </a:fontRef>
-            </p:style>
-            <p:txBody>
-              <a:bodyPr rtlCol="0" anchor="ctr"/>
-              <a:lstStyle/>
-              <a:p>
-                <a:pPr algn="ctr"/>
-                <a:r>
-                  <a:rPr lang="th-TH" dirty="0">
-                    <a:solidFill>
-                      <a:schemeClr val="tx1"/>
-                    </a:solidFill>
-                    <a:latin typeface="TH Sarabun New" panose="020B0500040200020003" pitchFamily="34" charset="-34"/>
-                    <a:cs typeface="TH Sarabun New" panose="020B0500040200020003" pitchFamily="34" charset="-34"/>
-                  </a:rPr>
-                  <a:t>ผ่านด่าน</a:t>
-                </a:r>
-                <a:endParaRPr lang="en-US" dirty="0">
-                  <a:solidFill>
-                    <a:schemeClr val="tx1"/>
-                  </a:solidFill>
-                  <a:latin typeface="TH Sarabun New" panose="020B0500040200020003" pitchFamily="34" charset="-34"/>
-                  <a:cs typeface="TH Sarabun New" panose="020B0500040200020003" pitchFamily="34" charset="-34"/>
-                </a:endParaRPr>
-              </a:p>
-            </p:txBody>
-          </p:sp>
-          <p:cxnSp>
-            <p:nvCxnSpPr>
-              <p:cNvPr id="158" name="Connector: Elbow 157">
-                <a:extLst>
-                  <a:ext uri="{FF2B5EF4-FFF2-40B4-BE49-F238E27FC236}">
-                    <a16:creationId xmlns:a16="http://schemas.microsoft.com/office/drawing/2014/main" id="{A250AD89-6464-3797-9276-FF316A0A2DA8}"/>
-                  </a:ext>
-                </a:extLst>
-              </p:cNvPr>
-              <p:cNvCxnSpPr>
-                <a:cxnSpLocks/>
-                <a:stCxn id="156" idx="2"/>
-                <a:endCxn id="5" idx="0"/>
-              </p:cNvCxnSpPr>
-              <p:nvPr/>
-            </p:nvCxnSpPr>
-            <p:spPr>
-              <a:xfrm rot="5400000">
-                <a:off x="4446591" y="4657758"/>
-                <a:ext cx="1186226" cy="1994326"/>
-              </a:xfrm>
-              <a:prstGeom prst="bentConnector3">
-                <a:avLst>
-                  <a:gd name="adj1" fmla="val 62847"/>
-                </a:avLst>
-              </a:prstGeom>
-              <a:ln w="38100">
-                <a:solidFill>
-                  <a:schemeClr val="accent5"/>
-                </a:solidFill>
-                <a:tailEnd type="triangle"/>
-              </a:ln>
-            </p:spPr>
-            <p:style>
-              <a:lnRef idx="1">
-                <a:schemeClr val="accent1"/>
-              </a:lnRef>
-              <a:fillRef idx="0">
-                <a:schemeClr val="accent1"/>
-              </a:fillRef>
-              <a:effectRef idx="0">
-                <a:schemeClr val="accent1"/>
-              </a:effectRef>
-              <a:fontRef idx="minor">
-                <a:schemeClr val="tx1"/>
-              </a:fontRef>
-            </p:style>
-          </p:cxnSp>
-          <p:sp>
-            <p:nvSpPr>
-              <p:cNvPr id="164" name="TextBox 163">
-                <a:extLst>
-                  <a:ext uri="{FF2B5EF4-FFF2-40B4-BE49-F238E27FC236}">
-                    <a16:creationId xmlns:a16="http://schemas.microsoft.com/office/drawing/2014/main" id="{4D11DC48-F1C3-074D-97ED-64D62B580EA1}"/>
-                  </a:ext>
-                </a:extLst>
-              </p:cNvPr>
-              <p:cNvSpPr txBox="1"/>
-              <p:nvPr/>
-            </p:nvSpPr>
-            <p:spPr>
-              <a:xfrm>
-                <a:off x="5397677" y="4267351"/>
-                <a:ext cx="639188" cy="307777"/>
-              </a:xfrm>
-              <a:prstGeom prst="rect">
-                <a:avLst/>
-              </a:prstGeom>
-              <a:noFill/>
-            </p:spPr>
-            <p:txBody>
-              <a:bodyPr wrap="square" rtlCol="0">
-                <a:spAutoFit/>
-              </a:bodyPr>
-              <a:lstStyle/>
-              <a:p>
-                <a:r>
-                  <a:rPr lang="en-US" sz="1400" dirty="0">
-                    <a:latin typeface="TH Sarabun New" panose="020B0500040200020003" pitchFamily="34" charset="-34"/>
-                    <a:cs typeface="TH Sarabun New" panose="020B0500040200020003" pitchFamily="34" charset="-34"/>
-                  </a:rPr>
-                  <a:t>TRUE</a:t>
-                </a:r>
-              </a:p>
-            </p:txBody>
-          </p:sp>
-          <p:sp>
-            <p:nvSpPr>
-              <p:cNvPr id="165" name="TextBox 164">
-                <a:extLst>
-                  <a:ext uri="{FF2B5EF4-FFF2-40B4-BE49-F238E27FC236}">
-                    <a16:creationId xmlns:a16="http://schemas.microsoft.com/office/drawing/2014/main" id="{BC23647F-1BC6-AC92-0BDF-124512C67EEC}"/>
-                  </a:ext>
-                </a:extLst>
-              </p:cNvPr>
-              <p:cNvSpPr txBox="1"/>
-              <p:nvPr/>
-            </p:nvSpPr>
-            <p:spPr>
-              <a:xfrm>
-                <a:off x="7110490" y="3489316"/>
-                <a:ext cx="598456" cy="307777"/>
-              </a:xfrm>
-              <a:prstGeom prst="rect">
-                <a:avLst/>
-              </a:prstGeom>
-              <a:noFill/>
-            </p:spPr>
-            <p:txBody>
-              <a:bodyPr wrap="square" rtlCol="0">
-                <a:spAutoFit/>
-              </a:bodyPr>
-              <a:lstStyle/>
-              <a:p>
-                <a:r>
-                  <a:rPr lang="en-US" sz="1400" dirty="0">
-                    <a:latin typeface="TH Sarabun New" panose="020B0500040200020003" pitchFamily="34" charset="-34"/>
-                    <a:cs typeface="TH Sarabun New" panose="020B0500040200020003" pitchFamily="34" charset="-34"/>
-                  </a:rPr>
-                  <a:t>FALSE</a:t>
-                </a:r>
-              </a:p>
-            </p:txBody>
-          </p:sp>
-          <p:cxnSp>
-            <p:nvCxnSpPr>
-              <p:cNvPr id="213" name="Connector: Elbow 212">
-                <a:extLst>
-                  <a:ext uri="{FF2B5EF4-FFF2-40B4-BE49-F238E27FC236}">
-                    <a16:creationId xmlns:a16="http://schemas.microsoft.com/office/drawing/2014/main" id="{2A941F3C-62FC-3BFD-B575-15364F8B6738}"/>
-                  </a:ext>
-                </a:extLst>
-              </p:cNvPr>
-              <p:cNvCxnSpPr>
-                <a:cxnSpLocks/>
-                <a:stCxn id="92" idx="3"/>
-                <a:endCxn id="217" idx="2"/>
-              </p:cNvCxnSpPr>
-              <p:nvPr/>
-            </p:nvCxnSpPr>
-            <p:spPr>
-              <a:xfrm flipV="1">
-                <a:off x="7252736" y="2978025"/>
-                <a:ext cx="313965" cy="819069"/>
-              </a:xfrm>
-              <a:prstGeom prst="bentConnector2">
-                <a:avLst/>
-              </a:prstGeom>
-              <a:ln w="38100">
-                <a:solidFill>
-                  <a:schemeClr val="accent5"/>
-                </a:solidFill>
-                <a:tailEnd type="triangle"/>
-              </a:ln>
-            </p:spPr>
-            <p:style>
-              <a:lnRef idx="1">
-                <a:schemeClr val="accent1"/>
-              </a:lnRef>
-              <a:fillRef idx="0">
-                <a:schemeClr val="accent1"/>
-              </a:fillRef>
-              <a:effectRef idx="0">
-                <a:schemeClr val="accent1"/>
-              </a:effectRef>
-              <a:fontRef idx="minor">
-                <a:schemeClr val="tx1"/>
-              </a:fontRef>
-            </p:style>
-          </p:cxnSp>
-          <p:sp>
-            <p:nvSpPr>
-              <p:cNvPr id="217" name="Rectangle 216">
-                <a:extLst>
-                  <a:ext uri="{FF2B5EF4-FFF2-40B4-BE49-F238E27FC236}">
-                    <a16:creationId xmlns:a16="http://schemas.microsoft.com/office/drawing/2014/main" id="{F9819FC0-46BA-2B5C-9364-F8403B658938}"/>
-                  </a:ext>
-                </a:extLst>
-              </p:cNvPr>
-              <p:cNvSpPr/>
-              <p:nvPr/>
-            </p:nvSpPr>
-            <p:spPr>
-              <a:xfrm>
-                <a:off x="6807660" y="2645114"/>
-                <a:ext cx="1518081" cy="332911"/>
-              </a:xfrm>
-              <a:prstGeom prst="rect">
-                <a:avLst/>
-              </a:prstGeom>
-              <a:solidFill>
-                <a:schemeClr val="accent5">
-                  <a:lumMod val="20000"/>
-                  <a:lumOff val="80000"/>
-                </a:schemeClr>
-              </a:solidFill>
-              <a:ln>
-                <a:solidFill>
-                  <a:schemeClr val="accent5"/>
-                </a:solidFill>
-              </a:ln>
-            </p:spPr>
-            <p:style>
-              <a:lnRef idx="2">
-                <a:schemeClr val="accent1">
-                  <a:shade val="50000"/>
-                </a:schemeClr>
-              </a:lnRef>
-              <a:fillRef idx="1">
-                <a:schemeClr val="accent1"/>
-              </a:fillRef>
-              <a:effectRef idx="0">
-                <a:schemeClr val="accent1"/>
-              </a:effectRef>
-              <a:fontRef idx="minor">
-                <a:schemeClr val="lt1"/>
-              </a:fontRef>
-            </p:style>
-            <p:txBody>
-              <a:bodyPr rtlCol="0" anchor="ctr"/>
-              <a:lstStyle/>
-              <a:p>
-                <a:pPr algn="ctr"/>
-                <a:r>
-                  <a:rPr lang="en-US" dirty="0">
-                    <a:solidFill>
-                      <a:schemeClr val="tx1"/>
-                    </a:solidFill>
-                    <a:latin typeface="TH Sarabun New" panose="020B0500040200020003" pitchFamily="34" charset="-34"/>
-                    <a:cs typeface="TH Sarabun New" panose="020B0500040200020003" pitchFamily="34" charset="-34"/>
-                  </a:rPr>
-                  <a:t>Level = </a:t>
-                </a:r>
-                <a:r>
-                  <a:rPr lang="th-TH" dirty="0">
-                    <a:solidFill>
-                      <a:schemeClr val="tx1"/>
-                    </a:solidFill>
-                    <a:latin typeface="TH Sarabun New" panose="020B0500040200020003" pitchFamily="34" charset="-34"/>
-                    <a:cs typeface="TH Sarabun New" panose="020B0500040200020003" pitchFamily="34" charset="-34"/>
-                  </a:rPr>
-                  <a:t>9</a:t>
-                </a:r>
-                <a:endParaRPr lang="en-US" dirty="0">
-                  <a:solidFill>
-                    <a:schemeClr val="tx1"/>
-                  </a:solidFill>
-                  <a:latin typeface="TH Sarabun New" panose="020B0500040200020003" pitchFamily="34" charset="-34"/>
-                  <a:cs typeface="TH Sarabun New" panose="020B0500040200020003" pitchFamily="34" charset="-34"/>
-                </a:endParaRPr>
-              </a:p>
-            </p:txBody>
-          </p:sp>
-          <p:cxnSp>
-            <p:nvCxnSpPr>
-              <p:cNvPr id="221" name="Connector: Elbow 220">
-                <a:extLst>
-                  <a:ext uri="{FF2B5EF4-FFF2-40B4-BE49-F238E27FC236}">
-                    <a16:creationId xmlns:a16="http://schemas.microsoft.com/office/drawing/2014/main" id="{517C1456-0993-69AE-200D-94247F2A3085}"/>
-                  </a:ext>
-                </a:extLst>
-              </p:cNvPr>
-              <p:cNvCxnSpPr>
-                <a:cxnSpLocks/>
-                <a:stCxn id="217" idx="0"/>
-                <a:endCxn id="8" idx="6"/>
-              </p:cNvCxnSpPr>
-              <p:nvPr/>
-            </p:nvCxnSpPr>
-            <p:spPr>
-              <a:xfrm rot="16200000" flipV="1">
-                <a:off x="5532147" y="610560"/>
-                <a:ext cx="695478" cy="3373630"/>
-              </a:xfrm>
-              <a:prstGeom prst="bentConnector2">
-                <a:avLst/>
-              </a:prstGeom>
-              <a:ln w="38100">
-                <a:solidFill>
-                  <a:schemeClr val="accent5"/>
-                </a:solidFill>
-                <a:tailEnd type="triangle"/>
-              </a:ln>
-            </p:spPr>
-            <p:style>
-              <a:lnRef idx="1">
-                <a:schemeClr val="accent1"/>
-              </a:lnRef>
-              <a:fillRef idx="0">
-                <a:schemeClr val="accent1"/>
-              </a:fillRef>
-              <a:effectRef idx="0">
-                <a:schemeClr val="accent1"/>
-              </a:effectRef>
-              <a:fontRef idx="minor">
-                <a:schemeClr val="tx1"/>
-              </a:fontRef>
-            </p:style>
-          </p:cxnSp>
-          <p:cxnSp>
-            <p:nvCxnSpPr>
-              <p:cNvPr id="227" name="Connector: Elbow 226">
-                <a:extLst>
-                  <a:ext uri="{FF2B5EF4-FFF2-40B4-BE49-F238E27FC236}">
-                    <a16:creationId xmlns:a16="http://schemas.microsoft.com/office/drawing/2014/main" id="{15196B46-A6F1-B48C-A030-0D8B6FFC619D}"/>
-                  </a:ext>
-                </a:extLst>
-              </p:cNvPr>
-              <p:cNvCxnSpPr>
-                <a:cxnSpLocks/>
-                <a:stCxn id="92" idx="2"/>
-                <a:endCxn id="156" idx="0"/>
-              </p:cNvCxnSpPr>
-              <p:nvPr/>
-            </p:nvCxnSpPr>
-            <p:spPr>
-              <a:xfrm rot="16200000" flipH="1">
-                <a:off x="5863858" y="4604712"/>
-                <a:ext cx="346017" cy="2"/>
-              </a:xfrm>
-              <a:prstGeom prst="bentConnector3">
-                <a:avLst>
-                  <a:gd name="adj1" fmla="val 50000"/>
-                </a:avLst>
-              </a:prstGeom>
-              <a:ln w="38100">
-                <a:solidFill>
-                  <a:schemeClr val="accent5"/>
-                </a:solidFill>
-                <a:tailEnd type="triangle"/>
-              </a:ln>
-            </p:spPr>
-            <p:style>
-              <a:lnRef idx="1">
-                <a:schemeClr val="accent1"/>
-              </a:lnRef>
-              <a:fillRef idx="0">
-                <a:schemeClr val="accent1"/>
-              </a:fillRef>
-              <a:effectRef idx="0">
-                <a:schemeClr val="accent1"/>
-              </a:effectRef>
-              <a:fontRef idx="minor">
-                <a:schemeClr val="tx1"/>
-              </a:fontRef>
-            </p:style>
-          </p:cxnSp>
-          <p:sp>
-            <p:nvSpPr>
-              <p:cNvPr id="245" name="Rectangle 244">
-                <a:extLst>
-                  <a:ext uri="{FF2B5EF4-FFF2-40B4-BE49-F238E27FC236}">
-                    <a16:creationId xmlns:a16="http://schemas.microsoft.com/office/drawing/2014/main" id="{6A4DC5EB-0670-66EA-E863-951CD383A33B}"/>
-                  </a:ext>
-                </a:extLst>
-              </p:cNvPr>
-              <p:cNvSpPr/>
-              <p:nvPr/>
-            </p:nvSpPr>
-            <p:spPr>
-              <a:xfrm>
-                <a:off x="144807" y="2978025"/>
-                <a:ext cx="3013359" cy="3697758"/>
-              </a:xfrm>
-              <a:prstGeom prst="rect">
-                <a:avLst/>
-              </a:prstGeom>
-              <a:noFill/>
-              <a:ln w="28575">
-                <a:solidFill>
-                  <a:schemeClr val="accent2"/>
-                </a:solidFill>
-                <a:prstDash val="dash"/>
-              </a:ln>
-            </p:spPr>
-            <p:style>
-              <a:lnRef idx="2">
-                <a:schemeClr val="accent1">
-                  <a:shade val="50000"/>
-                </a:schemeClr>
-              </a:lnRef>
-              <a:fillRef idx="1">
-                <a:schemeClr val="accent1"/>
-              </a:fillRef>
-              <a:effectRef idx="0">
-                <a:schemeClr val="accent1"/>
-              </a:effectRef>
-              <a:fontRef idx="minor">
-                <a:schemeClr val="lt1"/>
-              </a:fontRef>
-            </p:style>
-            <p:txBody>
-              <a:bodyPr rtlCol="0" anchor="ctr"/>
-              <a:lstStyle/>
-              <a:p>
-                <a:pPr algn="ctr"/>
-                <a:endParaRPr lang="en-US">
-                  <a:solidFill>
-                    <a:schemeClr val="tx1"/>
-                  </a:solidFill>
-                  <a:latin typeface="TH Sarabun New" panose="020B0500040200020003" pitchFamily="34" charset="-34"/>
-                  <a:cs typeface="TH Sarabun New" panose="020B0500040200020003" pitchFamily="34" charset="-34"/>
-                </a:endParaRPr>
-              </a:p>
-            </p:txBody>
-          </p:sp>
-        </p:grpSp>
-        <p:sp>
-          <p:nvSpPr>
-            <p:cNvPr id="2" name="Rectangle 1">
-              <a:extLst>
-                <a:ext uri="{FF2B5EF4-FFF2-40B4-BE49-F238E27FC236}">
-                  <a16:creationId xmlns:a16="http://schemas.microsoft.com/office/drawing/2014/main" id="{D9327DDD-6C98-69AF-41C8-FB57E551FEE0}"/>
-                </a:ext>
-              </a:extLst>
-            </p:cNvPr>
-            <p:cNvSpPr/>
-            <p:nvPr/>
-          </p:nvSpPr>
-          <p:spPr>
-            <a:xfrm>
-              <a:off x="4199138" y="472779"/>
-              <a:ext cx="2343705" cy="1273437"/>
-            </a:xfrm>
-            <a:prstGeom prst="rect">
-              <a:avLst/>
-            </a:prstGeom>
-            <a:noFill/>
-            <a:ln w="38100">
-              <a:solidFill>
-                <a:srgbClr val="D000BC"/>
-              </a:solidFill>
-              <a:prstDash val="dash"/>
-            </a:ln>
-          </p:spPr>
-          <p:style>
-            <a:lnRef idx="2">
-              <a:schemeClr val="accent1">
-                <a:shade val="50000"/>
-              </a:schemeClr>
-            </a:lnRef>
-            <a:fillRef idx="1">
-              <a:schemeClr val="accent1"/>
-            </a:fillRef>
-            <a:effectRef idx="0">
-              <a:schemeClr val="accent1"/>
-            </a:effectRef>
-            <a:fontRef idx="minor">
-              <a:schemeClr val="lt1"/>
-            </a:fontRef>
-          </p:style>
-          <p:txBody>
-            <a:bodyPr rtlCol="0" anchor="ctr"/>
-            <a:lstStyle/>
-            <a:p>
-              <a:pPr algn="ctr"/>
-              <a:endParaRPr lang="en-US">
-                <a:solidFill>
-                  <a:schemeClr val="tx1"/>
-                </a:solidFill>
-                <a:latin typeface="TH Sarabun New" panose="020B0500040200020003" pitchFamily="34" charset="-34"/>
-                <a:cs typeface="TH Sarabun New" panose="020B0500040200020003" pitchFamily="34" charset="-34"/>
-              </a:endParaRPr>
-            </a:p>
-          </p:txBody>
-        </p:sp>
-      </p:grpSp>
-      <p:sp>
-        <p:nvSpPr>
-          <p:cNvPr id="46" name="TextBox 45">
-            <a:extLst>
-              <a:ext uri="{FF2B5EF4-FFF2-40B4-BE49-F238E27FC236}">
-                <a16:creationId xmlns:a16="http://schemas.microsoft.com/office/drawing/2014/main" id="{39250DC8-E6FF-E699-1D55-C10DF9AEFCE9}"/>
-              </a:ext>
-            </a:extLst>
-          </p:cNvPr>
-          <p:cNvSpPr txBox="1"/>
-          <p:nvPr/>
-        </p:nvSpPr>
-        <p:spPr>
-          <a:xfrm>
-            <a:off x="297270" y="743773"/>
-            <a:ext cx="3819914" cy="523220"/>
-          </a:xfrm>
-          <a:prstGeom prst="rect">
-            <a:avLst/>
-          </a:prstGeom>
-          <a:noFill/>
-        </p:spPr>
-        <p:txBody>
-          <a:bodyPr wrap="square" rtlCol="0">
-            <a:spAutoFit/>
-          </a:bodyPr>
-          <a:lstStyle/>
-          <a:p>
-            <a:r>
-              <a:rPr lang="th-TH" sz="2800" dirty="0">
-                <a:latin typeface="TH Sarabun New" panose="020B0500040200020003" pitchFamily="34" charset="-34"/>
-                <a:cs typeface="TH Sarabun New" panose="020B0500040200020003" pitchFamily="34" charset="-34"/>
-              </a:rPr>
-              <a:t>จัดกลุ่มให้เห็นภาพ</a:t>
-            </a:r>
-            <a:endParaRPr lang="en-US" sz="2800" dirty="0">
-              <a:latin typeface="TH Sarabun New" panose="020B0500040200020003" pitchFamily="34" charset="-34"/>
-              <a:cs typeface="TH Sarabun New" panose="020B0500040200020003" pitchFamily="34" charset="-34"/>
-            </a:endParaRPr>
-          </a:p>
-        </p:txBody>
-      </p:sp>
-      <p:sp>
-        <p:nvSpPr>
-          <p:cNvPr id="13" name="Slide Number Placeholder 12">
-            <a:extLst>
-              <a:ext uri="{FF2B5EF4-FFF2-40B4-BE49-F238E27FC236}">
-                <a16:creationId xmlns:a16="http://schemas.microsoft.com/office/drawing/2014/main" id="{21B9FD41-D356-EE34-A22F-BB898F2798DB}"/>
-              </a:ext>
-            </a:extLst>
-          </p:cNvPr>
-          <p:cNvSpPr>
-            <a:spLocks noGrp="1"/>
-          </p:cNvSpPr>
-          <p:nvPr>
-            <p:ph type="sldNum" sz="quarter" idx="12"/>
-          </p:nvPr>
-        </p:nvSpPr>
-        <p:spPr/>
-        <p:txBody>
-          <a:bodyPr/>
-          <a:lstStyle/>
-          <a:p>
-            <a:fld id="{AE455537-A8B3-43D7-BAD4-622A405E8FF8}" type="slidenum">
-              <a:rPr lang="en-US" smtClean="0"/>
-              <a:t>29</a:t>
-            </a:fld>
-            <a:endParaRPr lang="en-US"/>
-          </a:p>
-        </p:txBody>
-      </p:sp>
-      <p:sp>
-        <p:nvSpPr>
-          <p:cNvPr id="14" name="Footer Placeholder 13">
-            <a:extLst>
-              <a:ext uri="{FF2B5EF4-FFF2-40B4-BE49-F238E27FC236}">
-                <a16:creationId xmlns:a16="http://schemas.microsoft.com/office/drawing/2014/main" id="{6BC9D5A0-3446-DD8B-A81F-73EEE831A8DC}"/>
-              </a:ext>
-            </a:extLst>
-          </p:cNvPr>
-          <p:cNvSpPr>
-            <a:spLocks noGrp="1"/>
-          </p:cNvSpPr>
-          <p:nvPr>
-            <p:ph type="ftr" sz="quarter" idx="11"/>
-          </p:nvPr>
-        </p:nvSpPr>
-        <p:spPr/>
-        <p:txBody>
-          <a:bodyPr/>
-          <a:lstStyle/>
-          <a:p>
-            <a:r>
-              <a:rPr lang="en-US"/>
-              <a:t>Nachai Paramesthanakorn</a:t>
-            </a:r>
-            <a:endParaRPr lang="en-US" dirty="0"/>
-          </a:p>
-        </p:txBody>
-      </p:sp>
-    </p:spTree>
-    <p:extLst>
-      <p:ext uri="{BB962C8B-B14F-4D97-AF65-F5344CB8AC3E}">
-        <p14:creationId xmlns:p14="http://schemas.microsoft.com/office/powerpoint/2010/main" val="2551449281"/>
-      </p:ext>
-    </p:extLst>
-  </p:cSld>
-  <p:clrMapOvr>
-    <a:masterClrMapping/>
-  </p:clrMapOvr>
-</p:sld>
-</file>
-
 <file path=ppt/slides/slide3.xml><?xml version="1.0" encoding="utf-8"?>
 <p:sld xmlns:a="http://schemas.openxmlformats.org/drawingml/2006/main" xmlns:r="http://schemas.openxmlformats.org/officeDocument/2006/relationships" xmlns:p="http://schemas.openxmlformats.org/presentationml/2006/main">
   <p:cSld>
@@ -29055,14 +21317,14 @@
           <a:lstStyle/>
           <a:p>
             <a:r>
-              <a:rPr lang="en-US" dirty="0">
+              <a:rPr lang="en-US">
                 <a:latin typeface="TH Sarabun New" panose="020B0500040200020003" pitchFamily="34" charset="-34"/>
                 <a:cs typeface="TH Sarabun New" panose="020B0500040200020003" pitchFamily="34" charset="-34"/>
               </a:rPr>
               <a:t>Flowchart </a:t>
             </a:r>
             <a:r>
-              <a:rPr lang="th-TH" dirty="0">
+              <a:rPr lang="th-TH">
                 <a:latin typeface="TH Sarabun New" panose="020B0500040200020003" pitchFamily="34" charset="-34"/>
                 <a:cs typeface="TH Sarabun New" panose="020B0500040200020003" pitchFamily="34" charset="-34"/>
               </a:rPr>
@@ -29102,21 +21364,21 @@
               <a:buNone/>
             </a:pPr>
             <a:r>
-              <a:rPr lang="th-TH" sz="2800" dirty="0">
+              <a:rPr lang="th-TH" sz="2800">
                 <a:latin typeface="TH Sarabun New" panose="020B0500040200020003" pitchFamily="34" charset="-34"/>
                 <a:cs typeface="TH Sarabun New" panose="020B0500040200020003" pitchFamily="34" charset="-34"/>
               </a:rPr>
               <a:t>แผนภาพที่ใช้</a:t>
             </a:r>
             <a:r>
-              <a:rPr lang="en-US" sz="2800" dirty="0">
+              <a:rPr lang="en-US" sz="2800">
                 <a:latin typeface="TH Sarabun New" panose="020B0500040200020003" pitchFamily="34" charset="-34"/>
                 <a:cs typeface="TH Sarabun New" panose="020B0500040200020003" pitchFamily="34" charset="-34"/>
               </a:rPr>
               <a:t> </a:t>
             </a:r>
             <a:r>
-              <a:rPr lang="th-TH" sz="2800" dirty="0">
+              <a:rPr lang="th-TH" sz="2800">
                 <a:latin typeface="TH Sarabun New" panose="020B0500040200020003" pitchFamily="34" charset="-34"/>
                 <a:cs typeface="TH Sarabun New" panose="020B0500040200020003" pitchFamily="34" charset="-34"/>
               </a:rPr>
@@ -29128,35 +21390,35 @@
               <a:buNone/>
             </a:pPr>
             <a:r>
-              <a:rPr lang="th-TH" sz="2800" dirty="0">
+              <a:rPr lang="th-TH" sz="2800">
                 <a:latin typeface="TH Sarabun New" panose="020B0500040200020003" pitchFamily="34" charset="-34"/>
                 <a:cs typeface="TH Sarabun New" panose="020B0500040200020003" pitchFamily="34" charset="-34"/>
               </a:rPr>
               <a:t>โดยการทำงานจะเริ่มจากจุดเริ่มต้น (</a:t>
             </a:r>
             <a:r>
-              <a:rPr lang="en-US" sz="2800" dirty="0">
+              <a:rPr lang="en-US" sz="2800">
                 <a:latin typeface="TH Sarabun New" panose="020B0500040200020003" pitchFamily="34" charset="-34"/>
                 <a:cs typeface="TH Sarabun New" panose="020B0500040200020003" pitchFamily="34" charset="-34"/>
               </a:rPr>
               <a:t>Start) </a:t>
             </a:r>
             <a:r>
-              <a:rPr lang="th-TH" sz="2800" dirty="0">
+              <a:rPr lang="th-TH" sz="2800">
                 <a:latin typeface="TH Sarabun New" panose="020B0500040200020003" pitchFamily="34" charset="-34"/>
                 <a:cs typeface="TH Sarabun New" panose="020B0500040200020003" pitchFamily="34" charset="-34"/>
               </a:rPr>
               <a:t>ไปยัง จุดสิ้นสุด (</a:t>
             </a:r>
             <a:r>
-              <a:rPr lang="en-US" sz="2800" dirty="0">
+              <a:rPr lang="en-US" sz="2800">
                 <a:latin typeface="TH Sarabun New" panose="020B0500040200020003" pitchFamily="34" charset="-34"/>
                 <a:cs typeface="TH Sarabun New" panose="020B0500040200020003" pitchFamily="34" charset="-34"/>
               </a:rPr>
               <a:t>Stop) </a:t>
             </a:r>
             <a:r>
-              <a:rPr lang="th-TH" sz="2800" dirty="0">
+              <a:rPr lang="th-TH" sz="2800">
                 <a:latin typeface="TH Sarabun New" panose="020B0500040200020003" pitchFamily="34" charset="-34"/>
                 <a:cs typeface="TH Sarabun New" panose="020B0500040200020003" pitchFamily="34" charset="-34"/>
               </a:rPr>
@@ -29227,6 +21489,36 @@
           </a:p>
         </p:txBody>
       </p:sp>
+      <p:pic>
+        <p:nvPicPr>
+          <p:cNvPr id="9" name="Picture 8">
+            <a:extLst>
+              <a:ext uri="{FF2B5EF4-FFF2-40B4-BE49-F238E27FC236}">
+                <a16:creationId xmlns:a16="http://schemas.microsoft.com/office/drawing/2014/main" id="{F92A78DA-B779-E0B4-2CD0-F2E4D264625A}"/>
+              </a:ext>
+            </a:extLst>
+          </p:cNvPr>
+          <p:cNvPicPr>
+            <a:picLocks noChangeAspect="1"/>
+          </p:cNvPicPr>
+          <p:nvPr/>
+        </p:nvPicPr>
+        <p:blipFill>
+          <a:blip r:embed="rId2"/>
+          <a:stretch>
+            <a:fillRect/>
+          </a:stretch>
+        </p:blipFill>
+        <p:spPr>
+          <a:xfrm>
+            <a:off x="3685504" y="2823882"/>
+            <a:ext cx="4820992" cy="3899647"/>
+          </a:xfrm>
+          <a:prstGeom prst="rect">
+            <a:avLst/>
+          </a:prstGeom>
+        </p:spPr>
+      </p:pic>
     </p:spTree>
     <p:extLst>
       <p:ext uri="{BB962C8B-B14F-4D97-AF65-F5344CB8AC3E}">
